--- a/Planning.pptx
+++ b/Planning.pptx
@@ -6,13 +6,13 @@
   </p:sldMasterIdLst>
   <p:sldIdLst>
     <p:sldId id="256" r:id="rId2"/>
-    <p:sldId id="259" r:id="rId3"/>
-    <p:sldId id="260" r:id="rId4"/>
-    <p:sldId id="261" r:id="rId5"/>
-    <p:sldId id="264" r:id="rId6"/>
-    <p:sldId id="262" r:id="rId7"/>
-    <p:sldId id="263" r:id="rId8"/>
-    <p:sldId id="258" r:id="rId9"/>
+    <p:sldId id="258" r:id="rId3"/>
+    <p:sldId id="259" r:id="rId4"/>
+    <p:sldId id="260" r:id="rId5"/>
+    <p:sldId id="261" r:id="rId6"/>
+    <p:sldId id="264" r:id="rId7"/>
+    <p:sldId id="262" r:id="rId8"/>
+    <p:sldId id="263" r:id="rId9"/>
     <p:sldId id="257" r:id="rId10"/>
   </p:sldIdLst>
   <p:sldSz cx="12192000" cy="6858000"/>
@@ -843,7 +843,7 @@
             <a:fld id="{B61BEF0D-F0BB-DE4B-95CE-6DB70DBA9567}" type="datetimeFigureOut">
               <a:rPr lang="en-US" dirty="0"/>
               <a:pPr/>
-              <a:t>3/18/19</a:t>
+              <a:t>3/21/19</a:t>
             </a:fld>
             <a:endParaRPr lang="en-US" dirty="0"/>
           </a:p>
@@ -1091,7 +1091,7 @@
             <a:fld id="{B61BEF0D-F0BB-DE4B-95CE-6DB70DBA9567}" type="datetimeFigureOut">
               <a:rPr lang="en-US" dirty="0"/>
               <a:pPr/>
-              <a:t>3/18/19</a:t>
+              <a:t>3/21/19</a:t>
             </a:fld>
             <a:endParaRPr lang="en-US" dirty="0"/>
           </a:p>
@@ -1402,7 +1402,7 @@
             <a:fld id="{B61BEF0D-F0BB-DE4B-95CE-6DB70DBA9567}" type="datetimeFigureOut">
               <a:rPr lang="en-US" dirty="0"/>
               <a:pPr/>
-              <a:t>3/18/19</a:t>
+              <a:t>3/21/19</a:t>
             </a:fld>
             <a:endParaRPr lang="en-US" dirty="0"/>
           </a:p>
@@ -1740,7 +1740,7 @@
             <a:fld id="{B61BEF0D-F0BB-DE4B-95CE-6DB70DBA9567}" type="datetimeFigureOut">
               <a:rPr lang="en-US" dirty="0"/>
               <a:pPr/>
-              <a:t>3/18/19</a:t>
+              <a:t>3/21/19</a:t>
             </a:fld>
             <a:endParaRPr lang="en-US" dirty="0"/>
           </a:p>
@@ -2051,7 +2051,7 @@
             <a:fld id="{B61BEF0D-F0BB-DE4B-95CE-6DB70DBA9567}" type="datetimeFigureOut">
               <a:rPr lang="en-US" dirty="0"/>
               <a:pPr/>
-              <a:t>3/18/19</a:t>
+              <a:t>3/21/19</a:t>
             </a:fld>
             <a:endParaRPr lang="en-US" dirty="0"/>
           </a:p>
@@ -2441,7 +2441,7 @@
             <a:fld id="{B61BEF0D-F0BB-DE4B-95CE-6DB70DBA9567}" type="datetimeFigureOut">
               <a:rPr lang="en-US" dirty="0"/>
               <a:pPr/>
-              <a:t>3/18/19</a:t>
+              <a:t>3/21/19</a:t>
             </a:fld>
             <a:endParaRPr lang="en-US" dirty="0"/>
           </a:p>
@@ -2607,7 +2607,7 @@
           <a:p>
             <a:fld id="{55C6B4A9-1611-4792-9094-5F34BCA07E0B}" type="datetimeFigureOut">
               <a:rPr lang="en-US" dirty="0"/>
-              <a:t>3/18/19</a:t>
+              <a:t>3/21/19</a:t>
             </a:fld>
             <a:endParaRPr lang="en-US" dirty="0"/>
           </a:p>
@@ -2783,7 +2783,7 @@
             <a:fld id="{B61BEF0D-F0BB-DE4B-95CE-6DB70DBA9567}" type="datetimeFigureOut">
               <a:rPr lang="en-US" dirty="0"/>
               <a:pPr/>
-              <a:t>3/18/19</a:t>
+              <a:t>3/21/19</a:t>
             </a:fld>
             <a:endParaRPr lang="en-US" dirty="0"/>
           </a:p>
@@ -2956,7 +2956,7 @@
             <a:fld id="{B61BEF0D-F0BB-DE4B-95CE-6DB70DBA9567}" type="datetimeFigureOut">
               <a:rPr lang="en-US" dirty="0"/>
               <a:pPr/>
-              <a:t>3/18/19</a:t>
+              <a:t>3/21/19</a:t>
             </a:fld>
             <a:endParaRPr lang="en-US" dirty="0"/>
           </a:p>
@@ -3200,7 +3200,7 @@
             <a:fld id="{B61BEF0D-F0BB-DE4B-95CE-6DB70DBA9567}" type="datetimeFigureOut">
               <a:rPr lang="en-US" dirty="0"/>
               <a:pPr/>
-              <a:t>3/18/19</a:t>
+              <a:t>3/21/19</a:t>
             </a:fld>
             <a:endParaRPr lang="en-US" dirty="0"/>
           </a:p>
@@ -3428,7 +3428,7 @@
           <a:p>
             <a:fld id="{EB712588-04B1-427B-82EE-E8DB90309F08}" type="datetimeFigureOut">
               <a:rPr lang="en-US" dirty="0"/>
-              <a:t>3/18/19</a:t>
+              <a:t>3/21/19</a:t>
             </a:fld>
             <a:endParaRPr lang="en-US" dirty="0"/>
           </a:p>
@@ -3798,7 +3798,7 @@
             <a:fld id="{B61BEF0D-F0BB-DE4B-95CE-6DB70DBA9567}" type="datetimeFigureOut">
               <a:rPr lang="en-US" dirty="0"/>
               <a:pPr/>
-              <a:t>3/18/19</a:t>
+              <a:t>3/21/19</a:t>
             </a:fld>
             <a:endParaRPr lang="en-US" dirty="0"/>
           </a:p>
@@ -3918,7 +3918,7 @@
             <a:fld id="{B61BEF0D-F0BB-DE4B-95CE-6DB70DBA9567}" type="datetimeFigureOut">
               <a:rPr lang="en-US" dirty="0"/>
               <a:pPr/>
-              <a:t>3/18/19</a:t>
+              <a:t>3/21/19</a:t>
             </a:fld>
             <a:endParaRPr lang="en-US" dirty="0"/>
           </a:p>
@@ -4010,7 +4010,7 @@
             <a:fld id="{B61BEF0D-F0BB-DE4B-95CE-6DB70DBA9567}" type="datetimeFigureOut">
               <a:rPr lang="en-US" dirty="0"/>
               <a:pPr/>
-              <a:t>3/18/19</a:t>
+              <a:t>3/21/19</a:t>
             </a:fld>
             <a:endParaRPr lang="en-US" dirty="0"/>
           </a:p>
@@ -4261,7 +4261,7 @@
           <a:p>
             <a:fld id="{42A54C80-263E-416B-A8E0-580EDEADCBDC}" type="datetimeFigureOut">
               <a:rPr lang="en-US" dirty="0"/>
-              <a:t>3/18/19</a:t>
+              <a:t>3/21/19</a:t>
             </a:fld>
             <a:endParaRPr lang="en-US" dirty="0"/>
           </a:p>
@@ -4520,7 +4520,7 @@
             <a:fld id="{B61BEF0D-F0BB-DE4B-95CE-6DB70DBA9567}" type="datetimeFigureOut">
               <a:rPr lang="en-US" dirty="0"/>
               <a:pPr/>
-              <a:t>3/18/19</a:t>
+              <a:t>3/21/19</a:t>
             </a:fld>
             <a:endParaRPr lang="en-US" dirty="0"/>
           </a:p>
@@ -5260,7 +5260,7 @@
             <a:fld id="{B61BEF0D-F0BB-DE4B-95CE-6DB70DBA9567}" type="datetimeFigureOut">
               <a:rPr lang="en-US" dirty="0"/>
               <a:pPr/>
-              <a:t>3/18/19</a:t>
+              <a:t>3/21/19</a:t>
             </a:fld>
             <a:endParaRPr lang="en-US" dirty="0"/>
           </a:p>
@@ -5901,6 +5901,16 @@
 <file path=ppt/slides/slide2.xml><?xml version="1.0" encoding="utf-8"?>
 <p:sld xmlns:a="http://schemas.openxmlformats.org/drawingml/2006/main" xmlns:r="http://schemas.openxmlformats.org/officeDocument/2006/relationships" xmlns:p="http://schemas.openxmlformats.org/presentationml/2006/main" showMasterSp="0">
   <p:cSld>
+    <p:bg>
+      <p:bgPr>
+        <a:solidFill>
+          <a:schemeClr val="accent1">
+            <a:alpha val="0"/>
+          </a:schemeClr>
+        </a:solidFill>
+        <a:effectLst/>
+      </p:bgPr>
+    </p:bg>
     <p:spTree>
       <p:nvGrpSpPr>
         <p:cNvPr id="1" name=""/>
@@ -5927,8 +5937,8 @@
         </p:nvSpPr>
         <p:spPr>
           <a:xfrm>
-            <a:off x="512966" y="671767"/>
-            <a:ext cx="3212727" cy="571096"/>
+            <a:off x="512966" y="683101"/>
+            <a:ext cx="5148531" cy="571096"/>
           </a:xfrm>
           <a:prstGeom prst="rect">
             <a:avLst/>
@@ -5946,20 +5956,32 @@
               </a:spcBef>
             </a:pPr>
             <a:r>
-              <a:rPr lang="en-US" altLang="zh-CN" spc="-67" dirty="0"/>
+              <a:rPr lang="en-US" altLang="zh-CN" spc="-87" dirty="0"/>
               <a:t>1.</a:t>
             </a:r>
             <a:r>
-              <a:rPr spc="-67" dirty="0"/>
-              <a:t>Use</a:t>
-            </a:r>
-            <a:r>
-              <a:rPr spc="-180" dirty="0"/>
+              <a:rPr lang="zh-CN" altLang="en-US" spc="-87" dirty="0"/>
               <a:t> </a:t>
             </a:r>
             <a:r>
-              <a:rPr spc="-60" dirty="0"/>
-              <a:t>case</a:t>
+              <a:rPr spc="-87" dirty="0"/>
+              <a:t>Goals </a:t>
+            </a:r>
+            <a:r>
+              <a:rPr spc="33" dirty="0"/>
+              <a:t>of </a:t>
+            </a:r>
+            <a:r>
+              <a:rPr spc="20" dirty="0"/>
+              <a:t>the</a:t>
+            </a:r>
+            <a:r>
+              <a:rPr spc="-233" dirty="0"/>
+              <a:t> </a:t>
+            </a:r>
+            <a:r>
+              <a:rPr spc="20" dirty="0"/>
+              <a:t>project</a:t>
             </a:r>
           </a:p>
         </p:txBody>
@@ -5967,700 +5989,234 @@
       <p:sp>
         <p:nvSpPr>
           <p:cNvPr id="3" name="object 3"/>
-          <p:cNvSpPr txBox="1"/>
-          <p:nvPr/>
+          <p:cNvSpPr txBox="1">
+            <a:spLocks noGrp="1"/>
+          </p:cNvSpPr>
+          <p:nvPr>
+            <p:ph type="body" idx="1"/>
+          </p:nvPr>
         </p:nvSpPr>
         <p:spPr>
           <a:xfrm>
-            <a:off x="572299" y="1517500"/>
-            <a:ext cx="10264987" cy="3764877"/>
+            <a:off x="308919" y="1859119"/>
+            <a:ext cx="11462224" cy="2374539"/>
           </a:xfrm>
           <a:prstGeom prst="rect">
             <a:avLst/>
           </a:prstGeom>
         </p:spPr>
         <p:txBody>
-          <a:bodyPr vert="horz" wrap="square" lIns="0" tIns="116840" rIns="0" bIns="0" rtlCol="0">
+          <a:bodyPr vert="horz" wrap="square" lIns="0" tIns="16933" rIns="0" bIns="0" rtlCol="0">
             <a:spAutoFit/>
           </a:bodyPr>
           <a:lstStyle/>
           <a:p>
-            <a:pPr marL="566406" indent="-549473">
-              <a:spcBef>
-                <a:spcPts val="920"/>
-              </a:spcBef>
-              <a:buChar char="●"/>
-              <a:tabLst>
-                <a:tab pos="566406" algn="l"/>
-                <a:tab pos="567252" algn="l"/>
-              </a:tabLst>
-            </a:pPr>
-            <a:r>
-              <a:rPr sz="3200" spc="-47" dirty="0">
-                <a:solidFill>
-                  <a:srgbClr val="616161"/>
-                </a:solidFill>
-                <a:latin typeface="Arial"/>
-                <a:cs typeface="Arial"/>
-              </a:rPr>
-              <a:t>User </a:t>
-            </a:r>
-            <a:r>
-              <a:rPr sz="3200" spc="13" dirty="0">
-                <a:solidFill>
-                  <a:srgbClr val="616161"/>
-                </a:solidFill>
-                <a:latin typeface="Arial"/>
-                <a:cs typeface="Arial"/>
-              </a:rPr>
-              <a:t>will</a:t>
-            </a:r>
-            <a:r>
-              <a:rPr sz="3200" spc="-93" dirty="0">
-                <a:solidFill>
-                  <a:srgbClr val="616161"/>
-                </a:solidFill>
-                <a:latin typeface="Arial"/>
-                <a:cs typeface="Arial"/>
-              </a:rPr>
-              <a:t> </a:t>
-            </a:r>
-            <a:r>
-              <a:rPr sz="3200" spc="13" dirty="0">
-                <a:solidFill>
-                  <a:srgbClr val="616161"/>
-                </a:solidFill>
-                <a:latin typeface="Arial"/>
-                <a:cs typeface="Arial"/>
-              </a:rPr>
-              <a:t>input</a:t>
-            </a:r>
-            <a:endParaRPr sz="3200" dirty="0">
-              <a:latin typeface="Arial"/>
-              <a:cs typeface="Arial"/>
-            </a:endParaRPr>
-          </a:p>
-          <a:p>
-            <a:pPr marL="1175991" lvl="1" indent="-488514">
-              <a:spcBef>
-                <a:spcPts val="593"/>
-              </a:spcBef>
-              <a:buChar char="○"/>
-              <a:tabLst>
-                <a:tab pos="1175991" algn="l"/>
-                <a:tab pos="1176837" algn="l"/>
-              </a:tabLst>
-            </a:pPr>
-            <a:r>
-              <a:rPr sz="2400" spc="-27" dirty="0">
-                <a:solidFill>
-                  <a:srgbClr val="616161"/>
-                </a:solidFill>
-                <a:latin typeface="Arial"/>
-                <a:cs typeface="Arial"/>
-              </a:rPr>
-              <a:t>A</a:t>
-            </a:r>
-            <a:r>
-              <a:rPr sz="2400" spc="-60" dirty="0">
-                <a:solidFill>
-                  <a:srgbClr val="616161"/>
-                </a:solidFill>
-                <a:latin typeface="Arial"/>
-                <a:cs typeface="Arial"/>
-              </a:rPr>
-              <a:t> </a:t>
-            </a:r>
-            <a:r>
-              <a:rPr sz="2400" spc="-13" dirty="0">
-                <a:solidFill>
-                  <a:srgbClr val="616161"/>
-                </a:solidFill>
-                <a:latin typeface="Arial"/>
-                <a:cs typeface="Arial"/>
-              </a:rPr>
-              <a:t>Keyword</a:t>
-            </a:r>
-            <a:r>
-              <a:rPr lang="zh-CN" altLang="en-US" sz="2400" spc="-13" dirty="0">
-                <a:solidFill>
-                  <a:srgbClr val="616161"/>
-                </a:solidFill>
-                <a:latin typeface="Arial"/>
-                <a:cs typeface="Arial"/>
-              </a:rPr>
-              <a:t> </a:t>
-            </a:r>
-            <a:r>
-              <a:rPr lang="en-US" altLang="zh-CN" sz="2400" spc="-13" dirty="0">
-                <a:solidFill>
-                  <a:srgbClr val="616161"/>
-                </a:solidFill>
-                <a:latin typeface="Arial"/>
-                <a:cs typeface="Arial"/>
-              </a:rPr>
-              <a:t>or</a:t>
-            </a:r>
-            <a:r>
-              <a:rPr lang="zh-CN" altLang="en-US" sz="2400" spc="-13" dirty="0">
-                <a:solidFill>
-                  <a:srgbClr val="616161"/>
-                </a:solidFill>
-                <a:latin typeface="Arial"/>
-                <a:cs typeface="Arial"/>
-              </a:rPr>
-              <a:t> </a:t>
-            </a:r>
-            <a:r>
-              <a:rPr lang="en-US" altLang="zh-CN" sz="2400" spc="-13" dirty="0">
-                <a:solidFill>
-                  <a:srgbClr val="616161"/>
-                </a:solidFill>
-                <a:latin typeface="Arial"/>
-                <a:cs typeface="Arial"/>
-              </a:rPr>
-              <a:t>Nothing</a:t>
-            </a:r>
-            <a:endParaRPr sz="2400" dirty="0">
-              <a:latin typeface="Arial"/>
-              <a:cs typeface="Arial"/>
-            </a:endParaRPr>
-          </a:p>
-          <a:p>
-            <a:pPr marL="566406" indent="-549473">
-              <a:spcBef>
-                <a:spcPts val="387"/>
-              </a:spcBef>
-              <a:buChar char="●"/>
-              <a:tabLst>
-                <a:tab pos="566406" algn="l"/>
-                <a:tab pos="567252" algn="l"/>
-              </a:tabLst>
-            </a:pPr>
-            <a:r>
-              <a:rPr sz="3200" spc="-47" dirty="0">
-                <a:solidFill>
-                  <a:srgbClr val="616161"/>
-                </a:solidFill>
-                <a:latin typeface="Arial"/>
-                <a:cs typeface="Arial"/>
-              </a:rPr>
-              <a:t>User </a:t>
-            </a:r>
-            <a:r>
-              <a:rPr sz="3200" spc="13" dirty="0">
-                <a:solidFill>
-                  <a:srgbClr val="616161"/>
-                </a:solidFill>
-                <a:latin typeface="Arial"/>
-                <a:cs typeface="Arial"/>
-              </a:rPr>
-              <a:t>will</a:t>
-            </a:r>
-            <a:r>
-              <a:rPr sz="3200" spc="-93" dirty="0">
-                <a:solidFill>
-                  <a:srgbClr val="616161"/>
-                </a:solidFill>
-                <a:latin typeface="Arial"/>
-                <a:cs typeface="Arial"/>
-              </a:rPr>
-              <a:t> </a:t>
-            </a:r>
-            <a:r>
-              <a:rPr sz="3200" spc="40" dirty="0">
-                <a:solidFill>
-                  <a:srgbClr val="616161"/>
-                </a:solidFill>
-                <a:latin typeface="Arial"/>
-                <a:cs typeface="Arial"/>
-              </a:rPr>
-              <a:t>get</a:t>
-            </a:r>
-            <a:endParaRPr sz="3200" dirty="0">
-              <a:latin typeface="Arial"/>
-              <a:cs typeface="Arial"/>
-            </a:endParaRPr>
-          </a:p>
-          <a:p>
-            <a:pPr marL="1175991" marR="6773" lvl="1" indent="-488514">
+            <a:pPr marL="602812" marR="6773" indent="-549473">
               <a:lnSpc>
                 <a:spcPct val="114599"/>
               </a:lnSpc>
               <a:spcBef>
-                <a:spcPts val="173"/>
+                <a:spcPts val="133"/>
               </a:spcBef>
-              <a:buChar char="○"/>
+              <a:buChar char="●"/>
               <a:tabLst>
-                <a:tab pos="1175991" algn="l"/>
-                <a:tab pos="1176837" algn="l"/>
+                <a:tab pos="603658" algn="l"/>
+                <a:tab pos="604505" algn="l"/>
               </a:tabLst>
             </a:pPr>
             <a:r>
-              <a:rPr sz="2400" spc="-27" dirty="0">
-                <a:solidFill>
-                  <a:srgbClr val="616161"/>
-                </a:solidFill>
-                <a:latin typeface="Arial"/>
-                <a:cs typeface="Arial"/>
-              </a:rPr>
-              <a:t>A </a:t>
-            </a:r>
-            <a:r>
-              <a:rPr sz="2400" spc="-20" dirty="0">
-                <a:solidFill>
-                  <a:srgbClr val="616161"/>
-                </a:solidFill>
-                <a:latin typeface="Arial"/>
-                <a:cs typeface="Arial"/>
-              </a:rPr>
-              <a:t>visualization </a:t>
-            </a:r>
-            <a:r>
-              <a:rPr sz="2400" spc="-13" dirty="0">
-                <a:solidFill>
-                  <a:srgbClr val="616161"/>
-                </a:solidFill>
-                <a:latin typeface="Arial"/>
-                <a:cs typeface="Arial"/>
-              </a:rPr>
-              <a:t>result </a:t>
-            </a:r>
-            <a:r>
-              <a:rPr sz="2400" spc="-33" dirty="0">
-                <a:solidFill>
-                  <a:srgbClr val="616161"/>
-                </a:solidFill>
-                <a:latin typeface="Arial"/>
-                <a:cs typeface="Arial"/>
-              </a:rPr>
-              <a:t>such </a:t>
-            </a:r>
-            <a:r>
-              <a:rPr sz="2400" spc="-80" dirty="0">
-                <a:solidFill>
-                  <a:srgbClr val="616161"/>
-                </a:solidFill>
-                <a:latin typeface="Arial"/>
-                <a:cs typeface="Arial"/>
-              </a:rPr>
-              <a:t>as </a:t>
-            </a:r>
-            <a:r>
-              <a:rPr sz="2400" spc="-73" dirty="0">
-                <a:solidFill>
-                  <a:srgbClr val="616161"/>
-                </a:solidFill>
-                <a:latin typeface="Arial"/>
-                <a:cs typeface="Arial"/>
-              </a:rPr>
-              <a:t>a </a:t>
-            </a:r>
-            <a:r>
-              <a:rPr sz="2400" spc="-13" dirty="0">
-                <a:solidFill>
-                  <a:srgbClr val="616161"/>
-                </a:solidFill>
-                <a:latin typeface="Arial"/>
-                <a:cs typeface="Arial"/>
-              </a:rPr>
-              <a:t>bar chart </a:t>
-            </a:r>
-            <a:r>
-              <a:rPr sz="2400" dirty="0">
-                <a:solidFill>
-                  <a:srgbClr val="616161"/>
-                </a:solidFill>
-                <a:latin typeface="Arial"/>
-                <a:cs typeface="Arial"/>
-              </a:rPr>
-              <a:t>represent </a:t>
-            </a:r>
-            <a:r>
-              <a:rPr sz="2400" spc="13" dirty="0">
-                <a:solidFill>
-                  <a:srgbClr val="616161"/>
-                </a:solidFill>
-                <a:latin typeface="Arial"/>
-                <a:cs typeface="Arial"/>
-              </a:rPr>
-              <a:t>the </a:t>
-            </a:r>
-            <a:r>
-              <a:rPr sz="2400" spc="-20" dirty="0">
-                <a:solidFill>
-                  <a:srgbClr val="616161"/>
-                </a:solidFill>
-                <a:latin typeface="Arial"/>
-                <a:cs typeface="Arial"/>
-              </a:rPr>
-              <a:t>sentiments</a:t>
-            </a:r>
-            <a:r>
-              <a:rPr sz="2400" spc="-260" dirty="0">
-                <a:solidFill>
-                  <a:srgbClr val="616161"/>
-                </a:solidFill>
-                <a:latin typeface="Arial"/>
-                <a:cs typeface="Arial"/>
-              </a:rPr>
+              <a:rPr sz="2400" spc="-67" dirty="0"/>
+              <a:t>Process </a:t>
+            </a:r>
+            <a:r>
+              <a:rPr sz="2400" dirty="0"/>
+              <a:t>Twitter </a:t>
+            </a:r>
+            <a:r>
+              <a:rPr sz="2400" spc="-33" dirty="0"/>
+              <a:t>datasets </a:t>
+            </a:r>
+            <a:r>
+              <a:rPr sz="2400" spc="47" dirty="0"/>
+              <a:t>to </a:t>
+            </a:r>
+            <a:r>
+              <a:rPr sz="2400" spc="-7" dirty="0"/>
+              <a:t>extract </a:t>
+            </a:r>
+            <a:r>
+              <a:rPr sz="2400" spc="-13" dirty="0"/>
+              <a:t>meaningful</a:t>
+            </a:r>
+            <a:r>
+              <a:rPr sz="2400" spc="-327" dirty="0"/>
               <a:t> </a:t>
             </a:r>
             <a:r>
-              <a:rPr sz="2400" spc="20" dirty="0">
-                <a:solidFill>
-                  <a:srgbClr val="616161"/>
-                </a:solidFill>
-                <a:latin typeface="Arial"/>
-                <a:cs typeface="Arial"/>
-              </a:rPr>
-              <a:t>of  </a:t>
-            </a:r>
-            <a:r>
-              <a:rPr sz="2400" spc="7" dirty="0">
-                <a:solidFill>
-                  <a:srgbClr val="616161"/>
-                </a:solidFill>
-                <a:latin typeface="Arial"/>
-                <a:cs typeface="Arial"/>
-              </a:rPr>
-              <a:t>tweets </a:t>
-            </a:r>
-            <a:r>
-              <a:rPr sz="2400" spc="13" dirty="0">
-                <a:solidFill>
-                  <a:srgbClr val="616161"/>
-                </a:solidFill>
-                <a:latin typeface="Arial"/>
-                <a:cs typeface="Arial"/>
-              </a:rPr>
-              <a:t>with </a:t>
-            </a:r>
-            <a:r>
-              <a:rPr sz="2400" spc="-7" dirty="0">
-                <a:solidFill>
-                  <a:srgbClr val="616161"/>
-                </a:solidFill>
-                <a:latin typeface="Arial"/>
-                <a:cs typeface="Arial"/>
-              </a:rPr>
-              <a:t>that </a:t>
-            </a:r>
-            <a:r>
-              <a:rPr sz="2400" spc="13" dirty="0">
-                <a:solidFill>
-                  <a:srgbClr val="616161"/>
-                </a:solidFill>
-                <a:latin typeface="Arial"/>
-                <a:cs typeface="Arial"/>
-              </a:rPr>
-              <a:t>keyword </a:t>
-            </a:r>
-            <a:r>
-              <a:rPr sz="2400" spc="-20" dirty="0">
-                <a:solidFill>
-                  <a:srgbClr val="616161"/>
-                </a:solidFill>
-                <a:latin typeface="Arial"/>
-                <a:cs typeface="Arial"/>
-              </a:rPr>
-              <a:t>at </a:t>
-            </a:r>
-            <a:r>
-              <a:rPr sz="2400" spc="-7" dirty="0">
-                <a:solidFill>
-                  <a:srgbClr val="616161"/>
-                </a:solidFill>
-                <a:latin typeface="Arial"/>
-                <a:cs typeface="Arial"/>
-              </a:rPr>
-              <a:t>that</a:t>
-            </a:r>
-            <a:r>
-              <a:rPr sz="2400" spc="-460" dirty="0">
-                <a:solidFill>
-                  <a:srgbClr val="616161"/>
-                </a:solidFill>
-                <a:latin typeface="Arial"/>
-                <a:cs typeface="Arial"/>
-              </a:rPr>
+              <a:rPr sz="2400" spc="-60" dirty="0"/>
+              <a:t>analysis </a:t>
+            </a:r>
+            <a:r>
+              <a:rPr sz="2400" spc="13" dirty="0"/>
+              <a:t>by </a:t>
+            </a:r>
+            <a:r>
+              <a:rPr sz="2400" spc="7" dirty="0"/>
+              <a:t>performing</a:t>
+            </a:r>
+            <a:r>
+              <a:rPr lang="zh-CN" altLang="en-US" sz="2400" spc="7" dirty="0"/>
               <a:t> </a:t>
             </a:r>
             <a:r>
-              <a:rPr lang="zh-CN" altLang="en-US" sz="2400" spc="-460" dirty="0">
-                <a:solidFill>
-                  <a:srgbClr val="616161"/>
-                </a:solidFill>
-                <a:latin typeface="Arial"/>
-                <a:cs typeface="Arial"/>
-              </a:rPr>
-              <a:t> </a:t>
-            </a:r>
-            <a:r>
-              <a:rPr sz="2400" spc="7" dirty="0">
-                <a:solidFill>
-                  <a:srgbClr val="616161"/>
-                </a:solidFill>
-                <a:latin typeface="Arial"/>
-                <a:cs typeface="Arial"/>
-              </a:rPr>
-              <a:t>date</a:t>
-            </a:r>
-            <a:endParaRPr lang="en-US" sz="2400" spc="7" dirty="0">
-              <a:solidFill>
-                <a:srgbClr val="616161"/>
-              </a:solidFill>
-              <a:latin typeface="Arial"/>
-              <a:cs typeface="Arial"/>
-            </a:endParaRPr>
-          </a:p>
-          <a:p>
-            <a:pPr marL="1175991" marR="6773" lvl="1" indent="-488514">
+              <a:rPr lang="en-US" sz="2400" dirty="0"/>
+              <a:t>Machine Learning</a:t>
+            </a:r>
+            <a:r>
+              <a:rPr lang="en-US" altLang="zh-CN" sz="2400" dirty="0"/>
+              <a:t>.</a:t>
+            </a:r>
+          </a:p>
+          <a:p>
+            <a:pPr marL="53339" marR="6773" indent="0">
               <a:lnSpc>
                 <a:spcPct val="114599"/>
               </a:lnSpc>
               <a:spcBef>
-                <a:spcPts val="173"/>
+                <a:spcPts val="133"/>
               </a:spcBef>
-              <a:buChar char="○"/>
+              <a:buNone/>
               <a:tabLst>
-                <a:tab pos="1175991" algn="l"/>
-                <a:tab pos="1176837" algn="l"/>
+                <a:tab pos="603658" algn="l"/>
+                <a:tab pos="604505" algn="l"/>
               </a:tabLst>
             </a:pPr>
-            <a:r>
-              <a:rPr lang="en-US" sz="2400" spc="-27" dirty="0">
-                <a:solidFill>
-                  <a:srgbClr val="616161"/>
-                </a:solidFill>
-                <a:latin typeface="Arial"/>
-                <a:cs typeface="Arial"/>
-              </a:rPr>
-              <a:t>A </a:t>
-            </a:r>
-            <a:r>
-              <a:rPr lang="en-US" sz="2400" spc="-20" dirty="0">
-                <a:solidFill>
-                  <a:srgbClr val="616161"/>
-                </a:solidFill>
-                <a:latin typeface="Arial"/>
-                <a:cs typeface="Arial"/>
-              </a:rPr>
-              <a:t>visualization </a:t>
-            </a:r>
-            <a:r>
-              <a:rPr lang="en-US" sz="2400" spc="-13" dirty="0">
-                <a:solidFill>
-                  <a:srgbClr val="616161"/>
-                </a:solidFill>
-                <a:latin typeface="Arial"/>
-                <a:cs typeface="Arial"/>
-              </a:rPr>
-              <a:t>result </a:t>
-            </a:r>
-            <a:r>
-              <a:rPr lang="en-US" sz="2400" spc="-33" dirty="0">
-                <a:solidFill>
-                  <a:srgbClr val="616161"/>
-                </a:solidFill>
-                <a:latin typeface="Arial"/>
-                <a:cs typeface="Arial"/>
-              </a:rPr>
-              <a:t>such </a:t>
-            </a:r>
-            <a:r>
-              <a:rPr lang="en-US" sz="2400" spc="-80" dirty="0">
-                <a:solidFill>
-                  <a:srgbClr val="616161"/>
-                </a:solidFill>
-                <a:latin typeface="Arial"/>
-                <a:cs typeface="Arial"/>
-              </a:rPr>
-              <a:t>as </a:t>
-            </a:r>
-            <a:r>
-              <a:rPr lang="en-US" sz="2400" spc="-73" dirty="0">
-                <a:solidFill>
-                  <a:srgbClr val="616161"/>
-                </a:solidFill>
-                <a:latin typeface="Arial"/>
-                <a:cs typeface="Arial"/>
-              </a:rPr>
-              <a:t>a </a:t>
-            </a:r>
-            <a:r>
-              <a:rPr lang="en-US" sz="2400" spc="-13" dirty="0">
-                <a:solidFill>
-                  <a:srgbClr val="616161"/>
-                </a:solidFill>
-                <a:latin typeface="Arial"/>
-                <a:cs typeface="Arial"/>
-              </a:rPr>
-              <a:t>bar chart </a:t>
-            </a:r>
-            <a:r>
-              <a:rPr lang="en-US" sz="2400" dirty="0">
-                <a:solidFill>
-                  <a:srgbClr val="616161"/>
-                </a:solidFill>
-                <a:latin typeface="Arial"/>
-                <a:cs typeface="Arial"/>
-              </a:rPr>
-              <a:t>represent</a:t>
-            </a:r>
-            <a:r>
-              <a:rPr lang="zh-CN" altLang="en-US" sz="2400" dirty="0">
-                <a:solidFill>
-                  <a:srgbClr val="616161"/>
-                </a:solidFill>
-                <a:latin typeface="Arial"/>
-                <a:cs typeface="Arial"/>
-              </a:rPr>
-              <a:t> </a:t>
-            </a:r>
-            <a:r>
-              <a:rPr lang="en-US" altLang="zh-CN" sz="2400" dirty="0">
-                <a:solidFill>
-                  <a:srgbClr val="616161"/>
-                </a:solidFill>
-                <a:latin typeface="Arial"/>
-                <a:cs typeface="Arial"/>
-              </a:rPr>
-              <a:t>the</a:t>
-            </a:r>
-            <a:r>
-              <a:rPr lang="zh-CN" altLang="en-US" sz="2400" dirty="0">
-                <a:solidFill>
-                  <a:srgbClr val="616161"/>
-                </a:solidFill>
-                <a:latin typeface="Arial"/>
-                <a:cs typeface="Arial"/>
-              </a:rPr>
-              <a:t> </a:t>
-            </a:r>
-            <a:r>
-              <a:rPr lang="en-US" altLang="zh-CN" sz="2400" dirty="0">
-                <a:solidFill>
-                  <a:srgbClr val="616161"/>
-                </a:solidFill>
-                <a:latin typeface="Arial"/>
-                <a:cs typeface="Arial"/>
-              </a:rPr>
-              <a:t>top</a:t>
-            </a:r>
-            <a:r>
-              <a:rPr lang="zh-CN" altLang="en-US" sz="2400" dirty="0">
-                <a:solidFill>
-                  <a:srgbClr val="616161"/>
-                </a:solidFill>
-                <a:latin typeface="Arial"/>
-                <a:cs typeface="Arial"/>
-              </a:rPr>
-              <a:t> </a:t>
-            </a:r>
-            <a:r>
-              <a:rPr lang="en-US" altLang="zh-CN" sz="2400" dirty="0">
-                <a:solidFill>
-                  <a:srgbClr val="616161"/>
-                </a:solidFill>
-                <a:latin typeface="Arial"/>
-                <a:cs typeface="Arial"/>
-              </a:rPr>
-              <a:t>hashtags</a:t>
-            </a:r>
-            <a:r>
-              <a:rPr lang="zh-CN" altLang="en-US" sz="2400" dirty="0">
-                <a:solidFill>
-                  <a:srgbClr val="616161"/>
-                </a:solidFill>
-                <a:latin typeface="Arial"/>
-                <a:cs typeface="Arial"/>
-              </a:rPr>
-              <a:t> </a:t>
-            </a:r>
-            <a:r>
-              <a:rPr lang="en-US" altLang="zh-CN" sz="2400" dirty="0">
-                <a:solidFill>
-                  <a:srgbClr val="616161"/>
-                </a:solidFill>
-                <a:latin typeface="Arial"/>
-                <a:cs typeface="Arial"/>
-              </a:rPr>
-              <a:t>at</a:t>
-            </a:r>
-            <a:r>
-              <a:rPr lang="zh-CN" altLang="en-US" sz="2400" dirty="0">
-                <a:solidFill>
-                  <a:srgbClr val="616161"/>
-                </a:solidFill>
-                <a:latin typeface="Arial"/>
-                <a:cs typeface="Arial"/>
-              </a:rPr>
-              <a:t> </a:t>
-            </a:r>
-            <a:r>
-              <a:rPr lang="en-US" altLang="zh-CN" sz="2400" dirty="0">
-                <a:solidFill>
-                  <a:srgbClr val="616161"/>
-                </a:solidFill>
-                <a:latin typeface="Arial"/>
-                <a:cs typeface="Arial"/>
-              </a:rPr>
-              <a:t>that</a:t>
-            </a:r>
-            <a:r>
-              <a:rPr lang="zh-CN" altLang="en-US" sz="2400" dirty="0">
-                <a:solidFill>
-                  <a:srgbClr val="616161"/>
-                </a:solidFill>
-                <a:latin typeface="Arial"/>
-                <a:cs typeface="Arial"/>
-              </a:rPr>
-              <a:t> </a:t>
-            </a:r>
-            <a:r>
-              <a:rPr lang="en-US" altLang="zh-CN" sz="2400" dirty="0">
-                <a:solidFill>
-                  <a:srgbClr val="616161"/>
-                </a:solidFill>
-                <a:latin typeface="Arial"/>
-                <a:cs typeface="Arial"/>
-              </a:rPr>
-              <a:t>moment</a:t>
-            </a:r>
-            <a:endParaRPr lang="en-US" sz="2400" spc="7" dirty="0">
-              <a:solidFill>
-                <a:srgbClr val="616161"/>
-              </a:solidFill>
-              <a:latin typeface="Arial"/>
-              <a:cs typeface="Arial"/>
-            </a:endParaRPr>
-          </a:p>
-          <a:p>
-            <a:pPr marL="1175991" marR="6773" lvl="1" indent="-488514">
+            <a:endParaRPr sz="2400" spc="-53" dirty="0"/>
+          </a:p>
+          <a:p>
+            <a:pPr marL="602812" marR="273465" indent="-549473">
               <a:lnSpc>
                 <a:spcPct val="114599"/>
               </a:lnSpc>
-              <a:spcBef>
-                <a:spcPts val="173"/>
-              </a:spcBef>
-              <a:buChar char="○"/>
+              <a:buChar char="●"/>
               <a:tabLst>
-                <a:tab pos="1175991" algn="l"/>
-                <a:tab pos="1176837" algn="l"/>
+                <a:tab pos="603658" algn="l"/>
+                <a:tab pos="604505" algn="l"/>
               </a:tabLst>
             </a:pPr>
-            <a:endParaRPr sz="2400" dirty="0">
-              <a:latin typeface="Arial"/>
-              <a:cs typeface="Arial"/>
-            </a:endParaRPr>
+            <a:r>
+              <a:rPr sz="2400" spc="-73" dirty="0"/>
+              <a:t>In </a:t>
+            </a:r>
+            <a:r>
+              <a:rPr sz="2400" spc="-20" dirty="0"/>
+              <a:t>this </a:t>
+            </a:r>
+            <a:r>
+              <a:rPr sz="2400" dirty="0"/>
+              <a:t>project, </a:t>
+            </a:r>
+            <a:r>
+              <a:rPr sz="2400" spc="27" dirty="0"/>
+              <a:t>we </a:t>
+            </a:r>
+            <a:r>
+              <a:rPr sz="2400" spc="-7" dirty="0"/>
+              <a:t>utilize information </a:t>
+            </a:r>
+            <a:r>
+              <a:rPr sz="2400" spc="-27" dirty="0"/>
+              <a:t>available </a:t>
+            </a:r>
+            <a:r>
+              <a:rPr sz="2400" spc="13" dirty="0"/>
+              <a:t>through</a:t>
+            </a:r>
+            <a:r>
+              <a:rPr sz="2400" spc="-393" dirty="0"/>
+              <a:t> </a:t>
+            </a:r>
+            <a:r>
+              <a:rPr sz="2400" spc="20" dirty="0"/>
+              <a:t>the </a:t>
+            </a:r>
+            <a:r>
+              <a:rPr sz="2400" dirty="0"/>
+              <a:t>Twitter </a:t>
+            </a:r>
+            <a:r>
+              <a:rPr sz="2400" spc="-140" dirty="0"/>
+              <a:t>API </a:t>
+            </a:r>
+            <a:endParaRPr lang="en-US" sz="2400" spc="-140" dirty="0"/>
+          </a:p>
+          <a:p>
+            <a:pPr marL="53339" marR="273465" indent="0">
+              <a:lnSpc>
+                <a:spcPct val="114599"/>
+              </a:lnSpc>
+              <a:buNone/>
+              <a:tabLst>
+                <a:tab pos="603658" algn="l"/>
+                <a:tab pos="604505" algn="l"/>
+              </a:tabLst>
+            </a:pPr>
+            <a:r>
+              <a:rPr lang="zh-CN" altLang="en-US" sz="2400" spc="-140" dirty="0"/>
+              <a:t>          </a:t>
+            </a:r>
+            <a:r>
+              <a:rPr sz="2400" spc="47" dirty="0"/>
+              <a:t>to </a:t>
+            </a:r>
+            <a:r>
+              <a:rPr sz="2400" dirty="0"/>
+              <a:t>gather </a:t>
+            </a:r>
+            <a:r>
+              <a:rPr sz="2400" spc="-7" dirty="0"/>
+              <a:t>information </a:t>
+            </a:r>
+            <a:r>
+              <a:rPr sz="2400" spc="7" dirty="0"/>
+              <a:t>about </a:t>
+            </a:r>
+            <a:r>
+              <a:rPr sz="2400" spc="20" dirty="0"/>
+              <a:t>the </a:t>
+            </a:r>
+            <a:r>
+              <a:rPr sz="2400" spc="7" dirty="0"/>
+              <a:t>tweets </a:t>
+            </a:r>
+            <a:r>
+              <a:rPr sz="2400" spc="-20" dirty="0"/>
+              <a:t>and  </a:t>
+            </a:r>
+            <a:r>
+              <a:rPr sz="2400" spc="7" dirty="0"/>
+              <a:t>their</a:t>
+            </a:r>
+            <a:r>
+              <a:rPr sz="2400" spc="-73" dirty="0"/>
+              <a:t> </a:t>
+            </a:r>
+            <a:r>
+              <a:rPr sz="2400" spc="-47" dirty="0"/>
+              <a:t>users</a:t>
+            </a:r>
+            <a:r>
+              <a:rPr lang="en-US" altLang="zh-CN" sz="2400" spc="-47" dirty="0"/>
+              <a:t>.</a:t>
+            </a:r>
+            <a:endParaRPr sz="2400" spc="-47" dirty="0"/>
           </a:p>
         </p:txBody>
       </p:sp>
     </p:spTree>
     <p:extLst>
       <p:ext uri="{BB962C8B-B14F-4D97-AF65-F5344CB8AC3E}">
-        <p14:creationId xmlns:p14="http://schemas.microsoft.com/office/powerpoint/2010/main" val="997428036"/>
+        <p14:creationId xmlns:p14="http://schemas.microsoft.com/office/powerpoint/2010/main" val="2110513187"/>
       </p:ext>
     </p:extLst>
   </p:cSld>
@@ -6699,8 +6255,8 @@
         </p:nvSpPr>
         <p:spPr>
           <a:xfrm>
-            <a:off x="512968" y="671767"/>
-            <a:ext cx="3611560" cy="571096"/>
+            <a:off x="512966" y="671767"/>
+            <a:ext cx="3212727" cy="571096"/>
           </a:xfrm>
           <a:prstGeom prst="rect">
             <a:avLst/>
@@ -6718,12 +6274,20 @@
               </a:spcBef>
             </a:pPr>
             <a:r>
-              <a:rPr lang="en-US" altLang="zh-CN" spc="20" dirty="0"/>
+              <a:rPr lang="en-US" altLang="zh-CN" spc="-67" dirty="0"/>
               <a:t>2.</a:t>
             </a:r>
             <a:r>
-              <a:rPr spc="20" dirty="0"/>
-              <a:t>Methodology</a:t>
+              <a:rPr spc="-67" dirty="0"/>
+              <a:t>Use</a:t>
+            </a:r>
+            <a:r>
+              <a:rPr spc="-180" dirty="0"/>
+              <a:t> </a:t>
+            </a:r>
+            <a:r>
+              <a:rPr spc="-60" dirty="0"/>
+              <a:t>case</a:t>
             </a:r>
           </a:p>
         </p:txBody>
@@ -6736,8 +6300,8 @@
         </p:nvSpPr>
         <p:spPr>
           <a:xfrm>
-            <a:off x="572299" y="1517499"/>
-            <a:ext cx="9240520" cy="4570482"/>
+            <a:off x="572299" y="1517500"/>
+            <a:ext cx="10264987" cy="3764877"/>
           </a:xfrm>
           <a:prstGeom prst="rect">
             <a:avLst/>
@@ -6760,6 +6324,26 @@
               </a:tabLst>
             </a:pPr>
             <a:r>
+              <a:rPr sz="3200" spc="-47" dirty="0">
+                <a:solidFill>
+                  <a:srgbClr val="616161"/>
+                </a:solidFill>
+                <a:latin typeface="Arial"/>
+                <a:cs typeface="Arial"/>
+              </a:rPr>
+              <a:t>User </a:t>
+            </a:r>
+            <a:r>
+              <a:rPr sz="3200" spc="13" dirty="0">
+                <a:solidFill>
+                  <a:srgbClr val="616161"/>
+                </a:solidFill>
+                <a:latin typeface="Arial"/>
+                <a:cs typeface="Arial"/>
+              </a:rPr>
+              <a:t>will</a:t>
+            </a:r>
+            <a:r>
               <a:rPr sz="3200" spc="-93" dirty="0">
                 <a:solidFill>
                   <a:srgbClr val="616161"/>
@@ -6767,37 +6351,17 @@
                 <a:latin typeface="Arial"/>
                 <a:cs typeface="Arial"/>
               </a:rPr>
-              <a:t>Parse </a:t>
-            </a:r>
-            <a:r>
-              <a:rPr sz="3200" spc="-60" dirty="0">
-                <a:solidFill>
-                  <a:srgbClr val="616161"/>
-                </a:solidFill>
-                <a:latin typeface="Arial"/>
-                <a:cs typeface="Arial"/>
-              </a:rPr>
-              <a:t>tweets(JSON</a:t>
-            </a:r>
-            <a:r>
-              <a:rPr sz="3200" spc="-47" dirty="0">
-                <a:solidFill>
-                  <a:srgbClr val="616161"/>
-                </a:solidFill>
-                <a:latin typeface="Arial"/>
-                <a:cs typeface="Arial"/>
-              </a:rPr>
               <a:t> </a:t>
             </a:r>
             <a:r>
-              <a:rPr sz="3200" spc="-53" dirty="0">
-                <a:solidFill>
-                  <a:srgbClr val="616161"/>
-                </a:solidFill>
-                <a:latin typeface="Arial"/>
-                <a:cs typeface="Arial"/>
-              </a:rPr>
-              <a:t>format)</a:t>
+              <a:rPr sz="3200" spc="13" dirty="0">
+                <a:solidFill>
+                  <a:srgbClr val="616161"/>
+                </a:solidFill>
+                <a:latin typeface="Arial"/>
+                <a:cs typeface="Arial"/>
+              </a:rPr>
+              <a:t>input</a:t>
             </a:r>
             <a:endParaRPr sz="3200" dirty="0">
               <a:latin typeface="Arial"/>
@@ -6816,17 +6380,27 @@
               </a:tabLst>
             </a:pPr>
             <a:r>
-              <a:rPr sz="2400" spc="-20" dirty="0">
-                <a:solidFill>
-                  <a:srgbClr val="616161"/>
-                </a:solidFill>
-                <a:latin typeface="Arial"/>
-                <a:cs typeface="Arial"/>
-              </a:rPr>
-              <a:t>Text</a:t>
-            </a:r>
-            <a:r>
-              <a:rPr sz="2400" spc="-60" dirty="0">
+              <a:rPr sz="2400" spc="-13" dirty="0">
+                <a:solidFill>
+                  <a:srgbClr val="616161"/>
+                </a:solidFill>
+                <a:latin typeface="Arial"/>
+                <a:cs typeface="Arial"/>
+              </a:rPr>
+              <a:t>Keyword</a:t>
+            </a:r>
+            <a:r>
+              <a:rPr lang="en-US" altLang="zh-CN" sz="2400" spc="-13" dirty="0">
+                <a:solidFill>
+                  <a:srgbClr val="616161"/>
+                </a:solidFill>
+                <a:latin typeface="Arial"/>
+                <a:cs typeface="Arial"/>
+              </a:rPr>
+              <a:t>s</a:t>
+            </a:r>
+            <a:r>
+              <a:rPr lang="zh-CN" altLang="en-US" sz="2400" spc="-13" dirty="0">
                 <a:solidFill>
                   <a:srgbClr val="616161"/>
                 </a:solidFill>
@@ -6836,43 +6410,17 @@
               <a:t> </a:t>
             </a:r>
             <a:r>
-              <a:rPr sz="2400" spc="13" dirty="0">
-                <a:solidFill>
-                  <a:srgbClr val="616161"/>
-                </a:solidFill>
-                <a:latin typeface="Arial"/>
-                <a:cs typeface="Arial"/>
-              </a:rPr>
-              <a:t>field</a:t>
-            </a:r>
-            <a:endParaRPr sz="2400" dirty="0">
-              <a:latin typeface="Arial"/>
-              <a:cs typeface="Arial"/>
-            </a:endParaRPr>
-          </a:p>
-          <a:p>
-            <a:pPr marL="1175991" lvl="1" indent="-488514">
-              <a:spcBef>
-                <a:spcPts val="420"/>
-              </a:spcBef>
-              <a:buChar char="○"/>
-              <a:tabLst>
-                <a:tab pos="1175991" algn="l"/>
-                <a:tab pos="1176837" algn="l"/>
-              </a:tabLst>
-            </a:pPr>
-            <a:r>
-              <a:rPr sz="2400" spc="-33" dirty="0">
-                <a:solidFill>
-                  <a:srgbClr val="616161"/>
-                </a:solidFill>
-                <a:latin typeface="Arial"/>
-                <a:cs typeface="Arial"/>
-              </a:rPr>
-              <a:t>User</a:t>
-            </a:r>
-            <a:r>
-              <a:rPr sz="2400" spc="-60" dirty="0">
+              <a:rPr lang="en-US" altLang="zh-CN" sz="2400" spc="-13" dirty="0">
+                <a:solidFill>
+                  <a:srgbClr val="616161"/>
+                </a:solidFill>
+                <a:latin typeface="Arial"/>
+                <a:cs typeface="Arial"/>
+              </a:rPr>
+              <a:t>or</a:t>
+            </a:r>
+            <a:r>
+              <a:rPr lang="zh-CN" altLang="en-US" sz="2400" spc="-13" dirty="0">
                 <a:solidFill>
                   <a:srgbClr val="616161"/>
                 </a:solidFill>
@@ -6882,146 +6430,14 @@
               <a:t> </a:t>
             </a:r>
             <a:r>
-              <a:rPr sz="2400" spc="13" dirty="0">
-                <a:solidFill>
-                  <a:srgbClr val="616161"/>
-                </a:solidFill>
-                <a:latin typeface="Arial"/>
-                <a:cs typeface="Arial"/>
-              </a:rPr>
-              <a:t>field</a:t>
-            </a:r>
-            <a:endParaRPr sz="2400" dirty="0">
-              <a:latin typeface="Arial"/>
-              <a:cs typeface="Arial"/>
-            </a:endParaRPr>
-          </a:p>
-          <a:p>
-            <a:pPr marL="1175991" lvl="1" indent="-488514">
-              <a:spcBef>
-                <a:spcPts val="420"/>
-              </a:spcBef>
-              <a:buChar char="○"/>
-              <a:tabLst>
-                <a:tab pos="1175991" algn="l"/>
-                <a:tab pos="1176837" algn="l"/>
-              </a:tabLst>
-            </a:pPr>
-            <a:r>
-              <a:rPr sz="2400" spc="-13" dirty="0">
-                <a:solidFill>
-                  <a:srgbClr val="616161"/>
-                </a:solidFill>
-                <a:latin typeface="Arial"/>
-                <a:cs typeface="Arial"/>
-              </a:rPr>
-              <a:t>Created_at </a:t>
-            </a:r>
-            <a:r>
-              <a:rPr sz="2400" spc="13" dirty="0">
-                <a:solidFill>
-                  <a:srgbClr val="616161"/>
-                </a:solidFill>
-                <a:latin typeface="Arial"/>
-                <a:cs typeface="Arial"/>
-              </a:rPr>
-              <a:t>field </a:t>
-            </a:r>
-            <a:r>
-              <a:rPr sz="2400" spc="-80" dirty="0">
-                <a:solidFill>
-                  <a:srgbClr val="616161"/>
-                </a:solidFill>
-                <a:latin typeface="Arial"/>
-                <a:cs typeface="Arial"/>
-              </a:rPr>
-              <a:t>-</a:t>
-            </a:r>
-            <a:r>
-              <a:rPr sz="2400" spc="-167" dirty="0">
-                <a:solidFill>
-                  <a:srgbClr val="616161"/>
-                </a:solidFill>
-                <a:latin typeface="Arial"/>
-                <a:cs typeface="Arial"/>
-              </a:rPr>
-              <a:t> </a:t>
-            </a:r>
-            <a:r>
-              <a:rPr sz="2400" spc="-20" dirty="0">
-                <a:solidFill>
-                  <a:srgbClr val="616161"/>
-                </a:solidFill>
-                <a:latin typeface="Arial"/>
-                <a:cs typeface="Arial"/>
-              </a:rPr>
-              <a:t>Date</a:t>
-            </a:r>
-            <a:endParaRPr sz="2400" dirty="0">
-              <a:latin typeface="Arial"/>
-              <a:cs typeface="Arial"/>
-            </a:endParaRPr>
-          </a:p>
-          <a:p>
-            <a:pPr marL="1175991" lvl="1" indent="-488514">
-              <a:spcBef>
-                <a:spcPts val="420"/>
-              </a:spcBef>
-              <a:buChar char="○"/>
-              <a:tabLst>
-                <a:tab pos="1175991" algn="l"/>
-                <a:tab pos="1176837" algn="l"/>
-              </a:tabLst>
-            </a:pPr>
-            <a:r>
-              <a:rPr sz="2400" spc="-13" dirty="0">
-                <a:solidFill>
-                  <a:srgbClr val="616161"/>
-                </a:solidFill>
-                <a:latin typeface="Arial"/>
-                <a:cs typeface="Arial"/>
-              </a:rPr>
-              <a:t>Location </a:t>
-            </a:r>
-            <a:r>
-              <a:rPr sz="2400" spc="13" dirty="0">
-                <a:solidFill>
-                  <a:srgbClr val="616161"/>
-                </a:solidFill>
-                <a:latin typeface="Arial"/>
-                <a:cs typeface="Arial"/>
-              </a:rPr>
-              <a:t>field </a:t>
-            </a:r>
-            <a:r>
-              <a:rPr sz="2400" spc="-13" dirty="0">
-                <a:solidFill>
-                  <a:srgbClr val="616161"/>
-                </a:solidFill>
-                <a:latin typeface="Arial"/>
-                <a:cs typeface="Arial"/>
-              </a:rPr>
-              <a:t>and</a:t>
-            </a:r>
-            <a:r>
-              <a:rPr sz="2400" spc="-167" dirty="0">
-                <a:solidFill>
-                  <a:srgbClr val="616161"/>
-                </a:solidFill>
-                <a:latin typeface="Arial"/>
-                <a:cs typeface="Arial"/>
-              </a:rPr>
-              <a:t> </a:t>
-            </a:r>
-            <a:r>
-              <a:rPr sz="2400" spc="-20" dirty="0">
-                <a:solidFill>
-                  <a:srgbClr val="616161"/>
-                </a:solidFill>
-                <a:latin typeface="Arial"/>
-                <a:cs typeface="Arial"/>
-              </a:rPr>
-              <a:t>etc.</a:t>
+              <a:rPr lang="en-US" altLang="zh-CN" sz="2400" spc="-13" dirty="0">
+                <a:solidFill>
+                  <a:srgbClr val="616161"/>
+                </a:solidFill>
+                <a:latin typeface="Arial"/>
+                <a:cs typeface="Arial"/>
+              </a:rPr>
+              <a:t>Nothing</a:t>
             </a:r>
             <a:endParaRPr sz="2400" dirty="0">
               <a:latin typeface="Arial"/>
@@ -7047,50 +6463,20 @@
                 <a:latin typeface="Arial"/>
                 <a:cs typeface="Arial"/>
               </a:rPr>
-              <a:t>Clean </a:t>
-            </a:r>
-            <a:r>
-              <a:rPr sz="3200" spc="-20" dirty="0">
-                <a:solidFill>
-                  <a:srgbClr val="616161"/>
-                </a:solidFill>
-                <a:latin typeface="Arial"/>
-                <a:cs typeface="Arial"/>
-              </a:rPr>
-              <a:t>and </a:t>
-            </a:r>
-            <a:r>
-              <a:rPr sz="3200" dirty="0">
-                <a:solidFill>
-                  <a:srgbClr val="616161"/>
-                </a:solidFill>
-                <a:latin typeface="Arial"/>
-                <a:cs typeface="Arial"/>
-              </a:rPr>
-              <a:t>break </a:t>
-            </a:r>
-            <a:r>
-              <a:rPr sz="3200" spc="27" dirty="0">
-                <a:solidFill>
-                  <a:srgbClr val="616161"/>
-                </a:solidFill>
-                <a:latin typeface="Arial"/>
-                <a:cs typeface="Arial"/>
-              </a:rPr>
-              <a:t>down </a:t>
-            </a:r>
-            <a:r>
-              <a:rPr sz="3200" spc="20" dirty="0">
-                <a:solidFill>
-                  <a:srgbClr val="616161"/>
-                </a:solidFill>
-                <a:latin typeface="Arial"/>
-                <a:cs typeface="Arial"/>
-              </a:rPr>
-              <a:t>the text field into</a:t>
-            </a:r>
-            <a:r>
-              <a:rPr sz="3200" spc="-560" dirty="0">
+              <a:t>User </a:t>
+            </a:r>
+            <a:r>
+              <a:rPr sz="3200" spc="13" dirty="0">
+                <a:solidFill>
+                  <a:srgbClr val="616161"/>
+                </a:solidFill>
+                <a:latin typeface="Arial"/>
+                <a:cs typeface="Arial"/>
+              </a:rPr>
+              <a:t>will</a:t>
+            </a:r>
+            <a:r>
+              <a:rPr sz="3200" spc="-93" dirty="0">
                 <a:solidFill>
                   <a:srgbClr val="616161"/>
                 </a:solidFill>
@@ -7100,14 +6486,14 @@
               <a:t> </a:t>
             </a:r>
             <a:r>
-              <a:rPr sz="3200" dirty="0">
-                <a:solidFill>
-                  <a:srgbClr val="616161"/>
-                </a:solidFill>
-                <a:latin typeface="Arial"/>
-                <a:cs typeface="Arial"/>
-              </a:rPr>
-              <a:t>words</a:t>
+              <a:rPr sz="3200" spc="40" dirty="0">
+                <a:solidFill>
+                  <a:srgbClr val="616161"/>
+                </a:solidFill>
+                <a:latin typeface="Arial"/>
+                <a:cs typeface="Arial"/>
+              </a:rPr>
+              <a:t>get</a:t>
             </a:r>
             <a:endParaRPr sz="3200" dirty="0">
               <a:latin typeface="Arial"/>
@@ -7115,28 +6501,101 @@
             </a:endParaRPr>
           </a:p>
           <a:p>
-            <a:pPr marL="566406" indent="-549473">
+            <a:pPr marL="1175991" marR="6773" lvl="1" indent="-488514">
+              <a:lnSpc>
+                <a:spcPct val="114599"/>
+              </a:lnSpc>
               <a:spcBef>
-                <a:spcPts val="560"/>
+                <a:spcPts val="173"/>
               </a:spcBef>
-              <a:buChar char="●"/>
+              <a:buChar char="○"/>
               <a:tabLst>
-                <a:tab pos="566406" algn="l"/>
-                <a:tab pos="567252" algn="l"/>
+                <a:tab pos="1175991" algn="l"/>
+                <a:tab pos="1176837" algn="l"/>
               </a:tabLst>
             </a:pPr>
             <a:r>
-              <a:rPr sz="3200" spc="-20" dirty="0">
-                <a:solidFill>
-                  <a:srgbClr val="616161"/>
-                </a:solidFill>
-                <a:latin typeface="Arial"/>
-                <a:cs typeface="Arial"/>
-              </a:rPr>
-              <a:t>Filter </a:t>
-            </a:r>
-            <a:r>
-              <a:rPr sz="3200" spc="20" dirty="0">
+              <a:rPr sz="2400" spc="-27" dirty="0">
+                <a:solidFill>
+                  <a:srgbClr val="616161"/>
+                </a:solidFill>
+                <a:latin typeface="Arial"/>
+                <a:cs typeface="Arial"/>
+              </a:rPr>
+              <a:t>A </a:t>
+            </a:r>
+            <a:r>
+              <a:rPr sz="2400" spc="-20" dirty="0">
+                <a:solidFill>
+                  <a:srgbClr val="616161"/>
+                </a:solidFill>
+                <a:latin typeface="Arial"/>
+                <a:cs typeface="Arial"/>
+              </a:rPr>
+              <a:t>visualization </a:t>
+            </a:r>
+            <a:r>
+              <a:rPr sz="2400" spc="-13" dirty="0">
+                <a:solidFill>
+                  <a:srgbClr val="616161"/>
+                </a:solidFill>
+                <a:latin typeface="Arial"/>
+                <a:cs typeface="Arial"/>
+              </a:rPr>
+              <a:t>result </a:t>
+            </a:r>
+            <a:r>
+              <a:rPr sz="2400" spc="-33" dirty="0">
+                <a:solidFill>
+                  <a:srgbClr val="616161"/>
+                </a:solidFill>
+                <a:latin typeface="Arial"/>
+                <a:cs typeface="Arial"/>
+              </a:rPr>
+              <a:t>such </a:t>
+            </a:r>
+            <a:r>
+              <a:rPr sz="2400" spc="-80" dirty="0">
+                <a:solidFill>
+                  <a:srgbClr val="616161"/>
+                </a:solidFill>
+                <a:latin typeface="Arial"/>
+                <a:cs typeface="Arial"/>
+              </a:rPr>
+              <a:t>as </a:t>
+            </a:r>
+            <a:r>
+              <a:rPr sz="2400" spc="-73" dirty="0">
+                <a:solidFill>
+                  <a:srgbClr val="616161"/>
+                </a:solidFill>
+                <a:latin typeface="Arial"/>
+                <a:cs typeface="Arial"/>
+              </a:rPr>
+              <a:t>a </a:t>
+            </a:r>
+            <a:r>
+              <a:rPr sz="2400" spc="-13" dirty="0">
+                <a:solidFill>
+                  <a:srgbClr val="616161"/>
+                </a:solidFill>
+                <a:latin typeface="Arial"/>
+                <a:cs typeface="Arial"/>
+              </a:rPr>
+              <a:t>bar chart </a:t>
+            </a:r>
+            <a:r>
+              <a:rPr sz="2400" dirty="0">
+                <a:solidFill>
+                  <a:srgbClr val="616161"/>
+                </a:solidFill>
+                <a:latin typeface="Arial"/>
+                <a:cs typeface="Arial"/>
+              </a:rPr>
+              <a:t>represent </a:t>
+            </a:r>
+            <a:r>
+              <a:rPr sz="2400" spc="13" dirty="0">
                 <a:solidFill>
                   <a:srgbClr val="616161"/>
                 </a:solidFill>
@@ -7146,7 +6605,37 @@
               <a:t>the </a:t>
             </a:r>
             <a:r>
-              <a:rPr sz="3200" spc="7" dirty="0">
+              <a:rPr sz="2400" spc="-20" dirty="0">
+                <a:solidFill>
+                  <a:srgbClr val="616161"/>
+                </a:solidFill>
+                <a:latin typeface="Arial"/>
+                <a:cs typeface="Arial"/>
+              </a:rPr>
+              <a:t>sentiments</a:t>
+            </a:r>
+            <a:r>
+              <a:rPr sz="2400" spc="-260" dirty="0">
+                <a:solidFill>
+                  <a:srgbClr val="616161"/>
+                </a:solidFill>
+                <a:latin typeface="Arial"/>
+                <a:cs typeface="Arial"/>
+              </a:rPr>
+              <a:t> </a:t>
+            </a:r>
+            <a:r>
+              <a:rPr sz="2400" spc="20" dirty="0">
+                <a:solidFill>
+                  <a:srgbClr val="616161"/>
+                </a:solidFill>
+                <a:latin typeface="Arial"/>
+                <a:cs typeface="Arial"/>
+              </a:rPr>
+              <a:t>of  </a:t>
+            </a:r>
+            <a:r>
+              <a:rPr sz="2400" spc="7" dirty="0">
                 <a:solidFill>
                   <a:srgbClr val="616161"/>
                 </a:solidFill>
@@ -7156,17 +6645,37 @@
               <a:t>tweets </a:t>
             </a:r>
             <a:r>
-              <a:rPr sz="3200" spc="13" dirty="0">
-                <a:solidFill>
-                  <a:srgbClr val="616161"/>
-                </a:solidFill>
-                <a:latin typeface="Arial"/>
-                <a:cs typeface="Arial"/>
-              </a:rPr>
-              <a:t>by</a:t>
-            </a:r>
-            <a:r>
-              <a:rPr sz="3200" spc="-280" dirty="0">
+              <a:rPr sz="2400" spc="13" dirty="0">
+                <a:solidFill>
+                  <a:srgbClr val="616161"/>
+                </a:solidFill>
+                <a:latin typeface="Arial"/>
+                <a:cs typeface="Arial"/>
+              </a:rPr>
+              <a:t>with </a:t>
+            </a:r>
+            <a:r>
+              <a:rPr sz="2400" spc="-7" dirty="0">
+                <a:solidFill>
+                  <a:srgbClr val="616161"/>
+                </a:solidFill>
+                <a:latin typeface="Arial"/>
+                <a:cs typeface="Arial"/>
+              </a:rPr>
+              <a:t>th</a:t>
+            </a:r>
+            <a:r>
+              <a:rPr lang="en-US" altLang="zh-CN" sz="2400" spc="-7" dirty="0">
+                <a:solidFill>
+                  <a:srgbClr val="616161"/>
+                </a:solidFill>
+                <a:latin typeface="Arial"/>
+                <a:cs typeface="Arial"/>
+              </a:rPr>
+              <a:t>ose</a:t>
+            </a:r>
+            <a:r>
+              <a:rPr sz="2400" spc="-7" dirty="0">
                 <a:solidFill>
                   <a:srgbClr val="616161"/>
                 </a:solidFill>
@@ -7176,7 +6685,7 @@
               <a:t> </a:t>
             </a:r>
             <a:r>
-              <a:rPr sz="3200" spc="20" dirty="0">
+              <a:rPr sz="2400" spc="13" dirty="0">
                 <a:solidFill>
                   <a:srgbClr val="616161"/>
                 </a:solidFill>
@@ -7185,74 +6694,180 @@
               </a:rPr>
               <a:t>keyword</a:t>
             </a:r>
-            <a:endParaRPr sz="3200" dirty="0">
+            <a:r>
+              <a:rPr lang="en-US" altLang="zh-CN" sz="2400" spc="13" dirty="0">
+                <a:solidFill>
+                  <a:srgbClr val="616161"/>
+                </a:solidFill>
+                <a:latin typeface="Arial"/>
+                <a:cs typeface="Arial"/>
+              </a:rPr>
+              <a:t>s</a:t>
+            </a:r>
+            <a:r>
+              <a:rPr sz="2400" spc="13" dirty="0">
+                <a:solidFill>
+                  <a:srgbClr val="616161"/>
+                </a:solidFill>
+                <a:latin typeface="Arial"/>
+                <a:cs typeface="Arial"/>
+              </a:rPr>
+              <a:t> </a:t>
+            </a:r>
+            <a:r>
+              <a:rPr sz="2400" spc="-20" dirty="0">
+                <a:solidFill>
+                  <a:srgbClr val="616161"/>
+                </a:solidFill>
+                <a:latin typeface="Arial"/>
+                <a:cs typeface="Arial"/>
+              </a:rPr>
+              <a:t>at </a:t>
+            </a:r>
+            <a:r>
+              <a:rPr sz="2400" spc="-7" dirty="0">
+                <a:solidFill>
+                  <a:srgbClr val="616161"/>
+                </a:solidFill>
+                <a:latin typeface="Arial"/>
+                <a:cs typeface="Arial"/>
+              </a:rPr>
+              <a:t>that</a:t>
+            </a:r>
+            <a:r>
+              <a:rPr sz="2400" spc="-460" dirty="0">
+                <a:solidFill>
+                  <a:srgbClr val="616161"/>
+                </a:solidFill>
+                <a:latin typeface="Arial"/>
+                <a:cs typeface="Arial"/>
+              </a:rPr>
+              <a:t> </a:t>
+            </a:r>
+            <a:r>
+              <a:rPr lang="zh-CN" altLang="en-US" sz="2400" spc="-460" dirty="0">
+                <a:solidFill>
+                  <a:srgbClr val="616161"/>
+                </a:solidFill>
+                <a:latin typeface="Arial"/>
+                <a:cs typeface="Arial"/>
+              </a:rPr>
+              <a:t> </a:t>
+            </a:r>
+            <a:r>
+              <a:rPr sz="2400" spc="7" dirty="0">
+                <a:solidFill>
+                  <a:srgbClr val="616161"/>
+                </a:solidFill>
+                <a:latin typeface="Arial"/>
+                <a:cs typeface="Arial"/>
+              </a:rPr>
+              <a:t>date</a:t>
+            </a:r>
+            <a:endParaRPr lang="en-US" sz="2400" spc="7" dirty="0">
+              <a:solidFill>
+                <a:srgbClr val="616161"/>
+              </a:solidFill>
               <a:latin typeface="Arial"/>
               <a:cs typeface="Arial"/>
             </a:endParaRPr>
           </a:p>
           <a:p>
-            <a:pPr marL="566406" indent="-549473">
+            <a:pPr marL="1175991" marR="6773" lvl="1" indent="-488514">
+              <a:lnSpc>
+                <a:spcPct val="114599"/>
+              </a:lnSpc>
               <a:spcBef>
-                <a:spcPts val="560"/>
+                <a:spcPts val="173"/>
               </a:spcBef>
-              <a:buChar char="●"/>
+              <a:buChar char="○"/>
               <a:tabLst>
-                <a:tab pos="566406" algn="l"/>
-                <a:tab pos="567252" algn="l"/>
+                <a:tab pos="1175991" algn="l"/>
+                <a:tab pos="1176837" algn="l"/>
               </a:tabLst>
             </a:pPr>
             <a:r>
-              <a:rPr sz="3200" spc="-7" dirty="0">
-                <a:solidFill>
-                  <a:srgbClr val="616161"/>
-                </a:solidFill>
-                <a:latin typeface="Arial"/>
-                <a:cs typeface="Arial"/>
-              </a:rPr>
-              <a:t>Identify </a:t>
-            </a:r>
-            <a:r>
-              <a:rPr sz="3200" spc="-20" dirty="0">
-                <a:solidFill>
-                  <a:srgbClr val="616161"/>
-                </a:solidFill>
-                <a:latin typeface="Arial"/>
-                <a:cs typeface="Arial"/>
-              </a:rPr>
-              <a:t>and </a:t>
-            </a:r>
-            <a:r>
-              <a:rPr sz="3200" spc="-40" dirty="0">
-                <a:solidFill>
-                  <a:srgbClr val="616161"/>
-                </a:solidFill>
-                <a:latin typeface="Arial"/>
-                <a:cs typeface="Arial"/>
-              </a:rPr>
-              <a:t>mark </a:t>
-            </a:r>
-            <a:r>
-              <a:rPr sz="3200" spc="20" dirty="0">
-                <a:solidFill>
-                  <a:srgbClr val="616161"/>
-                </a:solidFill>
-                <a:latin typeface="Arial"/>
-                <a:cs typeface="Arial"/>
-              </a:rPr>
-              <a:t>the </a:t>
-            </a:r>
-            <a:r>
-              <a:rPr sz="3200" spc="33" dirty="0">
-                <a:solidFill>
-                  <a:srgbClr val="616161"/>
-                </a:solidFill>
-                <a:latin typeface="Arial"/>
-                <a:cs typeface="Arial"/>
-              </a:rPr>
-              <a:t>word</a:t>
-            </a:r>
-            <a:r>
-              <a:rPr sz="3200" spc="-293" dirty="0">
+              <a:rPr lang="en-US" sz="2400" spc="-27" dirty="0">
+                <a:solidFill>
+                  <a:srgbClr val="616161"/>
+                </a:solidFill>
+                <a:latin typeface="Arial"/>
+                <a:cs typeface="Arial"/>
+              </a:rPr>
+              <a:t>A </a:t>
+            </a:r>
+            <a:r>
+              <a:rPr lang="en-US" sz="2400" spc="-20" dirty="0">
+                <a:solidFill>
+                  <a:srgbClr val="616161"/>
+                </a:solidFill>
+                <a:latin typeface="Arial"/>
+                <a:cs typeface="Arial"/>
+              </a:rPr>
+              <a:t>visualization </a:t>
+            </a:r>
+            <a:r>
+              <a:rPr lang="en-US" sz="2400" spc="-13" dirty="0">
+                <a:solidFill>
+                  <a:srgbClr val="616161"/>
+                </a:solidFill>
+                <a:latin typeface="Arial"/>
+                <a:cs typeface="Arial"/>
+              </a:rPr>
+              <a:t>result </a:t>
+            </a:r>
+            <a:r>
+              <a:rPr lang="en-US" sz="2400" spc="-33" dirty="0">
+                <a:solidFill>
+                  <a:srgbClr val="616161"/>
+                </a:solidFill>
+                <a:latin typeface="Arial"/>
+                <a:cs typeface="Arial"/>
+              </a:rPr>
+              <a:t>such </a:t>
+            </a:r>
+            <a:r>
+              <a:rPr lang="en-US" sz="2400" spc="-80" dirty="0">
+                <a:solidFill>
+                  <a:srgbClr val="616161"/>
+                </a:solidFill>
+                <a:latin typeface="Arial"/>
+                <a:cs typeface="Arial"/>
+              </a:rPr>
+              <a:t>as </a:t>
+            </a:r>
+            <a:r>
+              <a:rPr lang="en-US" sz="2400" spc="-73" dirty="0">
+                <a:solidFill>
+                  <a:srgbClr val="616161"/>
+                </a:solidFill>
+                <a:latin typeface="Arial"/>
+                <a:cs typeface="Arial"/>
+              </a:rPr>
+              <a:t>a </a:t>
+            </a:r>
+            <a:r>
+              <a:rPr lang="en-US" sz="2400" spc="-13" dirty="0">
+                <a:solidFill>
+                  <a:srgbClr val="616161"/>
+                </a:solidFill>
+                <a:latin typeface="Arial"/>
+                <a:cs typeface="Arial"/>
+              </a:rPr>
+              <a:t>bar chart </a:t>
+            </a:r>
+            <a:r>
+              <a:rPr lang="en-US" sz="2400" dirty="0">
+                <a:solidFill>
+                  <a:srgbClr val="616161"/>
+                </a:solidFill>
+                <a:latin typeface="Arial"/>
+                <a:cs typeface="Arial"/>
+              </a:rPr>
+              <a:t>represent</a:t>
+            </a:r>
+            <a:r>
+              <a:rPr lang="zh-CN" altLang="en-US" sz="2400" dirty="0">
                 <a:solidFill>
                   <a:srgbClr val="616161"/>
                 </a:solidFill>
@@ -7262,121 +6877,148 @@
               <a:t> </a:t>
             </a:r>
             <a:r>
-              <a:rPr sz="3200" spc="-13" dirty="0">
-                <a:solidFill>
-                  <a:srgbClr val="616161"/>
-                </a:solidFill>
-                <a:latin typeface="Arial"/>
-                <a:cs typeface="Arial"/>
-              </a:rPr>
-              <a:t>sentiment</a:t>
-            </a:r>
-            <a:endParaRPr sz="3200" dirty="0">
+              <a:rPr lang="en-US" altLang="zh-CN" sz="2400" dirty="0">
+                <a:solidFill>
+                  <a:srgbClr val="616161"/>
+                </a:solidFill>
+                <a:latin typeface="Arial"/>
+                <a:cs typeface="Arial"/>
+              </a:rPr>
+              <a:t>the</a:t>
+            </a:r>
+            <a:r>
+              <a:rPr lang="zh-CN" altLang="en-US" sz="2400" dirty="0">
+                <a:solidFill>
+                  <a:srgbClr val="616161"/>
+                </a:solidFill>
+                <a:latin typeface="Arial"/>
+                <a:cs typeface="Arial"/>
+              </a:rPr>
+              <a:t> </a:t>
+            </a:r>
+            <a:r>
+              <a:rPr lang="en-US" altLang="zh-CN" sz="2400" dirty="0">
+                <a:solidFill>
+                  <a:srgbClr val="616161"/>
+                </a:solidFill>
+                <a:latin typeface="Arial"/>
+                <a:cs typeface="Arial"/>
+              </a:rPr>
+              <a:t>top</a:t>
+            </a:r>
+            <a:r>
+              <a:rPr lang="zh-CN" altLang="en-US" sz="2400" dirty="0">
+                <a:solidFill>
+                  <a:srgbClr val="616161"/>
+                </a:solidFill>
+                <a:latin typeface="Arial"/>
+                <a:cs typeface="Arial"/>
+              </a:rPr>
+              <a:t> </a:t>
+            </a:r>
+            <a:r>
+              <a:rPr lang="en-US" altLang="zh-CN" sz="2400" dirty="0">
+                <a:solidFill>
+                  <a:srgbClr val="616161"/>
+                </a:solidFill>
+                <a:latin typeface="Arial"/>
+                <a:cs typeface="Arial"/>
+              </a:rPr>
+              <a:t>hashtags</a:t>
+            </a:r>
+            <a:r>
+              <a:rPr lang="zh-CN" altLang="en-US" sz="2400" dirty="0">
+                <a:solidFill>
+                  <a:srgbClr val="616161"/>
+                </a:solidFill>
+                <a:latin typeface="Arial"/>
+                <a:cs typeface="Arial"/>
+              </a:rPr>
+              <a:t> </a:t>
+            </a:r>
+            <a:r>
+              <a:rPr lang="en-US" altLang="zh-CN" sz="2400" dirty="0">
+                <a:solidFill>
+                  <a:srgbClr val="616161"/>
+                </a:solidFill>
+                <a:latin typeface="Arial"/>
+                <a:cs typeface="Arial"/>
+              </a:rPr>
+              <a:t>at</a:t>
+            </a:r>
+            <a:r>
+              <a:rPr lang="zh-CN" altLang="en-US" sz="2400" dirty="0">
+                <a:solidFill>
+                  <a:srgbClr val="616161"/>
+                </a:solidFill>
+                <a:latin typeface="Arial"/>
+                <a:cs typeface="Arial"/>
+              </a:rPr>
+              <a:t> </a:t>
+            </a:r>
+            <a:r>
+              <a:rPr lang="en-US" altLang="zh-CN" sz="2400" dirty="0">
+                <a:solidFill>
+                  <a:srgbClr val="616161"/>
+                </a:solidFill>
+                <a:latin typeface="Arial"/>
+                <a:cs typeface="Arial"/>
+              </a:rPr>
+              <a:t>that</a:t>
+            </a:r>
+            <a:r>
+              <a:rPr lang="zh-CN" altLang="en-US" sz="2400" dirty="0">
+                <a:solidFill>
+                  <a:srgbClr val="616161"/>
+                </a:solidFill>
+                <a:latin typeface="Arial"/>
+                <a:cs typeface="Arial"/>
+              </a:rPr>
+              <a:t> </a:t>
+            </a:r>
+            <a:r>
+              <a:rPr lang="en-US" altLang="zh-CN" sz="2400" dirty="0">
+                <a:solidFill>
+                  <a:srgbClr val="616161"/>
+                </a:solidFill>
+                <a:latin typeface="Arial"/>
+                <a:cs typeface="Arial"/>
+              </a:rPr>
+              <a:t>moment</a:t>
+            </a:r>
+            <a:endParaRPr lang="en-US" sz="2400" spc="7" dirty="0">
+              <a:solidFill>
+                <a:srgbClr val="616161"/>
+              </a:solidFill>
               <a:latin typeface="Arial"/>
               <a:cs typeface="Arial"/>
             </a:endParaRPr>
           </a:p>
           <a:p>
-            <a:pPr marL="566406" indent="-549473">
+            <a:pPr marL="1175991" marR="6773" lvl="1" indent="-488514">
+              <a:lnSpc>
+                <a:spcPct val="114599"/>
+              </a:lnSpc>
               <a:spcBef>
-                <a:spcPts val="560"/>
+                <a:spcPts val="173"/>
               </a:spcBef>
-              <a:buChar char="●"/>
+              <a:buChar char="○"/>
               <a:tabLst>
-                <a:tab pos="566406" algn="l"/>
-                <a:tab pos="567252" algn="l"/>
+                <a:tab pos="1175991" algn="l"/>
+                <a:tab pos="1176837" algn="l"/>
               </a:tabLst>
             </a:pPr>
-            <a:r>
-              <a:rPr sz="3200" spc="-27">
-                <a:solidFill>
-                  <a:srgbClr val="616161"/>
-                </a:solidFill>
-                <a:latin typeface="Arial"/>
-                <a:cs typeface="Arial"/>
-              </a:rPr>
-              <a:t>Visualization </a:t>
-            </a:r>
-            <a:r>
-              <a:rPr sz="3200" spc="-20" dirty="0">
-                <a:solidFill>
-                  <a:srgbClr val="616161"/>
-                </a:solidFill>
-                <a:latin typeface="Arial"/>
-                <a:cs typeface="Arial"/>
-              </a:rPr>
-              <a:t>using </a:t>
-            </a:r>
-            <a:r>
-              <a:rPr sz="3200" spc="-13" dirty="0">
-                <a:solidFill>
-                  <a:srgbClr val="616161"/>
-                </a:solidFill>
-                <a:latin typeface="Arial"/>
-                <a:cs typeface="Arial"/>
-              </a:rPr>
-              <a:t>Apache</a:t>
-            </a:r>
-            <a:r>
-              <a:rPr sz="3200" spc="-167" dirty="0">
-                <a:solidFill>
-                  <a:srgbClr val="616161"/>
-                </a:solidFill>
-                <a:latin typeface="Arial"/>
-                <a:cs typeface="Arial"/>
-              </a:rPr>
-              <a:t> </a:t>
-            </a:r>
-            <a:r>
-              <a:rPr sz="3200" spc="7" dirty="0">
-                <a:solidFill>
-                  <a:srgbClr val="616161"/>
-                </a:solidFill>
-                <a:latin typeface="Arial"/>
-                <a:cs typeface="Arial"/>
-              </a:rPr>
-              <a:t>Zeppelin</a:t>
-            </a:r>
-            <a:endParaRPr sz="3200" dirty="0">
+            <a:endParaRPr sz="2400" dirty="0">
               <a:latin typeface="Arial"/>
               <a:cs typeface="Arial"/>
             </a:endParaRPr>
           </a:p>
         </p:txBody>
       </p:sp>
-      <p:sp>
-        <p:nvSpPr>
-          <p:cNvPr id="4" name="object 4"/>
-          <p:cNvSpPr/>
-          <p:nvPr/>
-        </p:nvSpPr>
-        <p:spPr>
-          <a:xfrm>
-            <a:off x="6176163" y="1739834"/>
-            <a:ext cx="5976423" cy="2006199"/>
-          </a:xfrm>
-          <a:prstGeom prst="rect">
-            <a:avLst/>
-          </a:prstGeom>
-          <a:blipFill>
-            <a:blip r:embed="rId2" cstate="print"/>
-            <a:stretch>
-              <a:fillRect/>
-            </a:stretch>
-          </a:blipFill>
-        </p:spPr>
-        <p:txBody>
-          <a:bodyPr wrap="square" lIns="0" tIns="0" rIns="0" bIns="0" rtlCol="0"/>
-          <a:lstStyle/>
-          <a:p>
-            <a:endParaRPr sz="2400"/>
-          </a:p>
-        </p:txBody>
-      </p:sp>
     </p:spTree>
     <p:extLst>
       <p:ext uri="{BB962C8B-B14F-4D97-AF65-F5344CB8AC3E}">
-        <p14:creationId xmlns:p14="http://schemas.microsoft.com/office/powerpoint/2010/main" val="2523068647"/>
+        <p14:creationId xmlns:p14="http://schemas.microsoft.com/office/powerpoint/2010/main" val="997428036"/>
       </p:ext>
     </p:extLst>
   </p:cSld>
@@ -7415,8 +7057,8 @@
         </p:nvSpPr>
         <p:spPr>
           <a:xfrm>
-            <a:off x="512967" y="671767"/>
-            <a:ext cx="4175765" cy="571096"/>
+            <a:off x="512968" y="671767"/>
+            <a:ext cx="3611560" cy="571096"/>
           </a:xfrm>
           <a:prstGeom prst="rect">
             <a:avLst/>
@@ -7434,20 +7076,12 @@
               </a:spcBef>
             </a:pPr>
             <a:r>
-              <a:rPr lang="en-US" altLang="zh-CN" spc="-60" dirty="0"/>
+              <a:rPr lang="en-US" altLang="zh-CN" spc="20" dirty="0"/>
               <a:t>3.</a:t>
             </a:r>
             <a:r>
-              <a:rPr spc="-60" dirty="0"/>
-              <a:t>Data</a:t>
-            </a:r>
-            <a:r>
-              <a:rPr spc="-193" dirty="0"/>
-              <a:t> </a:t>
-            </a:r>
-            <a:r>
-              <a:rPr spc="-33" dirty="0"/>
-              <a:t>sources</a:t>
+              <a:rPr spc="20" dirty="0"/>
+              <a:t>Methodology</a:t>
             </a:r>
           </a:p>
         </p:txBody>
@@ -7460,25 +7094,22 @@
         </p:nvSpPr>
         <p:spPr>
           <a:xfrm>
-            <a:off x="609369" y="1731975"/>
-            <a:ext cx="11025293" cy="3933107"/>
+            <a:off x="572299" y="1517499"/>
+            <a:ext cx="9240520" cy="5062924"/>
           </a:xfrm>
           <a:prstGeom prst="rect">
             <a:avLst/>
           </a:prstGeom>
         </p:spPr>
         <p:txBody>
-          <a:bodyPr vert="horz" wrap="square" lIns="0" tIns="16933" rIns="0" bIns="0" rtlCol="0">
+          <a:bodyPr vert="horz" wrap="square" lIns="0" tIns="116840" rIns="0" bIns="0" rtlCol="0">
             <a:spAutoFit/>
           </a:bodyPr>
           <a:lstStyle/>
           <a:p>
-            <a:pPr marL="566406" marR="490208" indent="-549473">
-              <a:lnSpc>
-                <a:spcPct val="114599"/>
-              </a:lnSpc>
+            <a:pPr marL="566406" indent="-549473">
               <a:spcBef>
-                <a:spcPts val="133"/>
+                <a:spcPts val="920"/>
               </a:spcBef>
               <a:buChar char="●"/>
               <a:tabLst>
@@ -7487,17 +7118,27 @@
               </a:tabLst>
             </a:pPr>
             <a:r>
-              <a:rPr sz="3200" spc="-20" dirty="0">
-                <a:solidFill>
-                  <a:srgbClr val="616161"/>
-                </a:solidFill>
-                <a:latin typeface="Arial"/>
-                <a:cs typeface="Arial"/>
-              </a:rPr>
-              <a:t>Tweets</a:t>
-            </a:r>
-            <a:r>
-              <a:rPr lang="zh-CN" altLang="en-US" sz="3200" spc="-20" dirty="0">
+              <a:rPr sz="3200" spc="-93" dirty="0">
+                <a:solidFill>
+                  <a:srgbClr val="616161"/>
+                </a:solidFill>
+                <a:latin typeface="Arial"/>
+                <a:cs typeface="Arial"/>
+              </a:rPr>
+              <a:t>Parse </a:t>
+            </a:r>
+            <a:r>
+              <a:rPr sz="3200" spc="-60" dirty="0">
+                <a:solidFill>
+                  <a:srgbClr val="616161"/>
+                </a:solidFill>
+                <a:latin typeface="Arial"/>
+                <a:cs typeface="Arial"/>
+              </a:rPr>
+              <a:t>tweets(JSON</a:t>
+            </a:r>
+            <a:r>
+              <a:rPr sz="3200" spc="-47" dirty="0">
                 <a:solidFill>
                   <a:srgbClr val="616161"/>
                 </a:solidFill>
@@ -7507,234 +7148,14 @@
               <a:t> </a:t>
             </a:r>
             <a:r>
-              <a:rPr lang="en-US" altLang="zh-CN" sz="3200" spc="-20" dirty="0">
-                <a:solidFill>
-                  <a:srgbClr val="616161"/>
-                </a:solidFill>
-                <a:latin typeface="Arial"/>
-                <a:cs typeface="Arial"/>
-              </a:rPr>
-              <a:t>Search</a:t>
-            </a:r>
-            <a:r>
-              <a:rPr lang="zh-CN" altLang="en-US" sz="3200" spc="-20" dirty="0">
-                <a:solidFill>
-                  <a:srgbClr val="616161"/>
-                </a:solidFill>
-                <a:latin typeface="Arial"/>
-                <a:cs typeface="Arial"/>
-              </a:rPr>
-              <a:t> </a:t>
-            </a:r>
-            <a:r>
-              <a:rPr lang="en-US" altLang="zh-CN" sz="3200" spc="-20" dirty="0">
-                <a:solidFill>
-                  <a:srgbClr val="616161"/>
-                </a:solidFill>
-                <a:latin typeface="Arial"/>
-                <a:cs typeface="Arial"/>
-              </a:rPr>
-              <a:t>API:</a:t>
-            </a:r>
-            <a:r>
-              <a:rPr sz="3200" spc="-20" dirty="0">
-                <a:solidFill>
-                  <a:srgbClr val="616161"/>
-                </a:solidFill>
-                <a:latin typeface="Arial"/>
-                <a:cs typeface="Arial"/>
-              </a:rPr>
-              <a:t> </a:t>
-            </a:r>
-            <a:r>
-              <a:rPr sz="3200" spc="-13" dirty="0">
-                <a:solidFill>
-                  <a:srgbClr val="616161"/>
-                </a:solidFill>
-                <a:latin typeface="Arial"/>
-                <a:cs typeface="Arial"/>
-              </a:rPr>
-              <a:t>based </a:t>
-            </a:r>
-            <a:r>
-              <a:rPr sz="3200" spc="13" dirty="0">
-                <a:solidFill>
-                  <a:srgbClr val="616161"/>
-                </a:solidFill>
-                <a:latin typeface="Arial"/>
-                <a:cs typeface="Arial"/>
-              </a:rPr>
-              <a:t>on </a:t>
-            </a:r>
-            <a:r>
-              <a:rPr sz="3200" spc="-13" dirty="0">
-                <a:solidFill>
-                  <a:srgbClr val="616161"/>
-                </a:solidFill>
-                <a:latin typeface="Arial"/>
-                <a:cs typeface="Arial"/>
-              </a:rPr>
-              <a:t>certain </a:t>
-            </a:r>
-            <a:r>
-              <a:rPr sz="3200" spc="-27" dirty="0">
-                <a:solidFill>
-                  <a:srgbClr val="616161"/>
-                </a:solidFill>
-                <a:latin typeface="Arial"/>
-                <a:cs typeface="Arial"/>
-              </a:rPr>
-              <a:t>parameters </a:t>
-            </a:r>
-            <a:r>
-              <a:rPr sz="3200" spc="20" dirty="0">
-                <a:solidFill>
-                  <a:srgbClr val="616161"/>
-                </a:solidFill>
-                <a:latin typeface="Arial"/>
-                <a:cs typeface="Arial"/>
-              </a:rPr>
-              <a:t>like </a:t>
-            </a:r>
-            <a:r>
-              <a:rPr sz="3200" dirty="0">
-                <a:solidFill>
-                  <a:srgbClr val="616161"/>
-                </a:solidFill>
-                <a:latin typeface="Arial"/>
-                <a:cs typeface="Arial"/>
-              </a:rPr>
-              <a:t>keyword,  </a:t>
-            </a:r>
-            <a:r>
-              <a:rPr sz="3200" spc="-27" dirty="0">
-                <a:solidFill>
-                  <a:srgbClr val="616161"/>
-                </a:solidFill>
-                <a:latin typeface="Arial"/>
-                <a:cs typeface="Arial"/>
-              </a:rPr>
-              <a:t>language, </a:t>
-            </a:r>
-            <a:r>
-              <a:rPr sz="3200" spc="-13" dirty="0">
-                <a:solidFill>
-                  <a:srgbClr val="616161"/>
-                </a:solidFill>
-                <a:latin typeface="Arial"/>
-                <a:cs typeface="Arial"/>
-              </a:rPr>
-              <a:t>location, </a:t>
-            </a:r>
-            <a:r>
-              <a:rPr sz="3200" spc="13" dirty="0">
-                <a:solidFill>
-                  <a:srgbClr val="616161"/>
-                </a:solidFill>
-                <a:latin typeface="Arial"/>
-                <a:cs typeface="Arial"/>
-              </a:rPr>
-              <a:t>etc </a:t>
-            </a:r>
-            <a:r>
-              <a:rPr sz="3200" spc="-47" dirty="0">
-                <a:solidFill>
-                  <a:srgbClr val="616161"/>
-                </a:solidFill>
-                <a:latin typeface="Arial"/>
-                <a:cs typeface="Arial"/>
-              </a:rPr>
-              <a:t>can </a:t>
-            </a:r>
-            <a:r>
-              <a:rPr sz="3200" spc="40" dirty="0">
-                <a:solidFill>
-                  <a:srgbClr val="616161"/>
-                </a:solidFill>
-                <a:latin typeface="Arial"/>
-                <a:cs typeface="Arial"/>
-              </a:rPr>
-              <a:t>be </a:t>
-            </a:r>
-            <a:r>
-              <a:rPr sz="3200" spc="-13" dirty="0">
-                <a:solidFill>
-                  <a:srgbClr val="616161"/>
-                </a:solidFill>
-                <a:latin typeface="Arial"/>
-                <a:cs typeface="Arial"/>
-              </a:rPr>
-              <a:t>set </a:t>
-            </a:r>
-            <a:r>
-              <a:rPr sz="3200" spc="47" dirty="0">
-                <a:solidFill>
-                  <a:srgbClr val="616161"/>
-                </a:solidFill>
-                <a:latin typeface="Arial"/>
-                <a:cs typeface="Arial"/>
-              </a:rPr>
-              <a:t>to</a:t>
-            </a:r>
-            <a:r>
-              <a:rPr sz="3200" spc="-612" dirty="0">
-                <a:solidFill>
-                  <a:srgbClr val="616161"/>
-                </a:solidFill>
-                <a:latin typeface="Arial"/>
-                <a:cs typeface="Arial"/>
-              </a:rPr>
-              <a:t> </a:t>
-            </a:r>
-            <a:r>
-              <a:rPr sz="3200" spc="13" dirty="0">
-                <a:solidFill>
-                  <a:srgbClr val="616161"/>
-                </a:solidFill>
-                <a:latin typeface="Arial"/>
-                <a:cs typeface="Arial"/>
-              </a:rPr>
-              <a:t>define </a:t>
-            </a:r>
-            <a:r>
-              <a:rPr sz="3200" spc="-7" dirty="0">
-                <a:solidFill>
-                  <a:srgbClr val="616161"/>
-                </a:solidFill>
-                <a:latin typeface="Arial"/>
-                <a:cs typeface="Arial"/>
-              </a:rPr>
-              <a:t>what </a:t>
-            </a:r>
-            <a:r>
-              <a:rPr sz="3200" spc="-20" dirty="0">
-                <a:solidFill>
-                  <a:srgbClr val="616161"/>
-                </a:solidFill>
-                <a:latin typeface="Arial"/>
-                <a:cs typeface="Arial"/>
-              </a:rPr>
-              <a:t>data </a:t>
-            </a:r>
-            <a:r>
-              <a:rPr sz="3200" spc="47" dirty="0">
-                <a:solidFill>
-                  <a:srgbClr val="616161"/>
-                </a:solidFill>
-                <a:latin typeface="Arial"/>
-                <a:cs typeface="Arial"/>
-              </a:rPr>
-              <a:t>to </a:t>
-            </a:r>
-            <a:r>
-              <a:rPr sz="3200" dirty="0">
-                <a:solidFill>
-                  <a:srgbClr val="616161"/>
-                </a:solidFill>
-                <a:latin typeface="Arial"/>
-                <a:cs typeface="Arial"/>
-              </a:rPr>
-              <a:t>request</a:t>
+              <a:rPr sz="3200" spc="-53" dirty="0">
+                <a:solidFill>
+                  <a:srgbClr val="616161"/>
+                </a:solidFill>
+                <a:latin typeface="Arial"/>
+                <a:cs typeface="Arial"/>
+              </a:rPr>
+              <a:t>format)</a:t>
             </a:r>
             <a:endParaRPr sz="3200" dirty="0">
               <a:latin typeface="Arial"/>
@@ -7742,10 +7163,234 @@
             </a:endParaRPr>
           </a:p>
           <a:p>
-            <a:pPr marL="566406" marR="434329" indent="-549473">
-              <a:lnSpc>
-                <a:spcPct val="114599"/>
-              </a:lnSpc>
+            <a:pPr marL="1175991" lvl="1" indent="-488514">
+              <a:spcBef>
+                <a:spcPts val="593"/>
+              </a:spcBef>
+              <a:buChar char="○"/>
+              <a:tabLst>
+                <a:tab pos="1175991" algn="l"/>
+                <a:tab pos="1176837" algn="l"/>
+              </a:tabLst>
+            </a:pPr>
+            <a:r>
+              <a:rPr sz="2400" spc="-20" dirty="0">
+                <a:solidFill>
+                  <a:srgbClr val="616161"/>
+                </a:solidFill>
+                <a:latin typeface="Arial"/>
+                <a:cs typeface="Arial"/>
+              </a:rPr>
+              <a:t>Text</a:t>
+            </a:r>
+            <a:r>
+              <a:rPr sz="2400" spc="-60" dirty="0">
+                <a:solidFill>
+                  <a:srgbClr val="616161"/>
+                </a:solidFill>
+                <a:latin typeface="Arial"/>
+                <a:cs typeface="Arial"/>
+              </a:rPr>
+              <a:t> </a:t>
+            </a:r>
+            <a:r>
+              <a:rPr sz="2400" spc="13" dirty="0">
+                <a:solidFill>
+                  <a:srgbClr val="616161"/>
+                </a:solidFill>
+                <a:latin typeface="Arial"/>
+                <a:cs typeface="Arial"/>
+              </a:rPr>
+              <a:t>field</a:t>
+            </a:r>
+            <a:endParaRPr sz="2400" dirty="0">
+              <a:latin typeface="Arial"/>
+              <a:cs typeface="Arial"/>
+            </a:endParaRPr>
+          </a:p>
+          <a:p>
+            <a:pPr marL="1175991" lvl="1" indent="-488514">
+              <a:spcBef>
+                <a:spcPts val="420"/>
+              </a:spcBef>
+              <a:buChar char="○"/>
+              <a:tabLst>
+                <a:tab pos="1175991" algn="l"/>
+                <a:tab pos="1176837" algn="l"/>
+              </a:tabLst>
+            </a:pPr>
+            <a:r>
+              <a:rPr sz="2400" spc="-33" dirty="0">
+                <a:solidFill>
+                  <a:srgbClr val="616161"/>
+                </a:solidFill>
+                <a:latin typeface="Arial"/>
+                <a:cs typeface="Arial"/>
+              </a:rPr>
+              <a:t>User</a:t>
+            </a:r>
+            <a:r>
+              <a:rPr sz="2400" spc="-60" dirty="0">
+                <a:solidFill>
+                  <a:srgbClr val="616161"/>
+                </a:solidFill>
+                <a:latin typeface="Arial"/>
+                <a:cs typeface="Arial"/>
+              </a:rPr>
+              <a:t> </a:t>
+            </a:r>
+            <a:r>
+              <a:rPr sz="2400" spc="13" dirty="0">
+                <a:solidFill>
+                  <a:srgbClr val="616161"/>
+                </a:solidFill>
+                <a:latin typeface="Arial"/>
+                <a:cs typeface="Arial"/>
+              </a:rPr>
+              <a:t>field</a:t>
+            </a:r>
+            <a:endParaRPr sz="2400" dirty="0">
+              <a:latin typeface="Arial"/>
+              <a:cs typeface="Arial"/>
+            </a:endParaRPr>
+          </a:p>
+          <a:p>
+            <a:pPr marL="1175991" lvl="1" indent="-488514">
+              <a:spcBef>
+                <a:spcPts val="420"/>
+              </a:spcBef>
+              <a:buChar char="○"/>
+              <a:tabLst>
+                <a:tab pos="1175991" algn="l"/>
+                <a:tab pos="1176837" algn="l"/>
+              </a:tabLst>
+            </a:pPr>
+            <a:r>
+              <a:rPr sz="2400" spc="-13" dirty="0">
+                <a:solidFill>
+                  <a:srgbClr val="616161"/>
+                </a:solidFill>
+                <a:latin typeface="Arial"/>
+                <a:cs typeface="Arial"/>
+              </a:rPr>
+              <a:t>Created_at </a:t>
+            </a:r>
+            <a:r>
+              <a:rPr sz="2400" spc="13" dirty="0">
+                <a:solidFill>
+                  <a:srgbClr val="616161"/>
+                </a:solidFill>
+                <a:latin typeface="Arial"/>
+                <a:cs typeface="Arial"/>
+              </a:rPr>
+              <a:t>field </a:t>
+            </a:r>
+            <a:r>
+              <a:rPr sz="2400" spc="-80" dirty="0">
+                <a:solidFill>
+                  <a:srgbClr val="616161"/>
+                </a:solidFill>
+                <a:latin typeface="Arial"/>
+                <a:cs typeface="Arial"/>
+              </a:rPr>
+              <a:t>-</a:t>
+            </a:r>
+            <a:r>
+              <a:rPr sz="2400" spc="-167" dirty="0">
+                <a:solidFill>
+                  <a:srgbClr val="616161"/>
+                </a:solidFill>
+                <a:latin typeface="Arial"/>
+                <a:cs typeface="Arial"/>
+              </a:rPr>
+              <a:t> </a:t>
+            </a:r>
+            <a:r>
+              <a:rPr sz="2400" spc="-20" dirty="0">
+                <a:solidFill>
+                  <a:srgbClr val="616161"/>
+                </a:solidFill>
+                <a:latin typeface="Arial"/>
+                <a:cs typeface="Arial"/>
+              </a:rPr>
+              <a:t>Date</a:t>
+            </a:r>
+            <a:endParaRPr sz="2400" dirty="0">
+              <a:latin typeface="Arial"/>
+              <a:cs typeface="Arial"/>
+            </a:endParaRPr>
+          </a:p>
+          <a:p>
+            <a:pPr marL="1175991" lvl="1" indent="-488514">
+              <a:spcBef>
+                <a:spcPts val="420"/>
+              </a:spcBef>
+              <a:buChar char="○"/>
+              <a:tabLst>
+                <a:tab pos="1175991" algn="l"/>
+                <a:tab pos="1176837" algn="l"/>
+              </a:tabLst>
+            </a:pPr>
+            <a:r>
+              <a:rPr sz="2400" spc="-13" dirty="0">
+                <a:solidFill>
+                  <a:srgbClr val="616161"/>
+                </a:solidFill>
+                <a:latin typeface="Arial"/>
+                <a:cs typeface="Arial"/>
+              </a:rPr>
+              <a:t>Location </a:t>
+            </a:r>
+            <a:r>
+              <a:rPr sz="2400" spc="13" dirty="0">
+                <a:solidFill>
+                  <a:srgbClr val="616161"/>
+                </a:solidFill>
+                <a:latin typeface="Arial"/>
+                <a:cs typeface="Arial"/>
+              </a:rPr>
+              <a:t>field </a:t>
+            </a:r>
+            <a:r>
+              <a:rPr sz="2400" spc="-13" dirty="0">
+                <a:solidFill>
+                  <a:srgbClr val="616161"/>
+                </a:solidFill>
+                <a:latin typeface="Arial"/>
+                <a:cs typeface="Arial"/>
+              </a:rPr>
+              <a:t>and</a:t>
+            </a:r>
+            <a:r>
+              <a:rPr sz="2400" spc="-167" dirty="0">
+                <a:solidFill>
+                  <a:srgbClr val="616161"/>
+                </a:solidFill>
+                <a:latin typeface="Arial"/>
+                <a:cs typeface="Arial"/>
+              </a:rPr>
+              <a:t> </a:t>
+            </a:r>
+            <a:r>
+              <a:rPr sz="2400" spc="-20" dirty="0">
+                <a:solidFill>
+                  <a:srgbClr val="616161"/>
+                </a:solidFill>
+                <a:latin typeface="Arial"/>
+                <a:cs typeface="Arial"/>
+              </a:rPr>
+              <a:t>etc.</a:t>
+            </a:r>
+            <a:endParaRPr sz="2400" dirty="0">
+              <a:latin typeface="Arial"/>
+              <a:cs typeface="Arial"/>
+            </a:endParaRPr>
+          </a:p>
+          <a:p>
+            <a:pPr marL="566406" indent="-549473">
+              <a:spcBef>
+                <a:spcPts val="387"/>
+              </a:spcBef>
               <a:buChar char="●"/>
               <a:tabLst>
                 <a:tab pos="566406" algn="l"/>
@@ -7753,27 +7398,57 @@
               </a:tabLst>
             </a:pPr>
             <a:r>
-              <a:rPr lang="en-US" sz="3200" spc="-20" dirty="0">
-                <a:solidFill>
-                  <a:srgbClr val="616161"/>
-                </a:solidFill>
-                <a:latin typeface="Arial"/>
-                <a:cs typeface="Arial"/>
-              </a:rPr>
-              <a:t>Tweets </a:t>
-            </a:r>
-            <a:r>
-              <a:rPr lang="en-US" altLang="zh-CN" sz="3200" spc="-20" dirty="0">
-                <a:solidFill>
-                  <a:srgbClr val="616161"/>
-                </a:solidFill>
-                <a:latin typeface="Arial"/>
-                <a:cs typeface="Arial"/>
-              </a:rPr>
-              <a:t>Streaming</a:t>
-            </a:r>
-            <a:r>
-              <a:rPr lang="zh-CN" altLang="en-US" sz="3200" spc="-20" dirty="0">
+              <a:rPr sz="3200" spc="-47" dirty="0">
+                <a:solidFill>
+                  <a:srgbClr val="616161"/>
+                </a:solidFill>
+                <a:latin typeface="Arial"/>
+                <a:cs typeface="Arial"/>
+              </a:rPr>
+              <a:t>Clean </a:t>
+            </a:r>
+            <a:r>
+              <a:rPr sz="3200" spc="-20" dirty="0">
+                <a:solidFill>
+                  <a:srgbClr val="616161"/>
+                </a:solidFill>
+                <a:latin typeface="Arial"/>
+                <a:cs typeface="Arial"/>
+              </a:rPr>
+              <a:t>and </a:t>
+            </a:r>
+            <a:r>
+              <a:rPr sz="3200" dirty="0">
+                <a:solidFill>
+                  <a:srgbClr val="616161"/>
+                </a:solidFill>
+                <a:latin typeface="Arial"/>
+                <a:cs typeface="Arial"/>
+              </a:rPr>
+              <a:t>break </a:t>
+            </a:r>
+            <a:r>
+              <a:rPr sz="3200" spc="27" dirty="0">
+                <a:solidFill>
+                  <a:srgbClr val="616161"/>
+                </a:solidFill>
+                <a:latin typeface="Arial"/>
+                <a:cs typeface="Arial"/>
+              </a:rPr>
+              <a:t>down </a:t>
+            </a:r>
+            <a:r>
+              <a:rPr sz="3200" spc="20" dirty="0">
+                <a:solidFill>
+                  <a:srgbClr val="616161"/>
+                </a:solidFill>
+                <a:latin typeface="Arial"/>
+                <a:cs typeface="Arial"/>
+              </a:rPr>
+              <a:t>the text field into</a:t>
+            </a:r>
+            <a:r>
+              <a:rPr sz="3200" spc="-560" dirty="0">
                 <a:solidFill>
                   <a:srgbClr val="616161"/>
                 </a:solidFill>
@@ -7783,86 +7458,6 @@
               <a:t> </a:t>
             </a:r>
             <a:r>
-              <a:rPr lang="en-US" altLang="zh-CN" sz="3200" spc="-20" dirty="0">
-                <a:solidFill>
-                  <a:srgbClr val="616161"/>
-                </a:solidFill>
-                <a:latin typeface="Arial"/>
-                <a:cs typeface="Arial"/>
-              </a:rPr>
-              <a:t>API:</a:t>
-            </a:r>
-            <a:r>
-              <a:rPr lang="zh-CN" altLang="en-US" sz="3200" spc="-20" dirty="0">
-                <a:solidFill>
-                  <a:srgbClr val="616161"/>
-                </a:solidFill>
-                <a:latin typeface="Arial"/>
-                <a:cs typeface="Arial"/>
-              </a:rPr>
-              <a:t> </a:t>
-            </a:r>
-            <a:r>
-              <a:rPr sz="3200" spc="-53" dirty="0">
-                <a:solidFill>
-                  <a:srgbClr val="616161"/>
-                </a:solidFill>
-                <a:latin typeface="Arial"/>
-                <a:cs typeface="Arial"/>
-              </a:rPr>
-              <a:t>Data </a:t>
-            </a:r>
-            <a:r>
-              <a:rPr sz="3200" spc="-67" dirty="0">
-                <a:solidFill>
-                  <a:srgbClr val="616161"/>
-                </a:solidFill>
-                <a:latin typeface="Arial"/>
-                <a:cs typeface="Arial"/>
-              </a:rPr>
-              <a:t>size: </a:t>
-            </a:r>
-            <a:r>
-              <a:rPr lang="en-US" altLang="zh-CN" sz="3200" spc="-7" dirty="0">
-                <a:solidFill>
-                  <a:srgbClr val="616161"/>
-                </a:solidFill>
-                <a:latin typeface="Arial"/>
-                <a:cs typeface="Arial"/>
-              </a:rPr>
-              <a:t>more</a:t>
-            </a:r>
-            <a:r>
-              <a:rPr lang="zh-CN" altLang="en-US" sz="3200" spc="-7" dirty="0">
-                <a:solidFill>
-                  <a:srgbClr val="616161"/>
-                </a:solidFill>
-                <a:latin typeface="Arial"/>
-                <a:cs typeface="Arial"/>
-              </a:rPr>
-              <a:t> </a:t>
-            </a:r>
-            <a:r>
-              <a:rPr lang="en-US" altLang="zh-CN" sz="3200" spc="-7" dirty="0">
-                <a:solidFill>
-                  <a:srgbClr val="616161"/>
-                </a:solidFill>
-                <a:latin typeface="Arial"/>
-                <a:cs typeface="Arial"/>
-              </a:rPr>
-              <a:t>than</a:t>
-            </a:r>
-            <a:r>
-              <a:rPr sz="3200" spc="-7" dirty="0">
-                <a:solidFill>
-                  <a:srgbClr val="616161"/>
-                </a:solidFill>
-                <a:latin typeface="Arial"/>
-                <a:cs typeface="Arial"/>
-              </a:rPr>
-              <a:t> </a:t>
-            </a:r>
-            <a:r>
               <a:rPr sz="3200" dirty="0">
                 <a:solidFill>
                   <a:srgbClr val="616161"/>
@@ -7870,17 +7465,7 @@
                 <a:latin typeface="Arial"/>
                 <a:cs typeface="Arial"/>
               </a:rPr>
-              <a:t>100,000 </a:t>
-            </a:r>
-            <a:r>
-              <a:rPr sz="3200" spc="7" dirty="0">
-                <a:solidFill>
-                  <a:srgbClr val="616161"/>
-                </a:solidFill>
-                <a:latin typeface="Arial"/>
-                <a:cs typeface="Arial"/>
-              </a:rPr>
-              <a:t>tweets</a:t>
+              <a:t>words</a:t>
             </a:r>
             <a:endParaRPr sz="3200" dirty="0">
               <a:latin typeface="Arial"/>
@@ -7888,10 +7473,10 @@
             </a:endParaRPr>
           </a:p>
           <a:p>
-            <a:pPr marL="566406" marR="6773" indent="-549473">
-              <a:lnSpc>
-                <a:spcPct val="114599"/>
-              </a:lnSpc>
+            <a:pPr marL="566406" indent="-549473">
+              <a:spcBef>
+                <a:spcPts val="560"/>
+              </a:spcBef>
               <a:buChar char="●"/>
               <a:tabLst>
                 <a:tab pos="566406" algn="l"/>
@@ -7905,12 +7490,41 @@
                 </a:solidFill>
                 <a:latin typeface="Arial"/>
                 <a:cs typeface="Arial"/>
-                <a:hlinkClick r:id="rId2"/>
-              </a:rPr>
-              <a:t>Reference:http://140dev.com/twitter-api-programming-tutor </a:t>
-            </a:r>
-            <a:r>
-              <a:rPr sz="3200" spc="-13" dirty="0">
+              </a:rPr>
+              <a:t>Filter </a:t>
+            </a:r>
+            <a:r>
+              <a:rPr sz="3200" spc="20" dirty="0">
+                <a:solidFill>
+                  <a:srgbClr val="616161"/>
+                </a:solidFill>
+                <a:latin typeface="Arial"/>
+                <a:cs typeface="Arial"/>
+              </a:rPr>
+              <a:t>the </a:t>
+            </a:r>
+            <a:r>
+              <a:rPr sz="3200" spc="7" dirty="0">
+                <a:solidFill>
+                  <a:srgbClr val="616161"/>
+                </a:solidFill>
+                <a:latin typeface="Arial"/>
+                <a:cs typeface="Arial"/>
+              </a:rPr>
+              <a:t>tweets </a:t>
+            </a:r>
+            <a:r>
+              <a:rPr sz="3200" spc="13" dirty="0">
+                <a:solidFill>
+                  <a:srgbClr val="616161"/>
+                </a:solidFill>
+                <a:latin typeface="Arial"/>
+                <a:cs typeface="Arial"/>
+              </a:rPr>
+              <a:t>by</a:t>
+            </a:r>
+            <a:r>
+              <a:rPr sz="3200" spc="-280" dirty="0">
                 <a:solidFill>
                   <a:srgbClr val="616161"/>
                 </a:solidFill>
@@ -7920,26 +7534,267 @@
               <a:t> </a:t>
             </a:r>
             <a:r>
-              <a:rPr sz="3200" spc="-27" dirty="0">
-                <a:solidFill>
-                  <a:srgbClr val="616161"/>
-                </a:solidFill>
-                <a:latin typeface="Arial"/>
-                <a:cs typeface="Arial"/>
-              </a:rPr>
-              <a:t>ials/aggregating-tweets-search-api-vs-streaming-api/</a:t>
+              <a:rPr sz="3200" spc="20" dirty="0">
+                <a:solidFill>
+                  <a:srgbClr val="616161"/>
+                </a:solidFill>
+                <a:latin typeface="Arial"/>
+                <a:cs typeface="Arial"/>
+              </a:rPr>
+              <a:t>keyword</a:t>
             </a:r>
             <a:endParaRPr sz="3200" dirty="0">
               <a:latin typeface="Arial"/>
               <a:cs typeface="Arial"/>
             </a:endParaRPr>
           </a:p>
+          <a:p>
+            <a:pPr marL="566406" indent="-549473">
+              <a:spcBef>
+                <a:spcPts val="560"/>
+              </a:spcBef>
+              <a:buChar char="●"/>
+              <a:tabLst>
+                <a:tab pos="566406" algn="l"/>
+                <a:tab pos="567252" algn="l"/>
+              </a:tabLst>
+            </a:pPr>
+            <a:r>
+              <a:rPr sz="3200" spc="-7" dirty="0">
+                <a:solidFill>
+                  <a:srgbClr val="616161"/>
+                </a:solidFill>
+                <a:latin typeface="Arial"/>
+                <a:cs typeface="Arial"/>
+              </a:rPr>
+              <a:t>Identify </a:t>
+            </a:r>
+            <a:r>
+              <a:rPr sz="3200" spc="-20" dirty="0">
+                <a:solidFill>
+                  <a:srgbClr val="616161"/>
+                </a:solidFill>
+                <a:latin typeface="Arial"/>
+                <a:cs typeface="Arial"/>
+              </a:rPr>
+              <a:t>and </a:t>
+            </a:r>
+            <a:r>
+              <a:rPr sz="3200" spc="-40" dirty="0">
+                <a:solidFill>
+                  <a:srgbClr val="616161"/>
+                </a:solidFill>
+                <a:latin typeface="Arial"/>
+                <a:cs typeface="Arial"/>
+              </a:rPr>
+              <a:t>mark </a:t>
+            </a:r>
+            <a:r>
+              <a:rPr sz="3200" spc="20" dirty="0">
+                <a:solidFill>
+                  <a:srgbClr val="616161"/>
+                </a:solidFill>
+                <a:latin typeface="Arial"/>
+                <a:cs typeface="Arial"/>
+              </a:rPr>
+              <a:t>the </a:t>
+            </a:r>
+            <a:r>
+              <a:rPr sz="3200" spc="33" dirty="0">
+                <a:solidFill>
+                  <a:srgbClr val="616161"/>
+                </a:solidFill>
+                <a:latin typeface="Arial"/>
+                <a:cs typeface="Arial"/>
+              </a:rPr>
+              <a:t>word</a:t>
+            </a:r>
+            <a:r>
+              <a:rPr sz="3200" spc="-293" dirty="0">
+                <a:solidFill>
+                  <a:srgbClr val="616161"/>
+                </a:solidFill>
+                <a:latin typeface="Arial"/>
+                <a:cs typeface="Arial"/>
+              </a:rPr>
+              <a:t> </a:t>
+            </a:r>
+            <a:r>
+              <a:rPr sz="3200" spc="-13" dirty="0">
+                <a:solidFill>
+                  <a:srgbClr val="616161"/>
+                </a:solidFill>
+                <a:latin typeface="Arial"/>
+                <a:cs typeface="Arial"/>
+              </a:rPr>
+              <a:t>sentiment</a:t>
+            </a:r>
+            <a:r>
+              <a:rPr lang="zh-CN" altLang="en-US" sz="3200" spc="-13" dirty="0">
+                <a:solidFill>
+                  <a:srgbClr val="616161"/>
+                </a:solidFill>
+                <a:latin typeface="Arial"/>
+                <a:cs typeface="Arial"/>
+              </a:rPr>
+              <a:t> </a:t>
+            </a:r>
+            <a:r>
+              <a:rPr lang="en-US" altLang="zh-CN" sz="3200" spc="-13" dirty="0">
+                <a:solidFill>
+                  <a:srgbClr val="616161"/>
+                </a:solidFill>
+                <a:latin typeface="Arial"/>
+                <a:cs typeface="Arial"/>
+              </a:rPr>
+              <a:t>using</a:t>
+            </a:r>
+            <a:r>
+              <a:rPr lang="zh-CN" altLang="en-US" sz="3200" spc="-13" dirty="0">
+                <a:solidFill>
+                  <a:srgbClr val="616161"/>
+                </a:solidFill>
+                <a:latin typeface="Arial"/>
+                <a:cs typeface="Arial"/>
+              </a:rPr>
+              <a:t> </a:t>
+            </a:r>
+            <a:r>
+              <a:rPr lang="en-US" altLang="zh-CN" sz="3200" spc="-13" dirty="0">
+                <a:solidFill>
+                  <a:srgbClr val="616161"/>
+                </a:solidFill>
+                <a:latin typeface="Arial"/>
+                <a:cs typeface="Arial"/>
+              </a:rPr>
+              <a:t>Stanford</a:t>
+            </a:r>
+            <a:r>
+              <a:rPr lang="zh-CN" altLang="en-US" sz="3200" spc="-13" dirty="0">
+                <a:solidFill>
+                  <a:srgbClr val="616161"/>
+                </a:solidFill>
+                <a:latin typeface="Arial"/>
+                <a:cs typeface="Arial"/>
+              </a:rPr>
+              <a:t> </a:t>
+            </a:r>
+            <a:r>
+              <a:rPr lang="en-US" altLang="zh-CN" sz="3200" spc="-13" dirty="0">
+                <a:solidFill>
+                  <a:srgbClr val="616161"/>
+                </a:solidFill>
+                <a:latin typeface="Arial"/>
+                <a:cs typeface="Arial"/>
+              </a:rPr>
+              <a:t>NLP</a:t>
+            </a:r>
+            <a:endParaRPr sz="3200" dirty="0">
+              <a:latin typeface="Arial"/>
+              <a:cs typeface="Arial"/>
+            </a:endParaRPr>
+          </a:p>
+          <a:p>
+            <a:pPr marL="566406" indent="-549473">
+              <a:spcBef>
+                <a:spcPts val="560"/>
+              </a:spcBef>
+              <a:buChar char="●"/>
+              <a:tabLst>
+                <a:tab pos="566406" algn="l"/>
+                <a:tab pos="567252" algn="l"/>
+              </a:tabLst>
+            </a:pPr>
+            <a:r>
+              <a:rPr sz="3200" spc="-27" dirty="0">
+                <a:solidFill>
+                  <a:srgbClr val="616161"/>
+                </a:solidFill>
+                <a:latin typeface="Arial"/>
+                <a:cs typeface="Arial"/>
+              </a:rPr>
+              <a:t>Visualization </a:t>
+            </a:r>
+            <a:r>
+              <a:rPr sz="3200" spc="-20" dirty="0">
+                <a:solidFill>
+                  <a:srgbClr val="616161"/>
+                </a:solidFill>
+                <a:latin typeface="Arial"/>
+                <a:cs typeface="Arial"/>
+              </a:rPr>
+              <a:t>using </a:t>
+            </a:r>
+            <a:r>
+              <a:rPr sz="3200" spc="-13" dirty="0">
+                <a:solidFill>
+                  <a:srgbClr val="616161"/>
+                </a:solidFill>
+                <a:latin typeface="Arial"/>
+                <a:cs typeface="Arial"/>
+              </a:rPr>
+              <a:t>Apache</a:t>
+            </a:r>
+            <a:r>
+              <a:rPr sz="3200" spc="-167" dirty="0">
+                <a:solidFill>
+                  <a:srgbClr val="616161"/>
+                </a:solidFill>
+                <a:latin typeface="Arial"/>
+                <a:cs typeface="Arial"/>
+              </a:rPr>
+              <a:t> </a:t>
+            </a:r>
+            <a:r>
+              <a:rPr sz="3200" spc="7" dirty="0">
+                <a:solidFill>
+                  <a:srgbClr val="616161"/>
+                </a:solidFill>
+                <a:latin typeface="Arial"/>
+                <a:cs typeface="Arial"/>
+              </a:rPr>
+              <a:t>Zeppelin</a:t>
+            </a:r>
+            <a:endParaRPr sz="3200" dirty="0">
+              <a:latin typeface="Arial"/>
+              <a:cs typeface="Arial"/>
+            </a:endParaRPr>
+          </a:p>
+        </p:txBody>
+      </p:sp>
+      <p:sp>
+        <p:nvSpPr>
+          <p:cNvPr id="4" name="object 4"/>
+          <p:cNvSpPr/>
+          <p:nvPr/>
+        </p:nvSpPr>
+        <p:spPr>
+          <a:xfrm>
+            <a:off x="6176163" y="1739834"/>
+            <a:ext cx="5976423" cy="2006199"/>
+          </a:xfrm>
+          <a:prstGeom prst="rect">
+            <a:avLst/>
+          </a:prstGeom>
+          <a:blipFill>
+            <a:blip r:embed="rId2" cstate="print"/>
+            <a:stretch>
+              <a:fillRect/>
+            </a:stretch>
+          </a:blipFill>
+        </p:spPr>
+        <p:txBody>
+          <a:bodyPr wrap="square" lIns="0" tIns="0" rIns="0" bIns="0" rtlCol="0"/>
+          <a:lstStyle/>
+          <a:p>
+            <a:endParaRPr sz="2400"/>
+          </a:p>
         </p:txBody>
       </p:sp>
     </p:spTree>
     <p:extLst>
       <p:ext uri="{BB962C8B-B14F-4D97-AF65-F5344CB8AC3E}">
-        <p14:creationId xmlns:p14="http://schemas.microsoft.com/office/powerpoint/2010/main" val="787541870"/>
+        <p14:creationId xmlns:p14="http://schemas.microsoft.com/office/powerpoint/2010/main" val="2523068647"/>
       </p:ext>
     </p:extLst>
   </p:cSld>
@@ -7968,6 +7823,788 @@
       </p:grpSpPr>
       <p:sp>
         <p:nvSpPr>
+          <p:cNvPr id="2" name="object 2"/>
+          <p:cNvSpPr txBox="1">
+            <a:spLocks noGrp="1"/>
+          </p:cNvSpPr>
+          <p:nvPr>
+            <p:ph type="title"/>
+          </p:nvPr>
+        </p:nvSpPr>
+        <p:spPr>
+          <a:xfrm>
+            <a:off x="512967" y="671767"/>
+            <a:ext cx="4175765" cy="571096"/>
+          </a:xfrm>
+          <a:prstGeom prst="rect">
+            <a:avLst/>
+          </a:prstGeom>
+        </p:spPr>
+        <p:txBody>
+          <a:bodyPr vert="horz" wrap="square" lIns="0" tIns="16933" rIns="0" bIns="0" rtlCol="0" anchor="t">
+            <a:spAutoFit/>
+          </a:bodyPr>
+          <a:lstStyle/>
+          <a:p>
+            <a:pPr marL="16933">
+              <a:spcBef>
+                <a:spcPts val="133"/>
+              </a:spcBef>
+            </a:pPr>
+            <a:r>
+              <a:rPr lang="en-US" altLang="zh-CN" spc="-60" dirty="0"/>
+              <a:t>4.</a:t>
+            </a:r>
+            <a:r>
+              <a:rPr spc="-60" dirty="0"/>
+              <a:t>Data</a:t>
+            </a:r>
+            <a:r>
+              <a:rPr spc="-193" dirty="0"/>
+              <a:t> </a:t>
+            </a:r>
+            <a:r>
+              <a:rPr spc="-33" dirty="0"/>
+              <a:t>sources</a:t>
+            </a:r>
+          </a:p>
+        </p:txBody>
+      </p:sp>
+      <p:sp>
+        <p:nvSpPr>
+          <p:cNvPr id="3" name="object 3"/>
+          <p:cNvSpPr txBox="1"/>
+          <p:nvPr/>
+        </p:nvSpPr>
+        <p:spPr>
+          <a:xfrm>
+            <a:off x="589914" y="1323413"/>
+            <a:ext cx="11025293" cy="5065725"/>
+          </a:xfrm>
+          <a:prstGeom prst="rect">
+            <a:avLst/>
+          </a:prstGeom>
+        </p:spPr>
+        <p:txBody>
+          <a:bodyPr vert="horz" wrap="square" lIns="0" tIns="16933" rIns="0" bIns="0" rtlCol="0">
+            <a:spAutoFit/>
+          </a:bodyPr>
+          <a:lstStyle/>
+          <a:p>
+            <a:pPr marL="566406" marR="490208" indent="-549473">
+              <a:lnSpc>
+                <a:spcPct val="114599"/>
+              </a:lnSpc>
+              <a:spcBef>
+                <a:spcPts val="133"/>
+              </a:spcBef>
+              <a:buChar char="●"/>
+              <a:tabLst>
+                <a:tab pos="566406" algn="l"/>
+                <a:tab pos="567252" algn="l"/>
+              </a:tabLst>
+            </a:pPr>
+            <a:r>
+              <a:rPr sz="3200" spc="-20" dirty="0">
+                <a:solidFill>
+                  <a:srgbClr val="616161"/>
+                </a:solidFill>
+                <a:latin typeface="Arial"/>
+                <a:cs typeface="Arial"/>
+              </a:rPr>
+              <a:t>Tweets</a:t>
+            </a:r>
+            <a:r>
+              <a:rPr lang="zh-CN" altLang="en-US" sz="3200" spc="-20" dirty="0">
+                <a:solidFill>
+                  <a:srgbClr val="616161"/>
+                </a:solidFill>
+                <a:latin typeface="Arial"/>
+                <a:cs typeface="Arial"/>
+              </a:rPr>
+              <a:t> </a:t>
+            </a:r>
+            <a:r>
+              <a:rPr lang="en-US" altLang="zh-CN" sz="3200" spc="-20" dirty="0">
+                <a:solidFill>
+                  <a:srgbClr val="616161"/>
+                </a:solidFill>
+                <a:latin typeface="Arial"/>
+                <a:cs typeface="Arial"/>
+              </a:rPr>
+              <a:t>Search</a:t>
+            </a:r>
+            <a:r>
+              <a:rPr lang="zh-CN" altLang="en-US" sz="3200" spc="-20" dirty="0">
+                <a:solidFill>
+                  <a:srgbClr val="616161"/>
+                </a:solidFill>
+                <a:latin typeface="Arial"/>
+                <a:cs typeface="Arial"/>
+              </a:rPr>
+              <a:t> </a:t>
+            </a:r>
+            <a:r>
+              <a:rPr lang="en-US" altLang="zh-CN" sz="3200" spc="-20" dirty="0">
+                <a:solidFill>
+                  <a:srgbClr val="616161"/>
+                </a:solidFill>
+                <a:latin typeface="Arial"/>
+                <a:cs typeface="Arial"/>
+              </a:rPr>
+              <a:t>API:</a:t>
+            </a:r>
+            <a:r>
+              <a:rPr sz="3200" spc="-20" dirty="0">
+                <a:solidFill>
+                  <a:srgbClr val="616161"/>
+                </a:solidFill>
+                <a:latin typeface="Arial"/>
+                <a:cs typeface="Arial"/>
+              </a:rPr>
+              <a:t> </a:t>
+            </a:r>
+            <a:r>
+              <a:rPr sz="3200" spc="-13" dirty="0">
+                <a:solidFill>
+                  <a:srgbClr val="616161"/>
+                </a:solidFill>
+                <a:latin typeface="Arial"/>
+                <a:cs typeface="Arial"/>
+              </a:rPr>
+              <a:t>based </a:t>
+            </a:r>
+            <a:r>
+              <a:rPr sz="3200" spc="13" dirty="0">
+                <a:solidFill>
+                  <a:srgbClr val="616161"/>
+                </a:solidFill>
+                <a:latin typeface="Arial"/>
+                <a:cs typeface="Arial"/>
+              </a:rPr>
+              <a:t>on </a:t>
+            </a:r>
+            <a:r>
+              <a:rPr sz="3200" spc="-13" dirty="0">
+                <a:solidFill>
+                  <a:srgbClr val="616161"/>
+                </a:solidFill>
+                <a:latin typeface="Arial"/>
+                <a:cs typeface="Arial"/>
+              </a:rPr>
+              <a:t>certain </a:t>
+            </a:r>
+            <a:r>
+              <a:rPr sz="3200" spc="-27" dirty="0">
+                <a:solidFill>
+                  <a:srgbClr val="616161"/>
+                </a:solidFill>
+                <a:latin typeface="Arial"/>
+                <a:cs typeface="Arial"/>
+              </a:rPr>
+              <a:t>parameters </a:t>
+            </a:r>
+            <a:r>
+              <a:rPr sz="3200" spc="20" dirty="0">
+                <a:solidFill>
+                  <a:srgbClr val="616161"/>
+                </a:solidFill>
+                <a:latin typeface="Arial"/>
+                <a:cs typeface="Arial"/>
+              </a:rPr>
+              <a:t>like </a:t>
+            </a:r>
+            <a:r>
+              <a:rPr sz="3200" dirty="0">
+                <a:solidFill>
+                  <a:srgbClr val="616161"/>
+                </a:solidFill>
+                <a:latin typeface="Arial"/>
+                <a:cs typeface="Arial"/>
+              </a:rPr>
+              <a:t>keyword,  </a:t>
+            </a:r>
+            <a:r>
+              <a:rPr sz="3200" spc="-27" dirty="0">
+                <a:solidFill>
+                  <a:srgbClr val="616161"/>
+                </a:solidFill>
+                <a:latin typeface="Arial"/>
+                <a:cs typeface="Arial"/>
+              </a:rPr>
+              <a:t>language, </a:t>
+            </a:r>
+            <a:r>
+              <a:rPr sz="3200" spc="-13" dirty="0">
+                <a:solidFill>
+                  <a:srgbClr val="616161"/>
+                </a:solidFill>
+                <a:latin typeface="Arial"/>
+                <a:cs typeface="Arial"/>
+              </a:rPr>
+              <a:t>location, </a:t>
+            </a:r>
+            <a:r>
+              <a:rPr sz="3200" spc="13" dirty="0">
+                <a:solidFill>
+                  <a:srgbClr val="616161"/>
+                </a:solidFill>
+                <a:latin typeface="Arial"/>
+                <a:cs typeface="Arial"/>
+              </a:rPr>
+              <a:t>etc </a:t>
+            </a:r>
+            <a:r>
+              <a:rPr sz="3200" spc="-47" dirty="0">
+                <a:solidFill>
+                  <a:srgbClr val="616161"/>
+                </a:solidFill>
+                <a:latin typeface="Arial"/>
+                <a:cs typeface="Arial"/>
+              </a:rPr>
+              <a:t>can </a:t>
+            </a:r>
+            <a:r>
+              <a:rPr sz="3200" spc="40" dirty="0">
+                <a:solidFill>
+                  <a:srgbClr val="616161"/>
+                </a:solidFill>
+                <a:latin typeface="Arial"/>
+                <a:cs typeface="Arial"/>
+              </a:rPr>
+              <a:t>be </a:t>
+            </a:r>
+            <a:r>
+              <a:rPr sz="3200" spc="-13" dirty="0">
+                <a:solidFill>
+                  <a:srgbClr val="616161"/>
+                </a:solidFill>
+                <a:latin typeface="Arial"/>
+                <a:cs typeface="Arial"/>
+              </a:rPr>
+              <a:t>set </a:t>
+            </a:r>
+            <a:r>
+              <a:rPr sz="3200" spc="47" dirty="0">
+                <a:solidFill>
+                  <a:srgbClr val="616161"/>
+                </a:solidFill>
+                <a:latin typeface="Arial"/>
+                <a:cs typeface="Arial"/>
+              </a:rPr>
+              <a:t>to</a:t>
+            </a:r>
+            <a:r>
+              <a:rPr sz="3200" spc="-612" dirty="0">
+                <a:solidFill>
+                  <a:srgbClr val="616161"/>
+                </a:solidFill>
+                <a:latin typeface="Arial"/>
+                <a:cs typeface="Arial"/>
+              </a:rPr>
+              <a:t> </a:t>
+            </a:r>
+            <a:r>
+              <a:rPr sz="3200" spc="13" dirty="0">
+                <a:solidFill>
+                  <a:srgbClr val="616161"/>
+                </a:solidFill>
+                <a:latin typeface="Arial"/>
+                <a:cs typeface="Arial"/>
+              </a:rPr>
+              <a:t>define </a:t>
+            </a:r>
+            <a:r>
+              <a:rPr sz="3200" spc="-7" dirty="0">
+                <a:solidFill>
+                  <a:srgbClr val="616161"/>
+                </a:solidFill>
+                <a:latin typeface="Arial"/>
+                <a:cs typeface="Arial"/>
+              </a:rPr>
+              <a:t>what </a:t>
+            </a:r>
+            <a:r>
+              <a:rPr sz="3200" spc="-20" dirty="0">
+                <a:solidFill>
+                  <a:srgbClr val="616161"/>
+                </a:solidFill>
+                <a:latin typeface="Arial"/>
+                <a:cs typeface="Arial"/>
+              </a:rPr>
+              <a:t>data </a:t>
+            </a:r>
+            <a:r>
+              <a:rPr sz="3200" spc="47" dirty="0">
+                <a:solidFill>
+                  <a:srgbClr val="616161"/>
+                </a:solidFill>
+                <a:latin typeface="Arial"/>
+                <a:cs typeface="Arial"/>
+              </a:rPr>
+              <a:t>to </a:t>
+            </a:r>
+            <a:r>
+              <a:rPr sz="3200" dirty="0">
+                <a:solidFill>
+                  <a:srgbClr val="616161"/>
+                </a:solidFill>
+                <a:latin typeface="Arial"/>
+                <a:cs typeface="Arial"/>
+              </a:rPr>
+              <a:t>request</a:t>
+            </a:r>
+            <a:endParaRPr sz="3200" dirty="0">
+              <a:latin typeface="Arial"/>
+              <a:cs typeface="Arial"/>
+            </a:endParaRPr>
+          </a:p>
+          <a:p>
+            <a:pPr marL="566406" marR="434329" indent="-549473">
+              <a:lnSpc>
+                <a:spcPct val="114599"/>
+              </a:lnSpc>
+              <a:buChar char="●"/>
+              <a:tabLst>
+                <a:tab pos="566406" algn="l"/>
+                <a:tab pos="567252" algn="l"/>
+              </a:tabLst>
+            </a:pPr>
+            <a:r>
+              <a:rPr lang="en-US" sz="3200" spc="-20" dirty="0">
+                <a:solidFill>
+                  <a:srgbClr val="616161"/>
+                </a:solidFill>
+                <a:latin typeface="Arial"/>
+                <a:cs typeface="Arial"/>
+              </a:rPr>
+              <a:t>Tweets </a:t>
+            </a:r>
+            <a:r>
+              <a:rPr lang="en-US" altLang="zh-CN" sz="3200" spc="-20" dirty="0">
+                <a:solidFill>
+                  <a:srgbClr val="616161"/>
+                </a:solidFill>
+                <a:latin typeface="Arial"/>
+                <a:cs typeface="Arial"/>
+              </a:rPr>
+              <a:t>Streaming</a:t>
+            </a:r>
+            <a:r>
+              <a:rPr lang="zh-CN" altLang="en-US" sz="3200" spc="-20" dirty="0">
+                <a:solidFill>
+                  <a:srgbClr val="616161"/>
+                </a:solidFill>
+                <a:latin typeface="Arial"/>
+                <a:cs typeface="Arial"/>
+              </a:rPr>
+              <a:t> </a:t>
+            </a:r>
+            <a:r>
+              <a:rPr lang="en-US" altLang="zh-CN" sz="3200" spc="-20" dirty="0">
+                <a:solidFill>
+                  <a:srgbClr val="616161"/>
+                </a:solidFill>
+                <a:latin typeface="Arial"/>
+                <a:cs typeface="Arial"/>
+              </a:rPr>
+              <a:t>API:</a:t>
+            </a:r>
+            <a:r>
+              <a:rPr lang="zh-CN" altLang="en-US" sz="3200" spc="-20" dirty="0">
+                <a:solidFill>
+                  <a:srgbClr val="616161"/>
+                </a:solidFill>
+                <a:latin typeface="Arial"/>
+                <a:cs typeface="Arial"/>
+              </a:rPr>
+              <a:t> </a:t>
+            </a:r>
+            <a:r>
+              <a:rPr sz="3200" spc="-53" dirty="0">
+                <a:solidFill>
+                  <a:srgbClr val="616161"/>
+                </a:solidFill>
+                <a:latin typeface="Arial"/>
+                <a:cs typeface="Arial"/>
+              </a:rPr>
+              <a:t>Data </a:t>
+            </a:r>
+            <a:r>
+              <a:rPr sz="3200" spc="-67" dirty="0">
+                <a:solidFill>
+                  <a:srgbClr val="616161"/>
+                </a:solidFill>
+                <a:latin typeface="Arial"/>
+                <a:cs typeface="Arial"/>
+              </a:rPr>
+              <a:t>size: </a:t>
+            </a:r>
+            <a:r>
+              <a:rPr lang="en-US" altLang="zh-CN" sz="3200" spc="-7" dirty="0">
+                <a:solidFill>
+                  <a:srgbClr val="616161"/>
+                </a:solidFill>
+                <a:latin typeface="Arial"/>
+                <a:cs typeface="Arial"/>
+              </a:rPr>
+              <a:t>more</a:t>
+            </a:r>
+            <a:r>
+              <a:rPr lang="zh-CN" altLang="en-US" sz="3200" spc="-7" dirty="0">
+                <a:solidFill>
+                  <a:srgbClr val="616161"/>
+                </a:solidFill>
+                <a:latin typeface="Arial"/>
+                <a:cs typeface="Arial"/>
+              </a:rPr>
+              <a:t> </a:t>
+            </a:r>
+            <a:r>
+              <a:rPr lang="en-US" altLang="zh-CN" sz="3200" spc="-7" dirty="0">
+                <a:solidFill>
+                  <a:srgbClr val="616161"/>
+                </a:solidFill>
+                <a:latin typeface="Arial"/>
+                <a:cs typeface="Arial"/>
+              </a:rPr>
+              <a:t>than</a:t>
+            </a:r>
+            <a:r>
+              <a:rPr sz="3200" spc="-7" dirty="0">
+                <a:solidFill>
+                  <a:srgbClr val="616161"/>
+                </a:solidFill>
+                <a:latin typeface="Arial"/>
+                <a:cs typeface="Arial"/>
+              </a:rPr>
+              <a:t> </a:t>
+            </a:r>
+            <a:r>
+              <a:rPr sz="3200" dirty="0">
+                <a:solidFill>
+                  <a:srgbClr val="616161"/>
+                </a:solidFill>
+                <a:latin typeface="Arial"/>
+                <a:cs typeface="Arial"/>
+              </a:rPr>
+              <a:t>100,000 </a:t>
+            </a:r>
+            <a:r>
+              <a:rPr sz="3200" spc="7" dirty="0">
+                <a:solidFill>
+                  <a:srgbClr val="616161"/>
+                </a:solidFill>
+                <a:latin typeface="Arial"/>
+                <a:cs typeface="Arial"/>
+              </a:rPr>
+              <a:t>tweets</a:t>
+            </a:r>
+            <a:endParaRPr lang="en-US" sz="3200" spc="7" dirty="0">
+              <a:solidFill>
+                <a:srgbClr val="616161"/>
+              </a:solidFill>
+              <a:latin typeface="Arial"/>
+              <a:cs typeface="Arial"/>
+            </a:endParaRPr>
+          </a:p>
+          <a:p>
+            <a:pPr marL="566406" marR="434329" indent="-549473">
+              <a:lnSpc>
+                <a:spcPct val="114599"/>
+              </a:lnSpc>
+              <a:buChar char="●"/>
+              <a:tabLst>
+                <a:tab pos="566406" algn="l"/>
+                <a:tab pos="567252" algn="l"/>
+              </a:tabLst>
+            </a:pPr>
+            <a:r>
+              <a:rPr lang="en-US" sz="3200" spc="7" dirty="0">
+                <a:solidFill>
+                  <a:srgbClr val="616161"/>
+                </a:solidFill>
+                <a:latin typeface="Arial"/>
+                <a:cs typeface="Arial"/>
+              </a:rPr>
+              <a:t>S</a:t>
+            </a:r>
+            <a:r>
+              <a:rPr lang="en-US" altLang="zh-CN" sz="3200" spc="7" dirty="0">
+                <a:solidFill>
+                  <a:srgbClr val="616161"/>
+                </a:solidFill>
+                <a:latin typeface="Arial"/>
+                <a:cs typeface="Arial"/>
+              </a:rPr>
+              <a:t>tore</a:t>
+            </a:r>
+            <a:r>
+              <a:rPr lang="zh-CN" altLang="en-US" sz="3200" spc="7" dirty="0">
+                <a:solidFill>
+                  <a:srgbClr val="616161"/>
+                </a:solidFill>
+                <a:latin typeface="Arial"/>
+                <a:cs typeface="Arial"/>
+              </a:rPr>
+              <a:t> </a:t>
+            </a:r>
+            <a:r>
+              <a:rPr lang="en-US" altLang="zh-CN" sz="3200" spc="7" dirty="0">
+                <a:solidFill>
+                  <a:srgbClr val="616161"/>
+                </a:solidFill>
+                <a:latin typeface="Arial"/>
+                <a:cs typeface="Arial"/>
+              </a:rPr>
+              <a:t>and</a:t>
+            </a:r>
+            <a:r>
+              <a:rPr lang="zh-CN" altLang="en-US" sz="3200" spc="7" dirty="0">
+                <a:solidFill>
+                  <a:srgbClr val="616161"/>
+                </a:solidFill>
+                <a:latin typeface="Arial"/>
+                <a:cs typeface="Arial"/>
+              </a:rPr>
+              <a:t> </a:t>
+            </a:r>
+            <a:r>
+              <a:rPr lang="en-US" altLang="zh-CN" sz="3200" spc="7" dirty="0">
+                <a:solidFill>
+                  <a:srgbClr val="616161"/>
+                </a:solidFill>
+                <a:latin typeface="Arial"/>
+                <a:cs typeface="Arial"/>
+              </a:rPr>
+              <a:t>renew</a:t>
+            </a:r>
+            <a:r>
+              <a:rPr lang="zh-CN" altLang="en-US" sz="3200" spc="7" dirty="0">
+                <a:solidFill>
+                  <a:srgbClr val="616161"/>
+                </a:solidFill>
+                <a:latin typeface="Arial"/>
+                <a:cs typeface="Arial"/>
+              </a:rPr>
+              <a:t> </a:t>
+            </a:r>
+            <a:r>
+              <a:rPr lang="en-US" altLang="zh-CN" sz="3200" spc="7" dirty="0">
+                <a:solidFill>
+                  <a:srgbClr val="616161"/>
+                </a:solidFill>
+                <a:latin typeface="Arial"/>
+                <a:cs typeface="Arial"/>
+              </a:rPr>
+              <a:t>the</a:t>
+            </a:r>
+            <a:r>
+              <a:rPr lang="zh-CN" altLang="en-US" sz="3200" spc="7" dirty="0">
+                <a:solidFill>
+                  <a:srgbClr val="616161"/>
+                </a:solidFill>
+                <a:latin typeface="Arial"/>
+                <a:cs typeface="Arial"/>
+              </a:rPr>
+              <a:t> </a:t>
+            </a:r>
+            <a:r>
+              <a:rPr lang="en-US" altLang="zh-CN" sz="3200" spc="7" dirty="0">
+                <a:solidFill>
+                  <a:srgbClr val="616161"/>
+                </a:solidFill>
+                <a:latin typeface="Arial"/>
+                <a:cs typeface="Arial"/>
+              </a:rPr>
+              <a:t>tweets</a:t>
+            </a:r>
+            <a:r>
+              <a:rPr lang="zh-CN" altLang="en-US" sz="3200" spc="7" dirty="0">
+                <a:solidFill>
+                  <a:srgbClr val="616161"/>
+                </a:solidFill>
+                <a:latin typeface="Arial"/>
+                <a:cs typeface="Arial"/>
+              </a:rPr>
+              <a:t> </a:t>
+            </a:r>
+            <a:r>
+              <a:rPr lang="en-US" altLang="zh-CN" sz="3200" spc="7" dirty="0">
+                <a:solidFill>
+                  <a:srgbClr val="616161"/>
+                </a:solidFill>
+                <a:latin typeface="Arial"/>
+                <a:cs typeface="Arial"/>
+              </a:rPr>
+              <a:t>to</a:t>
+            </a:r>
+            <a:r>
+              <a:rPr lang="zh-CN" altLang="en-US" sz="3200" spc="7" dirty="0">
+                <a:solidFill>
+                  <a:srgbClr val="616161"/>
+                </a:solidFill>
+                <a:latin typeface="Arial"/>
+                <a:cs typeface="Arial"/>
+              </a:rPr>
+              <a:t> </a:t>
+            </a:r>
+            <a:r>
+              <a:rPr lang="en-US" altLang="zh-CN" sz="3200" spc="7" dirty="0">
+                <a:solidFill>
+                  <a:srgbClr val="616161"/>
+                </a:solidFill>
+                <a:latin typeface="Arial"/>
+                <a:cs typeface="Arial"/>
+              </a:rPr>
+              <a:t>reduce</a:t>
+            </a:r>
+            <a:r>
+              <a:rPr lang="zh-CN" altLang="en-US" sz="3200" spc="7" dirty="0">
+                <a:solidFill>
+                  <a:srgbClr val="616161"/>
+                </a:solidFill>
+                <a:latin typeface="Arial"/>
+                <a:cs typeface="Arial"/>
+              </a:rPr>
+              <a:t> </a:t>
+            </a:r>
+            <a:r>
+              <a:rPr lang="en-US" altLang="zh-CN" sz="3200" spc="7" dirty="0">
+                <a:solidFill>
+                  <a:srgbClr val="616161"/>
+                </a:solidFill>
+                <a:latin typeface="Arial"/>
+                <a:cs typeface="Arial"/>
+              </a:rPr>
+              <a:t>the</a:t>
+            </a:r>
+            <a:r>
+              <a:rPr lang="zh-CN" altLang="en-US" sz="3200" spc="7" dirty="0">
+                <a:solidFill>
+                  <a:srgbClr val="616161"/>
+                </a:solidFill>
+                <a:latin typeface="Arial"/>
+                <a:cs typeface="Arial"/>
+              </a:rPr>
+              <a:t> </a:t>
+            </a:r>
+            <a:r>
+              <a:rPr lang="en-US" altLang="zh-CN" sz="3200" spc="7" dirty="0">
+                <a:solidFill>
+                  <a:srgbClr val="616161"/>
+                </a:solidFill>
+                <a:latin typeface="Arial"/>
+                <a:cs typeface="Arial"/>
+              </a:rPr>
+              <a:t>response</a:t>
+            </a:r>
+            <a:r>
+              <a:rPr lang="zh-CN" altLang="en-US" sz="3200" spc="7" dirty="0">
+                <a:solidFill>
+                  <a:srgbClr val="616161"/>
+                </a:solidFill>
+                <a:latin typeface="Arial"/>
+                <a:cs typeface="Arial"/>
+              </a:rPr>
+              <a:t> </a:t>
+            </a:r>
+            <a:r>
+              <a:rPr lang="en-US" altLang="zh-CN" sz="3200" spc="7" dirty="0">
+                <a:solidFill>
+                  <a:srgbClr val="616161"/>
+                </a:solidFill>
+                <a:latin typeface="Arial"/>
+                <a:cs typeface="Arial"/>
+              </a:rPr>
+              <a:t>time</a:t>
+            </a:r>
+            <a:endParaRPr sz="3200" dirty="0">
+              <a:latin typeface="Arial"/>
+              <a:cs typeface="Arial"/>
+            </a:endParaRPr>
+          </a:p>
+          <a:p>
+            <a:pPr marL="566406" marR="6773" indent="-549473">
+              <a:lnSpc>
+                <a:spcPct val="114599"/>
+              </a:lnSpc>
+              <a:buChar char="●"/>
+              <a:tabLst>
+                <a:tab pos="566406" algn="l"/>
+                <a:tab pos="567252" algn="l"/>
+              </a:tabLst>
+            </a:pPr>
+            <a:r>
+              <a:rPr sz="3200" spc="-20" dirty="0">
+                <a:solidFill>
+                  <a:srgbClr val="616161"/>
+                </a:solidFill>
+                <a:latin typeface="Arial"/>
+                <a:cs typeface="Arial"/>
+                <a:hlinkClick r:id="rId2"/>
+              </a:rPr>
+              <a:t>Reference:http://140dev.com/twitter-api-programming-tutor </a:t>
+            </a:r>
+            <a:r>
+              <a:rPr sz="3200" spc="-13" dirty="0">
+                <a:solidFill>
+                  <a:srgbClr val="616161"/>
+                </a:solidFill>
+                <a:latin typeface="Arial"/>
+                <a:cs typeface="Arial"/>
+              </a:rPr>
+              <a:t> </a:t>
+            </a:r>
+            <a:r>
+              <a:rPr sz="3200" spc="-27" dirty="0">
+                <a:solidFill>
+                  <a:srgbClr val="616161"/>
+                </a:solidFill>
+                <a:latin typeface="Arial"/>
+                <a:cs typeface="Arial"/>
+              </a:rPr>
+              <a:t>ials/aggregating-tweets-search-api-vs-streaming-api/</a:t>
+            </a:r>
+            <a:endParaRPr sz="3200" dirty="0">
+              <a:latin typeface="Arial"/>
+              <a:cs typeface="Arial"/>
+            </a:endParaRPr>
+          </a:p>
+        </p:txBody>
+      </p:sp>
+    </p:spTree>
+    <p:extLst>
+      <p:ext uri="{BB962C8B-B14F-4D97-AF65-F5344CB8AC3E}">
+        <p14:creationId xmlns:p14="http://schemas.microsoft.com/office/powerpoint/2010/main" val="787541870"/>
+      </p:ext>
+    </p:extLst>
+  </p:cSld>
+  <p:clrMapOvr>
+    <a:masterClrMapping/>
+  </p:clrMapOvr>
+</p:sld>
+</file>
+
+<file path=ppt/slides/slide6.xml><?xml version="1.0" encoding="utf-8"?>
+<p:sld xmlns:a="http://schemas.openxmlformats.org/drawingml/2006/main" xmlns:r="http://schemas.openxmlformats.org/officeDocument/2006/relationships" xmlns:p="http://schemas.openxmlformats.org/presentationml/2006/main" showMasterSp="0">
+  <p:cSld>
+    <p:spTree>
+      <p:nvGrpSpPr>
+        <p:cNvPr id="1" name=""/>
+        <p:cNvGrpSpPr/>
+        <p:nvPr/>
+      </p:nvGrpSpPr>
+      <p:grpSpPr>
+        <a:xfrm>
+          <a:off x="0" y="0"/>
+          <a:ext cx="0" cy="0"/>
+          <a:chOff x="0" y="0"/>
+          <a:chExt cx="0" cy="0"/>
+        </a:xfrm>
+      </p:grpSpPr>
+      <p:sp>
+        <p:nvSpPr>
           <p:cNvPr id="2" name="Title 1">
             <a:extLst>
               <a:ext uri="{FF2B5EF4-FFF2-40B4-BE49-F238E27FC236}">
@@ -7989,7 +8626,7 @@
           <a:p>
             <a:r>
               <a:rPr lang="en-US" altLang="zh-CN" dirty="0"/>
-              <a:t>4.</a:t>
+              <a:t>5.</a:t>
             </a:r>
             <a:r>
               <a:rPr lang="zh-CN" altLang="en-US" dirty="0"/>
@@ -8071,582 +8708,6 @@
 </p:sld>
 </file>
 
-<file path=ppt/slides/slide6.xml><?xml version="1.0" encoding="utf-8"?>
-<p:sld xmlns:a="http://schemas.openxmlformats.org/drawingml/2006/main" xmlns:r="http://schemas.openxmlformats.org/officeDocument/2006/relationships" xmlns:p="http://schemas.openxmlformats.org/presentationml/2006/main" showMasterSp="0">
-  <p:cSld>
-    <p:spTree>
-      <p:nvGrpSpPr>
-        <p:cNvPr id="1" name=""/>
-        <p:cNvGrpSpPr/>
-        <p:nvPr/>
-      </p:nvGrpSpPr>
-      <p:grpSpPr>
-        <a:xfrm>
-          <a:off x="0" y="0"/>
-          <a:ext cx="0" cy="0"/>
-          <a:chOff x="0" y="0"/>
-          <a:chExt cx="0" cy="0"/>
-        </a:xfrm>
-      </p:grpSpPr>
-      <p:sp>
-        <p:nvSpPr>
-          <p:cNvPr id="2" name="object 2"/>
-          <p:cNvSpPr txBox="1">
-            <a:spLocks noGrp="1"/>
-          </p:cNvSpPr>
-          <p:nvPr>
-            <p:ph type="title"/>
-          </p:nvPr>
-        </p:nvSpPr>
-        <p:spPr>
-          <a:xfrm>
-            <a:off x="512967" y="671767"/>
-            <a:ext cx="9418973" cy="571096"/>
-          </a:xfrm>
-          <a:prstGeom prst="rect">
-            <a:avLst/>
-          </a:prstGeom>
-        </p:spPr>
-        <p:txBody>
-          <a:bodyPr vert="horz" wrap="square" lIns="0" tIns="16933" rIns="0" bIns="0" rtlCol="0" anchor="t">
-            <a:spAutoFit/>
-          </a:bodyPr>
-          <a:lstStyle/>
-          <a:p>
-            <a:pPr marL="16933">
-              <a:spcBef>
-                <a:spcPts val="133"/>
-              </a:spcBef>
-            </a:pPr>
-            <a:r>
-              <a:rPr lang="en-US" altLang="zh-CN" spc="-40" dirty="0"/>
-              <a:t>5.</a:t>
-            </a:r>
-            <a:r>
-              <a:rPr lang="zh-CN" altLang="en-US" spc="-40" dirty="0"/>
-              <a:t> </a:t>
-            </a:r>
-            <a:r>
-              <a:rPr spc="-40" dirty="0"/>
-              <a:t>Programming </a:t>
-            </a:r>
-            <a:r>
-              <a:rPr spc="-7" dirty="0"/>
-              <a:t>in </a:t>
-            </a:r>
-            <a:r>
-              <a:rPr spc="-107" dirty="0"/>
-              <a:t>Scala </a:t>
-            </a:r>
-            <a:r>
-              <a:rPr spc="-20" dirty="0"/>
-              <a:t>and </a:t>
-            </a:r>
-            <a:r>
-              <a:rPr spc="33" dirty="0"/>
-              <a:t>code</a:t>
-            </a:r>
-            <a:r>
-              <a:rPr spc="-320" dirty="0"/>
-              <a:t> </a:t>
-            </a:r>
-            <a:r>
-              <a:rPr spc="7" dirty="0"/>
-              <a:t>repository</a:t>
-            </a:r>
-          </a:p>
-        </p:txBody>
-      </p:sp>
-      <p:sp>
-        <p:nvSpPr>
-          <p:cNvPr id="3" name="object 3"/>
-          <p:cNvSpPr txBox="1"/>
-          <p:nvPr/>
-        </p:nvSpPr>
-        <p:spPr>
-          <a:xfrm>
-            <a:off x="572299" y="1517499"/>
-            <a:ext cx="10619740" cy="4149854"/>
-          </a:xfrm>
-          <a:prstGeom prst="rect">
-            <a:avLst/>
-          </a:prstGeom>
-        </p:spPr>
-        <p:txBody>
-          <a:bodyPr vert="horz" wrap="square" lIns="0" tIns="116840" rIns="0" bIns="0" rtlCol="0">
-            <a:spAutoFit/>
-          </a:bodyPr>
-          <a:lstStyle/>
-          <a:p>
-            <a:pPr marL="566406" indent="-549473">
-              <a:spcBef>
-                <a:spcPts val="920"/>
-              </a:spcBef>
-              <a:buChar char="●"/>
-              <a:tabLst>
-                <a:tab pos="566406" algn="l"/>
-                <a:tab pos="567252" algn="l"/>
-              </a:tabLst>
-            </a:pPr>
-            <a:r>
-              <a:rPr sz="3200" spc="-27" dirty="0">
-                <a:solidFill>
-                  <a:srgbClr val="616161"/>
-                </a:solidFill>
-                <a:latin typeface="Arial"/>
-                <a:cs typeface="Arial"/>
-              </a:rPr>
-              <a:t>Most </a:t>
-            </a:r>
-            <a:r>
-              <a:rPr sz="3200" dirty="0">
-                <a:solidFill>
-                  <a:srgbClr val="616161"/>
-                </a:solidFill>
-                <a:latin typeface="Arial"/>
-                <a:cs typeface="Arial"/>
-              </a:rPr>
-              <a:t>part </a:t>
-            </a:r>
-            <a:r>
-              <a:rPr sz="3200" spc="33" dirty="0">
-                <a:solidFill>
-                  <a:srgbClr val="616161"/>
-                </a:solidFill>
-                <a:latin typeface="Arial"/>
-                <a:cs typeface="Arial"/>
-              </a:rPr>
-              <a:t>of </a:t>
-            </a:r>
-            <a:r>
-              <a:rPr sz="3200" spc="20" dirty="0">
-                <a:solidFill>
-                  <a:srgbClr val="616161"/>
-                </a:solidFill>
-                <a:latin typeface="Arial"/>
-                <a:cs typeface="Arial"/>
-              </a:rPr>
-              <a:t>project </a:t>
-            </a:r>
-            <a:r>
-              <a:rPr sz="3200" spc="13" dirty="0">
-                <a:solidFill>
-                  <a:srgbClr val="616161"/>
-                </a:solidFill>
-                <a:latin typeface="Arial"/>
-                <a:cs typeface="Arial"/>
-              </a:rPr>
-              <a:t>will </a:t>
-            </a:r>
-            <a:r>
-              <a:rPr sz="3200" spc="40" dirty="0">
-                <a:solidFill>
-                  <a:srgbClr val="616161"/>
-                </a:solidFill>
-                <a:latin typeface="Arial"/>
-                <a:cs typeface="Arial"/>
-              </a:rPr>
-              <a:t>be </a:t>
-            </a:r>
-            <a:r>
-              <a:rPr sz="3200" dirty="0">
-                <a:solidFill>
-                  <a:srgbClr val="616161"/>
-                </a:solidFill>
-                <a:latin typeface="Arial"/>
-                <a:cs typeface="Arial"/>
-              </a:rPr>
-              <a:t>programed </a:t>
-            </a:r>
-            <a:r>
-              <a:rPr sz="3200" spc="-7" dirty="0">
-                <a:solidFill>
-                  <a:srgbClr val="616161"/>
-                </a:solidFill>
-                <a:latin typeface="Arial"/>
-                <a:cs typeface="Arial"/>
-              </a:rPr>
-              <a:t>in</a:t>
-            </a:r>
-            <a:r>
-              <a:rPr sz="3200" spc="-600" dirty="0">
-                <a:solidFill>
-                  <a:srgbClr val="616161"/>
-                </a:solidFill>
-                <a:latin typeface="Arial"/>
-                <a:cs typeface="Arial"/>
-              </a:rPr>
-              <a:t> </a:t>
-            </a:r>
-            <a:r>
-              <a:rPr sz="3200" spc="-67" dirty="0">
-                <a:solidFill>
-                  <a:srgbClr val="616161"/>
-                </a:solidFill>
-                <a:latin typeface="Arial"/>
-                <a:cs typeface="Arial"/>
-              </a:rPr>
-              <a:t>scala </a:t>
-            </a:r>
-            <a:r>
-              <a:rPr sz="3200" spc="7" dirty="0">
-                <a:solidFill>
-                  <a:srgbClr val="616161"/>
-                </a:solidFill>
-                <a:latin typeface="Arial"/>
-                <a:cs typeface="Arial"/>
-              </a:rPr>
-              <a:t>including</a:t>
-            </a:r>
-            <a:endParaRPr sz="3200" dirty="0">
-              <a:latin typeface="Arial"/>
-              <a:cs typeface="Arial"/>
-            </a:endParaRPr>
-          </a:p>
-          <a:p>
-            <a:pPr marL="1175991" lvl="1" indent="-488514">
-              <a:spcBef>
-                <a:spcPts val="593"/>
-              </a:spcBef>
-              <a:buChar char="○"/>
-              <a:tabLst>
-                <a:tab pos="1175991" algn="l"/>
-                <a:tab pos="1176837" algn="l"/>
-              </a:tabLst>
-            </a:pPr>
-            <a:r>
-              <a:rPr sz="2400" spc="-47" dirty="0">
-                <a:solidFill>
-                  <a:srgbClr val="616161"/>
-                </a:solidFill>
-                <a:latin typeface="Arial"/>
-                <a:cs typeface="Arial"/>
-              </a:rPr>
-              <a:t>Parsing</a:t>
-            </a:r>
-            <a:endParaRPr sz="2400" dirty="0">
-              <a:latin typeface="Arial"/>
-              <a:cs typeface="Arial"/>
-            </a:endParaRPr>
-          </a:p>
-          <a:p>
-            <a:pPr marL="1175991" lvl="1" indent="-488514">
-              <a:spcBef>
-                <a:spcPts val="420"/>
-              </a:spcBef>
-              <a:buChar char="○"/>
-              <a:tabLst>
-                <a:tab pos="1175991" algn="l"/>
-                <a:tab pos="1176837" algn="l"/>
-              </a:tabLst>
-            </a:pPr>
-            <a:r>
-              <a:rPr sz="2400" spc="-20" dirty="0">
-                <a:solidFill>
-                  <a:srgbClr val="616161"/>
-                </a:solidFill>
-                <a:latin typeface="Arial"/>
-                <a:cs typeface="Arial"/>
-              </a:rPr>
-              <a:t>Cleaning</a:t>
-            </a:r>
-            <a:endParaRPr sz="2400" dirty="0">
-              <a:latin typeface="Arial"/>
-              <a:cs typeface="Arial"/>
-            </a:endParaRPr>
-          </a:p>
-          <a:p>
-            <a:pPr marL="1175991" lvl="1" indent="-488514">
-              <a:spcBef>
-                <a:spcPts val="420"/>
-              </a:spcBef>
-              <a:buChar char="○"/>
-              <a:tabLst>
-                <a:tab pos="1175991" algn="l"/>
-                <a:tab pos="1176837" algn="l"/>
-              </a:tabLst>
-            </a:pPr>
-            <a:r>
-              <a:rPr sz="2400" spc="-7" dirty="0">
-                <a:solidFill>
-                  <a:srgbClr val="616161"/>
-                </a:solidFill>
-                <a:latin typeface="Arial"/>
-                <a:cs typeface="Arial"/>
-              </a:rPr>
-              <a:t>Filtering</a:t>
-            </a:r>
-            <a:endParaRPr sz="2400" dirty="0">
-              <a:latin typeface="Arial"/>
-              <a:cs typeface="Arial"/>
-            </a:endParaRPr>
-          </a:p>
-          <a:p>
-            <a:pPr marL="1175991" lvl="1" indent="-488514">
-              <a:spcBef>
-                <a:spcPts val="420"/>
-              </a:spcBef>
-              <a:buChar char="○"/>
-              <a:tabLst>
-                <a:tab pos="1175991" algn="l"/>
-                <a:tab pos="1176837" algn="l"/>
-              </a:tabLst>
-            </a:pPr>
-            <a:r>
-              <a:rPr sz="2400" dirty="0">
-                <a:solidFill>
-                  <a:srgbClr val="616161"/>
-                </a:solidFill>
-                <a:latin typeface="Arial"/>
-                <a:cs typeface="Arial"/>
-              </a:rPr>
-              <a:t>Identifying</a:t>
-            </a:r>
-            <a:endParaRPr sz="2400" dirty="0">
-              <a:latin typeface="Arial"/>
-              <a:cs typeface="Arial"/>
-            </a:endParaRPr>
-          </a:p>
-          <a:p>
-            <a:pPr marL="1175991" lvl="1" indent="-488514">
-              <a:spcBef>
-                <a:spcPts val="420"/>
-              </a:spcBef>
-              <a:buChar char="○"/>
-              <a:tabLst>
-                <a:tab pos="1175991" algn="l"/>
-                <a:tab pos="1176837" algn="l"/>
-              </a:tabLst>
-            </a:pPr>
-            <a:r>
-              <a:rPr sz="2400" spc="-20" dirty="0">
-                <a:solidFill>
-                  <a:srgbClr val="616161"/>
-                </a:solidFill>
-                <a:latin typeface="Arial"/>
-                <a:cs typeface="Arial"/>
-              </a:rPr>
-              <a:t>Calculating</a:t>
-            </a:r>
-            <a:endParaRPr sz="2400" dirty="0">
-              <a:latin typeface="Arial"/>
-              <a:cs typeface="Arial"/>
-            </a:endParaRPr>
-          </a:p>
-          <a:p>
-            <a:pPr marL="1175991" lvl="1" indent="-488514">
-              <a:spcBef>
-                <a:spcPts val="420"/>
-              </a:spcBef>
-              <a:buChar char="○"/>
-              <a:tabLst>
-                <a:tab pos="1175991" algn="l"/>
-                <a:tab pos="1176837" algn="l"/>
-              </a:tabLst>
-            </a:pPr>
-            <a:r>
-              <a:rPr lang="en-US" sz="2400" dirty="0">
-                <a:solidFill>
-                  <a:srgbClr val="616161"/>
-                </a:solidFill>
-                <a:latin typeface="Arial"/>
-                <a:cs typeface="Arial"/>
-              </a:rPr>
-              <a:t>u</a:t>
-            </a:r>
-            <a:r>
-              <a:rPr sz="2400" dirty="0">
-                <a:solidFill>
-                  <a:srgbClr val="616161"/>
-                </a:solidFill>
-                <a:latin typeface="Arial"/>
-                <a:cs typeface="Arial"/>
-              </a:rPr>
-              <a:t>nit test</a:t>
-            </a:r>
-            <a:endParaRPr sz="2400" dirty="0">
-              <a:latin typeface="Arial"/>
-              <a:cs typeface="Arial"/>
-            </a:endParaRPr>
-          </a:p>
-          <a:p>
-            <a:pPr marL="566406" indent="-549473">
-              <a:spcBef>
-                <a:spcPts val="387"/>
-              </a:spcBef>
-              <a:buChar char="●"/>
-              <a:tabLst>
-                <a:tab pos="566406" algn="l"/>
-                <a:tab pos="567252" algn="l"/>
-              </a:tabLst>
-            </a:pPr>
-            <a:r>
-              <a:rPr sz="3200" spc="-7" dirty="0">
-                <a:solidFill>
-                  <a:srgbClr val="616161"/>
-                </a:solidFill>
-                <a:latin typeface="Arial"/>
-                <a:cs typeface="Arial"/>
-              </a:rPr>
-              <a:t>Code </a:t>
-            </a:r>
-            <a:r>
-              <a:rPr sz="3200" spc="7" dirty="0">
-                <a:solidFill>
-                  <a:srgbClr val="616161"/>
-                </a:solidFill>
-                <a:latin typeface="Arial"/>
-                <a:cs typeface="Arial"/>
-              </a:rPr>
-              <a:t>repository </a:t>
-            </a:r>
-            <a:r>
-              <a:rPr sz="3200" spc="-107" dirty="0">
-                <a:solidFill>
-                  <a:srgbClr val="616161"/>
-                </a:solidFill>
-                <a:latin typeface="Arial"/>
-                <a:cs typeface="Arial"/>
-              </a:rPr>
-              <a:t>-</a:t>
-            </a:r>
-            <a:r>
-              <a:rPr sz="3200" spc="-207" dirty="0">
-                <a:solidFill>
-                  <a:srgbClr val="616161"/>
-                </a:solidFill>
-                <a:latin typeface="Arial"/>
-                <a:cs typeface="Arial"/>
-              </a:rPr>
-              <a:t> </a:t>
-            </a:r>
-            <a:r>
-              <a:rPr sz="3200" spc="-27" dirty="0">
-                <a:solidFill>
-                  <a:srgbClr val="616161"/>
-                </a:solidFill>
-                <a:latin typeface="Arial"/>
-                <a:cs typeface="Arial"/>
-              </a:rPr>
-              <a:t>GitHub</a:t>
-            </a:r>
-            <a:endParaRPr sz="3200" dirty="0">
-              <a:latin typeface="Arial"/>
-              <a:cs typeface="Arial"/>
-            </a:endParaRPr>
-          </a:p>
-          <a:p>
-            <a:pPr marL="1175991" lvl="1" indent="-488514">
-              <a:spcBef>
-                <a:spcPts val="593"/>
-              </a:spcBef>
-              <a:buClr>
-                <a:srgbClr val="616161"/>
-              </a:buClr>
-              <a:buChar char="○"/>
-              <a:tabLst>
-                <a:tab pos="1175991" algn="l"/>
-                <a:tab pos="1176837" algn="l"/>
-              </a:tabLst>
-            </a:pPr>
-            <a:r>
-              <a:rPr lang="en-US" sz="2400" spc="-27" dirty="0">
-                <a:solidFill>
-                  <a:schemeClr val="tx2"/>
-                </a:solidFill>
-                <a:uFill>
-                  <a:solidFill>
-                    <a:srgbClr val="FF5252"/>
-                  </a:solidFill>
-                </a:uFill>
-                <a:latin typeface="Arial"/>
-                <a:cs typeface="Arial"/>
-              </a:rPr>
-              <a:t>https://</a:t>
-            </a:r>
-            <a:r>
-              <a:rPr lang="en-US" sz="2400" spc="-27" dirty="0" err="1">
-                <a:solidFill>
-                  <a:schemeClr val="tx2"/>
-                </a:solidFill>
-                <a:uFill>
-                  <a:solidFill>
-                    <a:srgbClr val="FF5252"/>
-                  </a:solidFill>
-                </a:uFill>
-                <a:latin typeface="Arial"/>
-                <a:cs typeface="Arial"/>
-              </a:rPr>
-              <a:t>github.com</a:t>
-            </a:r>
-            <a:r>
-              <a:rPr lang="en-US" sz="2400" spc="-27" dirty="0">
-                <a:solidFill>
-                  <a:schemeClr val="tx2"/>
-                </a:solidFill>
-                <a:uFill>
-                  <a:solidFill>
-                    <a:srgbClr val="FF5252"/>
-                  </a:solidFill>
-                </a:uFill>
-                <a:latin typeface="Arial"/>
-                <a:cs typeface="Arial"/>
-              </a:rPr>
-              <a:t>/</a:t>
-            </a:r>
-            <a:r>
-              <a:rPr lang="en-US" sz="2400" spc="-27" dirty="0" err="1">
-                <a:solidFill>
-                  <a:schemeClr val="tx2"/>
-                </a:solidFill>
-                <a:uFill>
-                  <a:solidFill>
-                    <a:srgbClr val="FF5252"/>
-                  </a:solidFill>
-                </a:uFill>
-                <a:latin typeface="Arial"/>
-                <a:cs typeface="Arial"/>
-              </a:rPr>
-              <a:t>PoiBilibili</a:t>
-            </a:r>
-            <a:r>
-              <a:rPr lang="en-US" sz="2400" spc="-27" dirty="0">
-                <a:solidFill>
-                  <a:schemeClr val="tx2"/>
-                </a:solidFill>
-                <a:uFill>
-                  <a:solidFill>
-                    <a:srgbClr val="FF5252"/>
-                  </a:solidFill>
-                </a:uFill>
-                <a:latin typeface="Arial"/>
-                <a:cs typeface="Arial"/>
-              </a:rPr>
-              <a:t>/CSYE7200_FinalProject</a:t>
-            </a:r>
-            <a:endParaRPr sz="3200" dirty="0">
-              <a:solidFill>
-                <a:schemeClr val="tx2"/>
-              </a:solidFill>
-              <a:latin typeface="Arial"/>
-              <a:cs typeface="Arial"/>
-            </a:endParaRPr>
-          </a:p>
-        </p:txBody>
-      </p:sp>
-    </p:spTree>
-    <p:extLst>
-      <p:ext uri="{BB962C8B-B14F-4D97-AF65-F5344CB8AC3E}">
-        <p14:creationId xmlns:p14="http://schemas.microsoft.com/office/powerpoint/2010/main" val="3342815286"/>
-      </p:ext>
-    </p:extLst>
-  </p:cSld>
-  <p:clrMapOvr>
-    <a:masterClrMapping/>
-  </p:clrMapOvr>
-</p:sld>
-</file>
-
 <file path=ppt/slides/slide7.xml><?xml version="1.0" encoding="utf-8"?>
 <p:sld xmlns:a="http://schemas.openxmlformats.org/drawingml/2006/main" xmlns:r="http://schemas.openxmlformats.org/officeDocument/2006/relationships" xmlns:p="http://schemas.openxmlformats.org/presentationml/2006/main" showMasterSp="0">
   <p:cSld>
@@ -8677,7 +8738,7 @@
         <p:spPr>
           <a:xfrm>
             <a:off x="512967" y="671767"/>
-            <a:ext cx="4973433" cy="571096"/>
+            <a:ext cx="9418973" cy="571096"/>
           </a:xfrm>
           <a:prstGeom prst="rect">
             <a:avLst/>
@@ -8695,24 +8756,40 @@
               </a:spcBef>
             </a:pPr>
             <a:r>
-              <a:rPr lang="en-US" altLang="zh-CN" spc="-7" dirty="0"/>
+              <a:rPr lang="en-US" altLang="zh-CN" spc="-40" dirty="0"/>
               <a:t>6.</a:t>
             </a:r>
             <a:r>
-              <a:rPr lang="zh-CN" altLang="en-US" spc="-7" dirty="0"/>
+              <a:rPr lang="zh-CN" altLang="en-US" spc="-40" dirty="0"/>
               <a:t> </a:t>
             </a:r>
             <a:r>
+              <a:rPr spc="-40" dirty="0"/>
+              <a:t>Programming </a:t>
+            </a:r>
+            <a:r>
               <a:rPr spc="-7" dirty="0"/>
-              <a:t>Acceptance</a:t>
-            </a:r>
-            <a:r>
-              <a:rPr spc="-173" dirty="0"/>
+              <a:t>in </a:t>
+            </a:r>
+            <a:r>
+              <a:rPr spc="-107" dirty="0"/>
+              <a:t>Scala </a:t>
+            </a:r>
+            <a:r>
+              <a:rPr spc="-20" dirty="0"/>
+              <a:t>and </a:t>
+            </a:r>
+            <a:r>
+              <a:rPr spc="33" dirty="0"/>
+              <a:t>code</a:t>
+            </a:r>
+            <a:r>
+              <a:rPr spc="-320" dirty="0"/>
               <a:t> </a:t>
             </a:r>
             <a:r>
-              <a:rPr spc="-7" dirty="0"/>
-              <a:t>criteria</a:t>
+              <a:rPr spc="7" dirty="0"/>
+              <a:t>repository</a:t>
             </a:r>
           </a:p>
         </p:txBody>
@@ -8725,25 +8802,22 @@
         </p:nvSpPr>
         <p:spPr>
           <a:xfrm>
-            <a:off x="572299" y="1452590"/>
-            <a:ext cx="11076093" cy="3145134"/>
+            <a:off x="572299" y="1517499"/>
+            <a:ext cx="10619740" cy="4149854"/>
           </a:xfrm>
           <a:prstGeom prst="rect">
             <a:avLst/>
           </a:prstGeom>
         </p:spPr>
         <p:txBody>
-          <a:bodyPr vert="horz" wrap="square" lIns="0" tIns="16933" rIns="0" bIns="0" rtlCol="0">
+          <a:bodyPr vert="horz" wrap="square" lIns="0" tIns="116840" rIns="0" bIns="0" rtlCol="0">
             <a:spAutoFit/>
           </a:bodyPr>
           <a:lstStyle/>
           <a:p>
-            <a:pPr marL="566406" marR="1672125" indent="-549473">
-              <a:lnSpc>
-                <a:spcPct val="114599"/>
-              </a:lnSpc>
+            <a:pPr marL="566406" indent="-549473">
               <a:spcBef>
-                <a:spcPts val="133"/>
+                <a:spcPts val="920"/>
               </a:spcBef>
               <a:buChar char="●"/>
               <a:tabLst>
@@ -8752,6 +8826,76 @@
               </a:tabLst>
             </a:pPr>
             <a:r>
+              <a:rPr sz="3200" spc="-27" dirty="0">
+                <a:solidFill>
+                  <a:srgbClr val="616161"/>
+                </a:solidFill>
+                <a:latin typeface="Arial"/>
+                <a:cs typeface="Arial"/>
+              </a:rPr>
+              <a:t>Most </a:t>
+            </a:r>
+            <a:r>
+              <a:rPr sz="3200" dirty="0">
+                <a:solidFill>
+                  <a:srgbClr val="616161"/>
+                </a:solidFill>
+                <a:latin typeface="Arial"/>
+                <a:cs typeface="Arial"/>
+              </a:rPr>
+              <a:t>part </a:t>
+            </a:r>
+            <a:r>
+              <a:rPr sz="3200" spc="33" dirty="0">
+                <a:solidFill>
+                  <a:srgbClr val="616161"/>
+                </a:solidFill>
+                <a:latin typeface="Arial"/>
+                <a:cs typeface="Arial"/>
+              </a:rPr>
+              <a:t>of </a:t>
+            </a:r>
+            <a:r>
+              <a:rPr sz="3200" spc="20" dirty="0">
+                <a:solidFill>
+                  <a:srgbClr val="616161"/>
+                </a:solidFill>
+                <a:latin typeface="Arial"/>
+                <a:cs typeface="Arial"/>
+              </a:rPr>
+              <a:t>project </a:t>
+            </a:r>
+            <a:r>
+              <a:rPr sz="3200" spc="13" dirty="0">
+                <a:solidFill>
+                  <a:srgbClr val="616161"/>
+                </a:solidFill>
+                <a:latin typeface="Arial"/>
+                <a:cs typeface="Arial"/>
+              </a:rPr>
+              <a:t>will </a:t>
+            </a:r>
+            <a:r>
+              <a:rPr sz="3200" spc="40" dirty="0">
+                <a:solidFill>
+                  <a:srgbClr val="616161"/>
+                </a:solidFill>
+                <a:latin typeface="Arial"/>
+                <a:cs typeface="Arial"/>
+              </a:rPr>
+              <a:t>be </a:t>
+            </a:r>
+            <a:r>
+              <a:rPr sz="3200" dirty="0">
+                <a:solidFill>
+                  <a:srgbClr val="616161"/>
+                </a:solidFill>
+                <a:latin typeface="Arial"/>
+                <a:cs typeface="Arial"/>
+              </a:rPr>
+              <a:t>programed </a:t>
+            </a:r>
+            <a:r>
               <a:rPr sz="3200" spc="-7" dirty="0">
                 <a:solidFill>
                   <a:srgbClr val="616161"/>
@@ -8759,47 +8903,27 @@
                 <a:latin typeface="Arial"/>
                 <a:cs typeface="Arial"/>
               </a:rPr>
-              <a:t>Verify </a:t>
-            </a:r>
-            <a:r>
-              <a:rPr sz="3200" spc="-60" dirty="0">
-                <a:solidFill>
-                  <a:srgbClr val="616161"/>
-                </a:solidFill>
-                <a:latin typeface="Arial"/>
-                <a:cs typeface="Arial"/>
-              </a:rPr>
-              <a:t>analysis </a:t>
-            </a:r>
-            <a:r>
-              <a:rPr sz="3200" spc="-27" dirty="0">
-                <a:solidFill>
-                  <a:srgbClr val="616161"/>
-                </a:solidFill>
-                <a:latin typeface="Arial"/>
-                <a:cs typeface="Arial"/>
-              </a:rPr>
-              <a:t>results </a:t>
-            </a:r>
-            <a:r>
-              <a:rPr sz="3200" spc="20" dirty="0">
-                <a:solidFill>
-                  <a:srgbClr val="616161"/>
-                </a:solidFill>
-                <a:latin typeface="Arial"/>
-                <a:cs typeface="Arial"/>
-              </a:rPr>
-              <a:t>with </a:t>
-            </a:r>
-            <a:r>
-              <a:rPr sz="3200" dirty="0">
-                <a:solidFill>
-                  <a:srgbClr val="616161"/>
-                </a:solidFill>
-                <a:latin typeface="Arial"/>
-                <a:cs typeface="Arial"/>
-              </a:rPr>
-              <a:t>test </a:t>
+              <a:t>in</a:t>
+            </a:r>
+            <a:r>
+              <a:rPr sz="3200" spc="-600" dirty="0">
+                <a:solidFill>
+                  <a:srgbClr val="616161"/>
+                </a:solidFill>
+                <a:latin typeface="Arial"/>
+                <a:cs typeface="Arial"/>
+              </a:rPr>
+              <a:t> </a:t>
+            </a:r>
+            <a:r>
+              <a:rPr sz="3200" spc="-67" dirty="0">
+                <a:solidFill>
+                  <a:srgbClr val="616161"/>
+                </a:solidFill>
+                <a:latin typeface="Arial"/>
+                <a:cs typeface="Arial"/>
+              </a:rPr>
+              <a:t>scala </a:t>
             </a:r>
             <a:r>
               <a:rPr sz="3200" spc="7" dirty="0">
@@ -8809,47 +8933,7 @@
                 <a:latin typeface="Arial"/>
                 <a:cs typeface="Arial"/>
               </a:rPr>
-              <a:t>tweets </a:t>
-            </a:r>
-            <a:r>
-              <a:rPr sz="3200" spc="-33" dirty="0">
-                <a:solidFill>
-                  <a:srgbClr val="616161"/>
-                </a:solidFill>
-                <a:latin typeface="Arial"/>
-                <a:cs typeface="Arial"/>
-              </a:rPr>
-              <a:t>(created</a:t>
-            </a:r>
-            <a:r>
-              <a:rPr sz="3200" spc="-373" dirty="0">
-                <a:solidFill>
-                  <a:srgbClr val="616161"/>
-                </a:solidFill>
-                <a:latin typeface="Arial"/>
-                <a:cs typeface="Arial"/>
-              </a:rPr>
-              <a:t> </a:t>
-            </a:r>
-            <a:r>
-              <a:rPr sz="3200" spc="13" dirty="0">
-                <a:solidFill>
-                  <a:srgbClr val="616161"/>
-                </a:solidFill>
-                <a:latin typeface="Arial"/>
-                <a:cs typeface="Arial"/>
-              </a:rPr>
-              <a:t>by  </a:t>
-            </a:r>
-            <a:r>
-              <a:rPr sz="3200" spc="-60" dirty="0">
-                <a:solidFill>
-                  <a:srgbClr val="616161"/>
-                </a:solidFill>
-                <a:latin typeface="Arial"/>
-                <a:cs typeface="Arial"/>
-              </a:rPr>
-              <a:t>ourselves).</a:t>
+              <a:t>including</a:t>
             </a:r>
             <a:endParaRPr sz="3200" dirty="0">
               <a:latin typeface="Arial"/>
@@ -8859,7 +8943,7 @@
           <a:p>
             <a:pPr marL="1175991" lvl="1" indent="-488514">
               <a:spcBef>
-                <a:spcPts val="587"/>
+                <a:spcPts val="593"/>
               </a:spcBef>
               <a:buChar char="○"/>
               <a:tabLst>
@@ -8868,54 +8952,14 @@
               </a:tabLst>
             </a:pPr>
             <a:r>
-              <a:rPr sz="2400" spc="-33" dirty="0">
-                <a:solidFill>
-                  <a:srgbClr val="616161"/>
-                </a:solidFill>
-                <a:latin typeface="Arial"/>
-                <a:cs typeface="Arial"/>
-              </a:rPr>
-              <a:t>The accuracy </a:t>
-            </a:r>
-            <a:r>
-              <a:rPr sz="2400" spc="-7" dirty="0">
-                <a:solidFill>
-                  <a:srgbClr val="616161"/>
-                </a:solidFill>
-                <a:latin typeface="Arial"/>
-                <a:cs typeface="Arial"/>
-              </a:rPr>
-              <a:t>should </a:t>
-            </a:r>
-            <a:r>
-              <a:rPr sz="2400" spc="-20" dirty="0">
-                <a:solidFill>
-                  <a:srgbClr val="616161"/>
-                </a:solidFill>
-                <a:latin typeface="Arial"/>
-                <a:cs typeface="Arial"/>
-              </a:rPr>
-              <a:t>reach</a:t>
-            </a:r>
-            <a:r>
-              <a:rPr sz="2400" spc="-147" dirty="0">
-                <a:solidFill>
-                  <a:srgbClr val="616161"/>
-                </a:solidFill>
-                <a:latin typeface="Arial"/>
-                <a:cs typeface="Arial"/>
-              </a:rPr>
-              <a:t> </a:t>
-            </a:r>
-            <a:r>
-              <a:rPr sz="2400" spc="-60" dirty="0">
-                <a:solidFill>
-                  <a:srgbClr val="616161"/>
-                </a:solidFill>
-                <a:latin typeface="Arial"/>
-                <a:cs typeface="Arial"/>
-              </a:rPr>
-              <a:t>90%</a:t>
+              <a:rPr sz="2400" spc="-47" dirty="0">
+                <a:solidFill>
+                  <a:srgbClr val="616161"/>
+                </a:solidFill>
+                <a:latin typeface="Arial"/>
+                <a:cs typeface="Arial"/>
+              </a:rPr>
+              <a:t>Parsing</a:t>
             </a:r>
             <a:endParaRPr sz="2400" dirty="0">
               <a:latin typeface="Arial"/>
@@ -8923,12 +8967,149 @@
             </a:endParaRPr>
           </a:p>
           <a:p>
-            <a:pPr marL="566406" marR="6773" indent="-549473">
-              <a:lnSpc>
-                <a:spcPts val="4400"/>
-              </a:lnSpc>
+            <a:pPr marL="1175991" lvl="1" indent="-488514">
               <a:spcBef>
-                <a:spcPts val="73"/>
+                <a:spcPts val="420"/>
+              </a:spcBef>
+              <a:buChar char="○"/>
+              <a:tabLst>
+                <a:tab pos="1175991" algn="l"/>
+                <a:tab pos="1176837" algn="l"/>
+              </a:tabLst>
+            </a:pPr>
+            <a:r>
+              <a:rPr sz="2400" spc="-20" dirty="0">
+                <a:solidFill>
+                  <a:srgbClr val="616161"/>
+                </a:solidFill>
+                <a:latin typeface="Arial"/>
+                <a:cs typeface="Arial"/>
+              </a:rPr>
+              <a:t>Cleaning</a:t>
+            </a:r>
+            <a:endParaRPr sz="2400" dirty="0">
+              <a:latin typeface="Arial"/>
+              <a:cs typeface="Arial"/>
+            </a:endParaRPr>
+          </a:p>
+          <a:p>
+            <a:pPr marL="1175991" lvl="1" indent="-488514">
+              <a:spcBef>
+                <a:spcPts val="420"/>
+              </a:spcBef>
+              <a:buChar char="○"/>
+              <a:tabLst>
+                <a:tab pos="1175991" algn="l"/>
+                <a:tab pos="1176837" algn="l"/>
+              </a:tabLst>
+            </a:pPr>
+            <a:r>
+              <a:rPr sz="2400" spc="-7" dirty="0">
+                <a:solidFill>
+                  <a:srgbClr val="616161"/>
+                </a:solidFill>
+                <a:latin typeface="Arial"/>
+                <a:cs typeface="Arial"/>
+              </a:rPr>
+              <a:t>Filtering</a:t>
+            </a:r>
+            <a:endParaRPr sz="2400" dirty="0">
+              <a:latin typeface="Arial"/>
+              <a:cs typeface="Arial"/>
+            </a:endParaRPr>
+          </a:p>
+          <a:p>
+            <a:pPr marL="1175991" lvl="1" indent="-488514">
+              <a:spcBef>
+                <a:spcPts val="420"/>
+              </a:spcBef>
+              <a:buChar char="○"/>
+              <a:tabLst>
+                <a:tab pos="1175991" algn="l"/>
+                <a:tab pos="1176837" algn="l"/>
+              </a:tabLst>
+            </a:pPr>
+            <a:r>
+              <a:rPr sz="2400" dirty="0">
+                <a:solidFill>
+                  <a:srgbClr val="616161"/>
+                </a:solidFill>
+                <a:latin typeface="Arial"/>
+                <a:cs typeface="Arial"/>
+              </a:rPr>
+              <a:t>Identifying</a:t>
+            </a:r>
+            <a:endParaRPr sz="2400" dirty="0">
+              <a:latin typeface="Arial"/>
+              <a:cs typeface="Arial"/>
+            </a:endParaRPr>
+          </a:p>
+          <a:p>
+            <a:pPr marL="1175991" lvl="1" indent="-488514">
+              <a:spcBef>
+                <a:spcPts val="420"/>
+              </a:spcBef>
+              <a:buChar char="○"/>
+              <a:tabLst>
+                <a:tab pos="1175991" algn="l"/>
+                <a:tab pos="1176837" algn="l"/>
+              </a:tabLst>
+            </a:pPr>
+            <a:r>
+              <a:rPr sz="2400" spc="-20" dirty="0">
+                <a:solidFill>
+                  <a:srgbClr val="616161"/>
+                </a:solidFill>
+                <a:latin typeface="Arial"/>
+                <a:cs typeface="Arial"/>
+              </a:rPr>
+              <a:t>Calculating</a:t>
+            </a:r>
+            <a:endParaRPr sz="2400" dirty="0">
+              <a:latin typeface="Arial"/>
+              <a:cs typeface="Arial"/>
+            </a:endParaRPr>
+          </a:p>
+          <a:p>
+            <a:pPr marL="1175991" lvl="1" indent="-488514">
+              <a:spcBef>
+                <a:spcPts val="420"/>
+              </a:spcBef>
+              <a:buChar char="○"/>
+              <a:tabLst>
+                <a:tab pos="1175991" algn="l"/>
+                <a:tab pos="1176837" algn="l"/>
+              </a:tabLst>
+            </a:pPr>
+            <a:r>
+              <a:rPr lang="en-US" sz="2400" dirty="0">
+                <a:solidFill>
+                  <a:srgbClr val="616161"/>
+                </a:solidFill>
+                <a:latin typeface="Arial"/>
+                <a:cs typeface="Arial"/>
+              </a:rPr>
+              <a:t>u</a:t>
+            </a:r>
+            <a:r>
+              <a:rPr sz="2400" dirty="0">
+                <a:solidFill>
+                  <a:srgbClr val="616161"/>
+                </a:solidFill>
+                <a:latin typeface="Arial"/>
+                <a:cs typeface="Arial"/>
+              </a:rPr>
+              <a:t>nit test</a:t>
+            </a:r>
+            <a:endParaRPr sz="2400" dirty="0">
+              <a:latin typeface="Arial"/>
+              <a:cs typeface="Arial"/>
+            </a:endParaRPr>
+          </a:p>
+          <a:p>
+            <a:pPr marL="566406" indent="-549473">
+              <a:spcBef>
+                <a:spcPts val="387"/>
               </a:spcBef>
               <a:buChar char="●"/>
               <a:tabLst>
@@ -8944,17 +9125,37 @@
                 <a:latin typeface="Arial"/>
                 <a:cs typeface="Arial"/>
               </a:rPr>
-              <a:t>Verify </a:t>
-            </a:r>
-            <a:r>
-              <a:rPr sz="3200" spc="-60" dirty="0">
-                <a:solidFill>
-                  <a:srgbClr val="616161"/>
-                </a:solidFill>
-                <a:latin typeface="Arial"/>
-                <a:cs typeface="Arial"/>
-              </a:rPr>
-              <a:t>analysis </a:t>
+              <a:t>Code </a:t>
+            </a:r>
+            <a:r>
+              <a:rPr sz="3200" spc="7" dirty="0">
+                <a:solidFill>
+                  <a:srgbClr val="616161"/>
+                </a:solidFill>
+                <a:latin typeface="Arial"/>
+                <a:cs typeface="Arial"/>
+              </a:rPr>
+              <a:t>repository </a:t>
+            </a:r>
+            <a:r>
+              <a:rPr sz="3200" spc="-107" dirty="0">
+                <a:solidFill>
+                  <a:srgbClr val="616161"/>
+                </a:solidFill>
+                <a:latin typeface="Arial"/>
+                <a:cs typeface="Arial"/>
+              </a:rPr>
+              <a:t>-</a:t>
+            </a:r>
+            <a:r>
+              <a:rPr sz="3200" spc="-207" dirty="0">
+                <a:solidFill>
+                  <a:srgbClr val="616161"/>
+                </a:solidFill>
+                <a:latin typeface="Arial"/>
+                <a:cs typeface="Arial"/>
+              </a:rPr>
+              <a:t> </a:t>
             </a:r>
             <a:r>
               <a:rPr sz="3200" spc="-27" dirty="0">
@@ -8964,197 +9165,7 @@
                 <a:latin typeface="Arial"/>
                 <a:cs typeface="Arial"/>
               </a:rPr>
-              <a:t>results </a:t>
-            </a:r>
-            <a:r>
-              <a:rPr sz="3200" spc="20" dirty="0">
-                <a:solidFill>
-                  <a:srgbClr val="616161"/>
-                </a:solidFill>
-                <a:latin typeface="Arial"/>
-                <a:cs typeface="Arial"/>
-              </a:rPr>
-              <a:t>with </a:t>
-            </a:r>
-            <a:r>
-              <a:rPr sz="3200" spc="13" dirty="0">
-                <a:solidFill>
-                  <a:srgbClr val="616161"/>
-                </a:solidFill>
-                <a:latin typeface="Arial"/>
-                <a:cs typeface="Arial"/>
-              </a:rPr>
-              <a:t>input </a:t>
-            </a:r>
-            <a:r>
-              <a:rPr sz="3200" spc="20" dirty="0">
-                <a:solidFill>
-                  <a:srgbClr val="616161"/>
-                </a:solidFill>
-                <a:latin typeface="Arial"/>
-                <a:cs typeface="Arial"/>
-              </a:rPr>
-              <a:t>like </a:t>
-            </a:r>
-            <a:r>
-              <a:rPr sz="3200" spc="40" dirty="0">
-                <a:solidFill>
-                  <a:srgbClr val="616161"/>
-                </a:solidFill>
-                <a:latin typeface="Arial"/>
-                <a:cs typeface="Arial"/>
-              </a:rPr>
-              <a:t>“</a:t>
-            </a:r>
-            <a:r>
-              <a:rPr lang="en-US" altLang="zh-CN" sz="3200" spc="40" dirty="0">
-                <a:solidFill>
-                  <a:srgbClr val="616161"/>
-                </a:solidFill>
-                <a:latin typeface="Arial"/>
-                <a:cs typeface="Arial"/>
-              </a:rPr>
-              <a:t>APPLE</a:t>
-            </a:r>
-            <a:r>
-              <a:rPr sz="3200" spc="40" dirty="0">
-                <a:solidFill>
-                  <a:srgbClr val="616161"/>
-                </a:solidFill>
-                <a:latin typeface="Arial"/>
-                <a:cs typeface="Arial"/>
-              </a:rPr>
-              <a:t>” </a:t>
-            </a:r>
-            <a:r>
-              <a:rPr sz="3200" spc="-53" dirty="0">
-                <a:solidFill>
-                  <a:srgbClr val="616161"/>
-                </a:solidFill>
-                <a:latin typeface="Arial"/>
-                <a:cs typeface="Arial"/>
-              </a:rPr>
-              <a:t>is </a:t>
-            </a:r>
-            <a:r>
-              <a:rPr sz="3200" spc="73" dirty="0">
-                <a:solidFill>
-                  <a:srgbClr val="616161"/>
-                </a:solidFill>
-                <a:latin typeface="Arial"/>
-                <a:cs typeface="Arial"/>
-              </a:rPr>
-              <a:t>“bad”</a:t>
-            </a:r>
-            <a:r>
-              <a:rPr sz="3200" spc="-587" dirty="0">
-                <a:solidFill>
-                  <a:srgbClr val="616161"/>
-                </a:solidFill>
-                <a:latin typeface="Arial"/>
-                <a:cs typeface="Arial"/>
-              </a:rPr>
-              <a:t> </a:t>
-            </a:r>
-            <a:r>
-              <a:rPr sz="3200" spc="13" dirty="0">
-                <a:solidFill>
-                  <a:srgbClr val="616161"/>
-                </a:solidFill>
-                <a:latin typeface="Arial"/>
-                <a:cs typeface="Arial"/>
-              </a:rPr>
-              <a:t>on </a:t>
-            </a:r>
-            <a:r>
-              <a:rPr sz="3200" spc="-93" dirty="0">
-                <a:solidFill>
-                  <a:srgbClr val="616161"/>
-                </a:solidFill>
-                <a:latin typeface="Arial"/>
-                <a:cs typeface="Arial"/>
-              </a:rPr>
-              <a:t>a </a:t>
-            </a:r>
-            <a:r>
-              <a:rPr sz="3200" spc="-13" dirty="0">
-                <a:solidFill>
-                  <a:srgbClr val="616161"/>
-                </a:solidFill>
-                <a:latin typeface="Arial"/>
-                <a:cs typeface="Arial"/>
-              </a:rPr>
-              <a:t>certain </a:t>
-            </a:r>
-            <a:r>
-              <a:rPr sz="3200" spc="7" dirty="0">
-                <a:solidFill>
-                  <a:srgbClr val="616161"/>
-                </a:solidFill>
-                <a:latin typeface="Arial"/>
-                <a:cs typeface="Arial"/>
-              </a:rPr>
-              <a:t>date </a:t>
-            </a:r>
-            <a:r>
-              <a:rPr sz="3200" spc="-47" dirty="0">
-                <a:solidFill>
-                  <a:srgbClr val="616161"/>
-                </a:solidFill>
-                <a:latin typeface="Arial"/>
-                <a:cs typeface="Arial"/>
-              </a:rPr>
-              <a:t>(check </a:t>
-            </a:r>
-            <a:r>
-              <a:rPr sz="3200" spc="-33" dirty="0">
-                <a:solidFill>
-                  <a:srgbClr val="616161"/>
-                </a:solidFill>
-                <a:latin typeface="Arial"/>
-                <a:cs typeface="Arial"/>
-              </a:rPr>
-              <a:t>against </a:t>
-            </a:r>
-            <a:r>
-              <a:rPr lang="en-US" altLang="zh-CN" sz="3200" dirty="0">
-                <a:solidFill>
-                  <a:srgbClr val="616161"/>
-                </a:solidFill>
-                <a:latin typeface="Arial"/>
-                <a:cs typeface="Arial"/>
-              </a:rPr>
-              <a:t>stock</a:t>
-            </a:r>
-            <a:r>
-              <a:rPr lang="zh-CN" altLang="en-US" sz="3200" dirty="0">
-                <a:solidFill>
-                  <a:srgbClr val="616161"/>
-                </a:solidFill>
-                <a:latin typeface="Arial"/>
-                <a:cs typeface="Arial"/>
-              </a:rPr>
-              <a:t> </a:t>
-            </a:r>
-            <a:r>
-              <a:rPr lang="en-US" altLang="zh-CN" sz="3200" dirty="0">
-                <a:solidFill>
-                  <a:srgbClr val="616161"/>
-                </a:solidFill>
-                <a:latin typeface="Arial"/>
-                <a:cs typeface="Arial"/>
-              </a:rPr>
-              <a:t>market</a:t>
-            </a:r>
-            <a:r>
-              <a:rPr sz="3200" spc="-40" dirty="0">
-                <a:solidFill>
-                  <a:srgbClr val="616161"/>
-                </a:solidFill>
-                <a:latin typeface="Arial"/>
-                <a:cs typeface="Arial"/>
-              </a:rPr>
-              <a:t>).</a:t>
+              <a:t>GitHub</a:t>
             </a:r>
             <a:endParaRPr sz="3200" dirty="0">
               <a:latin typeface="Arial"/>
@@ -9164,8 +9175,11 @@
           <a:p>
             <a:pPr marL="1175991" lvl="1" indent="-488514">
               <a:spcBef>
-                <a:spcPts val="347"/>
+                <a:spcPts val="593"/>
               </a:spcBef>
+              <a:buClr>
+                <a:srgbClr val="616161"/>
+              </a:buClr>
               <a:buChar char="○"/>
               <a:tabLst>
                 <a:tab pos="1175991" algn="l"/>
@@ -9173,66 +9187,84 @@
               </a:tabLst>
             </a:pPr>
             <a:r>
-              <a:rPr sz="2400" spc="-33" dirty="0">
-                <a:solidFill>
-                  <a:srgbClr val="616161"/>
-                </a:solidFill>
-                <a:latin typeface="Arial"/>
-                <a:cs typeface="Arial"/>
-              </a:rPr>
-              <a:t>The accuracy </a:t>
-            </a:r>
-            <a:r>
-              <a:rPr sz="2400" spc="-7" dirty="0">
-                <a:solidFill>
-                  <a:srgbClr val="616161"/>
-                </a:solidFill>
-                <a:latin typeface="Arial"/>
-                <a:cs typeface="Arial"/>
-              </a:rPr>
-              <a:t>should </a:t>
-            </a:r>
-            <a:r>
-              <a:rPr lang="en-US" altLang="zh-CN" sz="2400" spc="-20" dirty="0">
-                <a:solidFill>
-                  <a:srgbClr val="616161"/>
-                </a:solidFill>
-                <a:latin typeface="Arial"/>
-                <a:cs typeface="Arial"/>
-              </a:rPr>
-              <a:t>above</a:t>
-            </a:r>
-            <a:r>
-              <a:rPr lang="zh-CN" altLang="en-US" sz="2400" spc="-20" dirty="0">
-                <a:solidFill>
-                  <a:srgbClr val="616161"/>
-                </a:solidFill>
-                <a:latin typeface="Arial"/>
-                <a:cs typeface="Arial"/>
-              </a:rPr>
-              <a:t> </a:t>
-            </a:r>
-            <a:r>
-              <a:rPr lang="en-US" altLang="zh-CN" sz="2400" spc="-20" dirty="0">
-                <a:solidFill>
-                  <a:srgbClr val="616161"/>
-                </a:solidFill>
-                <a:latin typeface="Arial"/>
-                <a:cs typeface="Arial"/>
-              </a:rPr>
-              <a:t>6</a:t>
-            </a:r>
-            <a:r>
-              <a:rPr sz="2400" spc="-120" dirty="0">
-                <a:solidFill>
-                  <a:srgbClr val="616161"/>
-                </a:solidFill>
-                <a:latin typeface="Arial"/>
-                <a:cs typeface="Arial"/>
-              </a:rPr>
-              <a:t>0%</a:t>
-            </a:r>
-            <a:endParaRPr sz="2400" dirty="0">
+              <a:rPr lang="en-US" sz="2400" spc="-27" dirty="0">
+                <a:solidFill>
+                  <a:schemeClr val="tx2"/>
+                </a:solidFill>
+                <a:uFill>
+                  <a:solidFill>
+                    <a:srgbClr val="FF5252"/>
+                  </a:solidFill>
+                </a:uFill>
+                <a:latin typeface="Arial"/>
+                <a:cs typeface="Arial"/>
+              </a:rPr>
+              <a:t>https://</a:t>
+            </a:r>
+            <a:r>
+              <a:rPr lang="en-US" sz="2400" spc="-27" dirty="0" err="1">
+                <a:solidFill>
+                  <a:schemeClr val="tx2"/>
+                </a:solidFill>
+                <a:uFill>
+                  <a:solidFill>
+                    <a:srgbClr val="FF5252"/>
+                  </a:solidFill>
+                </a:uFill>
+                <a:latin typeface="Arial"/>
+                <a:cs typeface="Arial"/>
+              </a:rPr>
+              <a:t>github.com</a:t>
+            </a:r>
+            <a:r>
+              <a:rPr lang="en-US" sz="2400" spc="-27" dirty="0">
+                <a:solidFill>
+                  <a:schemeClr val="tx2"/>
+                </a:solidFill>
+                <a:uFill>
+                  <a:solidFill>
+                    <a:srgbClr val="FF5252"/>
+                  </a:solidFill>
+                </a:uFill>
+                <a:latin typeface="Arial"/>
+                <a:cs typeface="Arial"/>
+              </a:rPr>
+              <a:t>/</a:t>
+            </a:r>
+            <a:r>
+              <a:rPr lang="en-US" sz="2400" spc="-27" dirty="0" err="1">
+                <a:solidFill>
+                  <a:schemeClr val="tx2"/>
+                </a:solidFill>
+                <a:uFill>
+                  <a:solidFill>
+                    <a:srgbClr val="FF5252"/>
+                  </a:solidFill>
+                </a:uFill>
+                <a:latin typeface="Arial"/>
+                <a:cs typeface="Arial"/>
+              </a:rPr>
+              <a:t>PoiBilibili</a:t>
+            </a:r>
+            <a:r>
+              <a:rPr lang="en-US" sz="2400" spc="-27" dirty="0">
+                <a:solidFill>
+                  <a:schemeClr val="tx2"/>
+                </a:solidFill>
+                <a:uFill>
+                  <a:solidFill>
+                    <a:srgbClr val="FF5252"/>
+                  </a:solidFill>
+                </a:uFill>
+                <a:latin typeface="Arial"/>
+                <a:cs typeface="Arial"/>
+              </a:rPr>
+              <a:t>/CSYE7200_FinalProject</a:t>
+            </a:r>
+            <a:endParaRPr sz="3200" dirty="0">
+              <a:solidFill>
+                <a:schemeClr val="tx2"/>
+              </a:solidFill>
               <a:latin typeface="Arial"/>
               <a:cs typeface="Arial"/>
             </a:endParaRPr>
@@ -9242,7 +9274,7 @@
     </p:spTree>
     <p:extLst>
       <p:ext uri="{BB962C8B-B14F-4D97-AF65-F5344CB8AC3E}">
-        <p14:creationId xmlns:p14="http://schemas.microsoft.com/office/powerpoint/2010/main" val="2319065318"/>
+        <p14:creationId xmlns:p14="http://schemas.microsoft.com/office/powerpoint/2010/main" val="3342815286"/>
       </p:ext>
     </p:extLst>
   </p:cSld>
@@ -9255,16 +9287,6 @@
 <file path=ppt/slides/slide8.xml><?xml version="1.0" encoding="utf-8"?>
 <p:sld xmlns:a="http://schemas.openxmlformats.org/drawingml/2006/main" xmlns:r="http://schemas.openxmlformats.org/officeDocument/2006/relationships" xmlns:p="http://schemas.openxmlformats.org/presentationml/2006/main" showMasterSp="0">
   <p:cSld>
-    <p:bg>
-      <p:bgPr>
-        <a:solidFill>
-          <a:schemeClr val="accent1">
-            <a:alpha val="0"/>
-          </a:schemeClr>
-        </a:solidFill>
-        <a:effectLst/>
-      </p:bgPr>
-    </p:bg>
     <p:spTree>
       <p:nvGrpSpPr>
         <p:cNvPr id="1" name=""/>
@@ -9291,8 +9313,8 @@
         </p:nvSpPr>
         <p:spPr>
           <a:xfrm>
-            <a:off x="512966" y="683101"/>
-            <a:ext cx="5148531" cy="571096"/>
+            <a:off x="512967" y="671767"/>
+            <a:ext cx="4973433" cy="571096"/>
           </a:xfrm>
           <a:prstGeom prst="rect">
             <a:avLst/>
@@ -9310,32 +9332,24 @@
               </a:spcBef>
             </a:pPr>
             <a:r>
-              <a:rPr lang="en-US" altLang="zh-CN" spc="-87" dirty="0"/>
+              <a:rPr lang="en-US" altLang="zh-CN" spc="-7"/>
               <a:t>7.</a:t>
             </a:r>
             <a:r>
-              <a:rPr lang="zh-CN" altLang="en-US" spc="-87" dirty="0"/>
+              <a:rPr lang="zh-CN" altLang="en-US" spc="-7" dirty="0"/>
               <a:t> </a:t>
             </a:r>
             <a:r>
-              <a:rPr spc="-87" dirty="0"/>
-              <a:t>Goals </a:t>
-            </a:r>
-            <a:r>
-              <a:rPr spc="33" dirty="0"/>
-              <a:t>of </a:t>
-            </a:r>
-            <a:r>
-              <a:rPr spc="20" dirty="0"/>
-              <a:t>the</a:t>
-            </a:r>
-            <a:r>
-              <a:rPr spc="-233" dirty="0"/>
+              <a:rPr spc="-7" dirty="0"/>
+              <a:t>Acceptance</a:t>
+            </a:r>
+            <a:r>
+              <a:rPr spc="-173" dirty="0"/>
               <a:t> </a:t>
             </a:r>
             <a:r>
-              <a:rPr spc="20" dirty="0"/>
-              <a:t>project</a:t>
+              <a:rPr spc="-7" dirty="0"/>
+              <a:t>criteria</a:t>
             </a:r>
           </a:p>
         </p:txBody>
@@ -9343,17 +9357,13 @@
       <p:sp>
         <p:nvSpPr>
           <p:cNvPr id="3" name="object 3"/>
-          <p:cNvSpPr txBox="1">
-            <a:spLocks noGrp="1"/>
-          </p:cNvSpPr>
-          <p:nvPr>
-            <p:ph type="body" idx="1"/>
-          </p:nvPr>
+          <p:cNvSpPr txBox="1"/>
+          <p:nvPr/>
         </p:nvSpPr>
         <p:spPr>
           <a:xfrm>
-            <a:off x="308919" y="1859119"/>
-            <a:ext cx="11462224" cy="2374539"/>
+            <a:off x="572299" y="1452590"/>
+            <a:ext cx="11076093" cy="4945627"/>
           </a:xfrm>
           <a:prstGeom prst="rect">
             <a:avLst/>
@@ -9365,7 +9375,7 @@
           </a:bodyPr>
           <a:lstStyle/>
           <a:p>
-            <a:pPr marL="602812" marR="6773" indent="-549473">
+            <a:pPr marL="566406" marR="1672125" indent="-549473">
               <a:lnSpc>
                 <a:spcPct val="114599"/>
               </a:lnSpc>
@@ -9374,203 +9384,820 @@
               </a:spcBef>
               <a:buChar char="●"/>
               <a:tabLst>
-                <a:tab pos="603658" algn="l"/>
-                <a:tab pos="604505" algn="l"/>
+                <a:tab pos="566406" algn="l"/>
+                <a:tab pos="567252" algn="l"/>
               </a:tabLst>
             </a:pPr>
             <a:r>
-              <a:rPr sz="2400" spc="-67" dirty="0"/>
-              <a:t>Process </a:t>
-            </a:r>
-            <a:r>
-              <a:rPr sz="2400" dirty="0"/>
-              <a:t>Twitter </a:t>
-            </a:r>
-            <a:r>
-              <a:rPr sz="2400" spc="-33" dirty="0"/>
-              <a:t>datasets </a:t>
-            </a:r>
-            <a:r>
-              <a:rPr sz="2400" spc="47" dirty="0"/>
-              <a:t>to </a:t>
-            </a:r>
-            <a:r>
-              <a:rPr sz="2400" spc="-7" dirty="0"/>
-              <a:t>extract </a:t>
-            </a:r>
-            <a:r>
-              <a:rPr sz="2400" spc="-13" dirty="0"/>
-              <a:t>meaningful</a:t>
-            </a:r>
-            <a:r>
-              <a:rPr sz="2400" spc="-327" dirty="0"/>
+              <a:rPr sz="3200" spc="-7" dirty="0">
+                <a:solidFill>
+                  <a:srgbClr val="616161"/>
+                </a:solidFill>
+                <a:latin typeface="Arial"/>
+                <a:cs typeface="Arial"/>
+              </a:rPr>
+              <a:t>Verify </a:t>
+            </a:r>
+            <a:r>
+              <a:rPr sz="3200" spc="-60" dirty="0">
+                <a:solidFill>
+                  <a:srgbClr val="616161"/>
+                </a:solidFill>
+                <a:latin typeface="Arial"/>
+                <a:cs typeface="Arial"/>
+              </a:rPr>
+              <a:t>analysis </a:t>
+            </a:r>
+            <a:r>
+              <a:rPr sz="3200" spc="-27" dirty="0">
+                <a:solidFill>
+                  <a:srgbClr val="616161"/>
+                </a:solidFill>
+                <a:latin typeface="Arial"/>
+                <a:cs typeface="Arial"/>
+              </a:rPr>
+              <a:t>results </a:t>
+            </a:r>
+            <a:r>
+              <a:rPr sz="3200" spc="20" dirty="0">
+                <a:solidFill>
+                  <a:srgbClr val="616161"/>
+                </a:solidFill>
+                <a:latin typeface="Arial"/>
+                <a:cs typeface="Arial"/>
+              </a:rPr>
+              <a:t>with </a:t>
+            </a:r>
+            <a:r>
+              <a:rPr sz="3200" dirty="0">
+                <a:solidFill>
+                  <a:srgbClr val="616161"/>
+                </a:solidFill>
+                <a:latin typeface="Arial"/>
+                <a:cs typeface="Arial"/>
+              </a:rPr>
+              <a:t>test </a:t>
+            </a:r>
+            <a:r>
+              <a:rPr sz="3200" spc="7" dirty="0">
+                <a:solidFill>
+                  <a:srgbClr val="616161"/>
+                </a:solidFill>
+                <a:latin typeface="Arial"/>
+                <a:cs typeface="Arial"/>
+              </a:rPr>
+              <a:t>tweets </a:t>
+            </a:r>
+            <a:r>
+              <a:rPr sz="3200" spc="-33" dirty="0">
+                <a:solidFill>
+                  <a:srgbClr val="616161"/>
+                </a:solidFill>
+                <a:latin typeface="Arial"/>
+                <a:cs typeface="Arial"/>
+              </a:rPr>
+              <a:t>(created</a:t>
+            </a:r>
+            <a:r>
+              <a:rPr sz="3200" spc="-373" dirty="0">
+                <a:solidFill>
+                  <a:srgbClr val="616161"/>
+                </a:solidFill>
+                <a:latin typeface="Arial"/>
+                <a:cs typeface="Arial"/>
+              </a:rPr>
               <a:t> </a:t>
             </a:r>
             <a:r>
-              <a:rPr sz="2400" spc="-60" dirty="0"/>
-              <a:t>analysis </a:t>
-            </a:r>
-            <a:r>
-              <a:rPr sz="2400" spc="13" dirty="0"/>
-              <a:t>by </a:t>
-            </a:r>
-            <a:r>
-              <a:rPr sz="2400" spc="7" dirty="0"/>
-              <a:t>performing</a:t>
-            </a:r>
-            <a:r>
-              <a:rPr lang="zh-CN" altLang="en-US" sz="2400" spc="7" dirty="0"/>
+              <a:rPr sz="3200" spc="13" dirty="0">
+                <a:solidFill>
+                  <a:srgbClr val="616161"/>
+                </a:solidFill>
+                <a:latin typeface="Arial"/>
+                <a:cs typeface="Arial"/>
+              </a:rPr>
+              <a:t>by  </a:t>
+            </a:r>
+            <a:r>
+              <a:rPr sz="3200" spc="-60" dirty="0">
+                <a:solidFill>
+                  <a:srgbClr val="616161"/>
+                </a:solidFill>
+                <a:latin typeface="Arial"/>
+                <a:cs typeface="Arial"/>
+              </a:rPr>
+              <a:t>ourselves).</a:t>
+            </a:r>
+            <a:endParaRPr sz="3200" dirty="0">
+              <a:latin typeface="Arial"/>
+              <a:cs typeface="Arial"/>
+            </a:endParaRPr>
+          </a:p>
+          <a:p>
+            <a:pPr marL="1175991" lvl="1" indent="-488514">
+              <a:spcBef>
+                <a:spcPts val="587"/>
+              </a:spcBef>
+              <a:buChar char="○"/>
+              <a:tabLst>
+                <a:tab pos="1175991" algn="l"/>
+                <a:tab pos="1176837" algn="l"/>
+              </a:tabLst>
+            </a:pPr>
+            <a:r>
+              <a:rPr sz="2400" spc="-33" dirty="0">
+                <a:solidFill>
+                  <a:srgbClr val="616161"/>
+                </a:solidFill>
+                <a:latin typeface="Arial"/>
+                <a:cs typeface="Arial"/>
+              </a:rPr>
+              <a:t>The accuracy </a:t>
+            </a:r>
+            <a:r>
+              <a:rPr sz="2400" spc="-7" dirty="0">
+                <a:solidFill>
+                  <a:srgbClr val="616161"/>
+                </a:solidFill>
+                <a:latin typeface="Arial"/>
+                <a:cs typeface="Arial"/>
+              </a:rPr>
+              <a:t>should </a:t>
+            </a:r>
+            <a:r>
+              <a:rPr sz="2400" spc="-20" dirty="0">
+                <a:solidFill>
+                  <a:srgbClr val="616161"/>
+                </a:solidFill>
+                <a:latin typeface="Arial"/>
+                <a:cs typeface="Arial"/>
+              </a:rPr>
+              <a:t>reach</a:t>
+            </a:r>
+            <a:r>
+              <a:rPr sz="2400" spc="-147" dirty="0">
+                <a:solidFill>
+                  <a:srgbClr val="616161"/>
+                </a:solidFill>
+                <a:latin typeface="Arial"/>
+                <a:cs typeface="Arial"/>
+              </a:rPr>
               <a:t> </a:t>
             </a:r>
             <a:r>
-              <a:rPr lang="en-US" sz="2400" dirty="0"/>
-              <a:t>Machine Learning</a:t>
-            </a:r>
-            <a:r>
-              <a:rPr lang="en-US" altLang="zh-CN" sz="2400" dirty="0"/>
-              <a:t>.</a:t>
-            </a:r>
-          </a:p>
-          <a:p>
-            <a:pPr marL="53339" marR="6773" indent="0">
+              <a:rPr sz="2400" spc="-60" dirty="0">
+                <a:solidFill>
+                  <a:srgbClr val="616161"/>
+                </a:solidFill>
+                <a:latin typeface="Arial"/>
+                <a:cs typeface="Arial"/>
+              </a:rPr>
+              <a:t>90%</a:t>
+            </a:r>
+            <a:endParaRPr sz="2400" dirty="0">
+              <a:latin typeface="Arial"/>
+              <a:cs typeface="Arial"/>
+            </a:endParaRPr>
+          </a:p>
+          <a:p>
+            <a:pPr marL="566406" marR="6773" indent="-549473">
               <a:lnSpc>
-                <a:spcPct val="114599"/>
+                <a:spcPts val="4400"/>
               </a:lnSpc>
               <a:spcBef>
-                <a:spcPts val="133"/>
+                <a:spcPts val="73"/>
               </a:spcBef>
-              <a:buNone/>
+              <a:buChar char="●"/>
               <a:tabLst>
-                <a:tab pos="603658" algn="l"/>
-                <a:tab pos="604505" algn="l"/>
+                <a:tab pos="566406" algn="l"/>
+                <a:tab pos="567252" algn="l"/>
               </a:tabLst>
             </a:pPr>
-            <a:endParaRPr sz="2400" spc="-53" dirty="0"/>
-          </a:p>
-          <a:p>
-            <a:pPr marL="602812" marR="273465" indent="-549473">
+            <a:r>
+              <a:rPr sz="3200" spc="-7" dirty="0">
+                <a:solidFill>
+                  <a:srgbClr val="616161"/>
+                </a:solidFill>
+                <a:latin typeface="Arial"/>
+                <a:cs typeface="Arial"/>
+              </a:rPr>
+              <a:t>Verify </a:t>
+            </a:r>
+            <a:r>
+              <a:rPr sz="3200" spc="-60" dirty="0">
+                <a:solidFill>
+                  <a:srgbClr val="616161"/>
+                </a:solidFill>
+                <a:latin typeface="Arial"/>
+                <a:cs typeface="Arial"/>
+              </a:rPr>
+              <a:t>analysis </a:t>
+            </a:r>
+            <a:r>
+              <a:rPr sz="3200" spc="-27" dirty="0">
+                <a:solidFill>
+                  <a:srgbClr val="616161"/>
+                </a:solidFill>
+                <a:latin typeface="Arial"/>
+                <a:cs typeface="Arial"/>
+              </a:rPr>
+              <a:t>results </a:t>
+            </a:r>
+            <a:r>
+              <a:rPr sz="3200" spc="20" dirty="0">
+                <a:solidFill>
+                  <a:srgbClr val="616161"/>
+                </a:solidFill>
+                <a:latin typeface="Arial"/>
+                <a:cs typeface="Arial"/>
+              </a:rPr>
+              <a:t>with </a:t>
+            </a:r>
+            <a:r>
+              <a:rPr sz="3200" spc="13" dirty="0">
+                <a:solidFill>
+                  <a:srgbClr val="616161"/>
+                </a:solidFill>
+                <a:latin typeface="Arial"/>
+                <a:cs typeface="Arial"/>
+              </a:rPr>
+              <a:t>input </a:t>
+            </a:r>
+            <a:r>
+              <a:rPr sz="3200" spc="20" dirty="0">
+                <a:solidFill>
+                  <a:srgbClr val="616161"/>
+                </a:solidFill>
+                <a:latin typeface="Arial"/>
+                <a:cs typeface="Arial"/>
+              </a:rPr>
+              <a:t>like </a:t>
+            </a:r>
+            <a:r>
+              <a:rPr sz="3200" spc="40" dirty="0">
+                <a:solidFill>
+                  <a:srgbClr val="616161"/>
+                </a:solidFill>
+                <a:latin typeface="Arial"/>
+                <a:cs typeface="Arial"/>
+              </a:rPr>
+              <a:t>“</a:t>
+            </a:r>
+            <a:r>
+              <a:rPr lang="en-US" altLang="zh-CN" sz="3200" spc="40" dirty="0">
+                <a:solidFill>
+                  <a:srgbClr val="616161"/>
+                </a:solidFill>
+                <a:latin typeface="Arial"/>
+                <a:cs typeface="Arial"/>
+              </a:rPr>
+              <a:t>APPLE</a:t>
+            </a:r>
+            <a:r>
+              <a:rPr sz="3200" spc="40" dirty="0">
+                <a:solidFill>
+                  <a:srgbClr val="616161"/>
+                </a:solidFill>
+                <a:latin typeface="Arial"/>
+                <a:cs typeface="Arial"/>
+              </a:rPr>
+              <a:t>” </a:t>
+            </a:r>
+            <a:r>
+              <a:rPr sz="3200" spc="-53" dirty="0">
+                <a:solidFill>
+                  <a:srgbClr val="616161"/>
+                </a:solidFill>
+                <a:latin typeface="Arial"/>
+                <a:cs typeface="Arial"/>
+              </a:rPr>
+              <a:t>is </a:t>
+            </a:r>
+            <a:r>
+              <a:rPr sz="3200" spc="73" dirty="0">
+                <a:solidFill>
+                  <a:srgbClr val="616161"/>
+                </a:solidFill>
+                <a:latin typeface="Arial"/>
+                <a:cs typeface="Arial"/>
+              </a:rPr>
+              <a:t>“bad”</a:t>
+            </a:r>
+            <a:r>
+              <a:rPr sz="3200" spc="-587" dirty="0">
+                <a:solidFill>
+                  <a:srgbClr val="616161"/>
+                </a:solidFill>
+                <a:latin typeface="Arial"/>
+                <a:cs typeface="Arial"/>
+              </a:rPr>
+              <a:t> </a:t>
+            </a:r>
+            <a:r>
+              <a:rPr lang="en-US" sz="3200" spc="13" dirty="0">
+                <a:solidFill>
+                  <a:srgbClr val="616161"/>
+                </a:solidFill>
+                <a:latin typeface="Arial"/>
+                <a:cs typeface="Arial"/>
+              </a:rPr>
+              <a:t>on </a:t>
+            </a:r>
+            <a:r>
+              <a:rPr lang="en-US" sz="3200" spc="-93" dirty="0">
+                <a:solidFill>
+                  <a:srgbClr val="616161"/>
+                </a:solidFill>
+                <a:latin typeface="Arial"/>
+                <a:cs typeface="Arial"/>
+              </a:rPr>
+              <a:t>a </a:t>
+            </a:r>
+            <a:r>
+              <a:rPr lang="en-US" sz="3200" spc="-13" dirty="0">
+                <a:solidFill>
+                  <a:srgbClr val="616161"/>
+                </a:solidFill>
+                <a:latin typeface="Arial"/>
+                <a:cs typeface="Arial"/>
+              </a:rPr>
+              <a:t>certain </a:t>
+            </a:r>
+            <a:r>
+              <a:rPr lang="en-US" sz="3200" spc="7" dirty="0">
+                <a:solidFill>
+                  <a:srgbClr val="616161"/>
+                </a:solidFill>
+                <a:latin typeface="Arial"/>
+                <a:cs typeface="Arial"/>
+              </a:rPr>
+              <a:t>date </a:t>
+            </a:r>
+            <a:r>
+              <a:rPr lang="en-US" sz="3200" spc="-47" dirty="0">
+                <a:solidFill>
+                  <a:srgbClr val="616161"/>
+                </a:solidFill>
+                <a:latin typeface="Arial"/>
+                <a:cs typeface="Arial"/>
+              </a:rPr>
+              <a:t>(check </a:t>
+            </a:r>
+            <a:r>
+              <a:rPr lang="en-US" sz="3200" spc="-33" dirty="0">
+                <a:solidFill>
+                  <a:srgbClr val="616161"/>
+                </a:solidFill>
+                <a:latin typeface="Arial"/>
+                <a:cs typeface="Arial"/>
+              </a:rPr>
+              <a:t>against </a:t>
+            </a:r>
+            <a:r>
+              <a:rPr lang="en-US" altLang="zh-CN" sz="3200" dirty="0">
+                <a:solidFill>
+                  <a:srgbClr val="616161"/>
+                </a:solidFill>
+                <a:latin typeface="Arial"/>
+                <a:cs typeface="Arial"/>
+              </a:rPr>
+              <a:t>stock market</a:t>
+            </a:r>
+            <a:r>
+              <a:rPr lang="en-US" sz="3200" spc="-40" dirty="0">
+                <a:solidFill>
+                  <a:srgbClr val="616161"/>
+                </a:solidFill>
+                <a:latin typeface="Arial"/>
+                <a:cs typeface="Arial"/>
+              </a:rPr>
+              <a:t>)</a:t>
+            </a:r>
+            <a:r>
+              <a:rPr sz="3200" spc="-40" dirty="0">
+                <a:solidFill>
+                  <a:srgbClr val="616161"/>
+                </a:solidFill>
+                <a:latin typeface="Arial"/>
+                <a:cs typeface="Arial"/>
+              </a:rPr>
+              <a:t>.</a:t>
+            </a:r>
+            <a:endParaRPr sz="3200" dirty="0">
+              <a:latin typeface="Arial"/>
+              <a:cs typeface="Arial"/>
+            </a:endParaRPr>
+          </a:p>
+          <a:p>
+            <a:pPr marL="1175991" lvl="1" indent="-488514">
+              <a:spcBef>
+                <a:spcPts val="347"/>
+              </a:spcBef>
+              <a:buChar char="○"/>
+              <a:tabLst>
+                <a:tab pos="1175991" algn="l"/>
+                <a:tab pos="1176837" algn="l"/>
+              </a:tabLst>
+            </a:pPr>
+            <a:r>
+              <a:rPr sz="2400" spc="-33" dirty="0">
+                <a:solidFill>
+                  <a:srgbClr val="616161"/>
+                </a:solidFill>
+                <a:latin typeface="Arial"/>
+                <a:cs typeface="Arial"/>
+              </a:rPr>
+              <a:t>The accuracy </a:t>
+            </a:r>
+            <a:r>
+              <a:rPr sz="2400" spc="-7" dirty="0">
+                <a:solidFill>
+                  <a:srgbClr val="616161"/>
+                </a:solidFill>
+                <a:latin typeface="Arial"/>
+                <a:cs typeface="Arial"/>
+              </a:rPr>
+              <a:t>should </a:t>
+            </a:r>
+            <a:r>
+              <a:rPr lang="en-US" altLang="zh-CN" sz="2400" spc="-20" dirty="0">
+                <a:solidFill>
+                  <a:srgbClr val="616161"/>
+                </a:solidFill>
+                <a:latin typeface="Arial"/>
+                <a:cs typeface="Arial"/>
+              </a:rPr>
+              <a:t>above</a:t>
+            </a:r>
+            <a:r>
+              <a:rPr lang="zh-CN" altLang="en-US" sz="2400" spc="-20" dirty="0">
+                <a:solidFill>
+                  <a:srgbClr val="616161"/>
+                </a:solidFill>
+                <a:latin typeface="Arial"/>
+                <a:cs typeface="Arial"/>
+              </a:rPr>
+              <a:t> </a:t>
+            </a:r>
+            <a:r>
+              <a:rPr lang="en-US" altLang="zh-CN" sz="2400" spc="-20" dirty="0">
+                <a:solidFill>
+                  <a:srgbClr val="616161"/>
+                </a:solidFill>
+                <a:latin typeface="Arial"/>
+                <a:cs typeface="Arial"/>
+              </a:rPr>
+              <a:t>6</a:t>
+            </a:r>
+            <a:r>
+              <a:rPr sz="2400" spc="-120" dirty="0">
+                <a:solidFill>
+                  <a:srgbClr val="616161"/>
+                </a:solidFill>
+                <a:latin typeface="Arial"/>
+                <a:cs typeface="Arial"/>
+              </a:rPr>
+              <a:t>0%</a:t>
+            </a:r>
+            <a:endParaRPr lang="en-US" sz="2400" spc="-120" dirty="0">
+              <a:solidFill>
+                <a:srgbClr val="616161"/>
+              </a:solidFill>
+              <a:latin typeface="Arial"/>
+              <a:cs typeface="Arial"/>
+            </a:endParaRPr>
+          </a:p>
+          <a:p>
+            <a:pPr marL="566406" marR="6773" indent="-549473">
               <a:lnSpc>
-                <a:spcPct val="114599"/>
+                <a:spcPts val="4400"/>
               </a:lnSpc>
+              <a:spcBef>
+                <a:spcPts val="73"/>
+              </a:spcBef>
               <a:buChar char="●"/>
               <a:tabLst>
-                <a:tab pos="603658" algn="l"/>
-                <a:tab pos="604505" algn="l"/>
+                <a:tab pos="566406" algn="l"/>
+                <a:tab pos="567252" algn="l"/>
               </a:tabLst>
             </a:pPr>
             <a:r>
-              <a:rPr sz="2400" spc="-73" dirty="0"/>
-              <a:t>In </a:t>
-            </a:r>
-            <a:r>
-              <a:rPr sz="2400" spc="-20" dirty="0"/>
-              <a:t>this </a:t>
-            </a:r>
-            <a:r>
-              <a:rPr sz="2400" dirty="0"/>
-              <a:t>project, </a:t>
-            </a:r>
-            <a:r>
-              <a:rPr sz="2400" spc="27" dirty="0"/>
-              <a:t>we </a:t>
-            </a:r>
-            <a:r>
-              <a:rPr sz="2400" spc="-7" dirty="0"/>
-              <a:t>utilize information </a:t>
-            </a:r>
-            <a:r>
-              <a:rPr sz="2400" spc="-27" dirty="0"/>
-              <a:t>available </a:t>
-            </a:r>
-            <a:r>
-              <a:rPr sz="2400" spc="13" dirty="0"/>
-              <a:t>through</a:t>
-            </a:r>
-            <a:r>
-              <a:rPr sz="2400" spc="-393" dirty="0"/>
+              <a:rPr lang="en-US" sz="3200" spc="-7" dirty="0">
+                <a:solidFill>
+                  <a:srgbClr val="616161"/>
+                </a:solidFill>
+                <a:latin typeface="Arial"/>
+                <a:cs typeface="Arial"/>
+              </a:rPr>
+              <a:t>R</a:t>
+            </a:r>
+            <a:r>
+              <a:rPr lang="en-US" altLang="zh-CN" sz="3200" spc="-7" dirty="0">
+                <a:solidFill>
+                  <a:srgbClr val="616161"/>
+                </a:solidFill>
+                <a:latin typeface="Arial"/>
+                <a:cs typeface="Arial"/>
+              </a:rPr>
+              <a:t>esponse</a:t>
+            </a:r>
+            <a:r>
+              <a:rPr lang="zh-CN" altLang="en-US" sz="3200" spc="-7" dirty="0">
+                <a:solidFill>
+                  <a:srgbClr val="616161"/>
+                </a:solidFill>
+                <a:latin typeface="Arial"/>
+                <a:cs typeface="Arial"/>
+              </a:rPr>
               <a:t> </a:t>
             </a:r>
             <a:r>
-              <a:rPr sz="2400" spc="20" dirty="0"/>
-              <a:t>the </a:t>
-            </a:r>
-            <a:r>
-              <a:rPr sz="2400" dirty="0"/>
-              <a:t>Twitter </a:t>
-            </a:r>
-            <a:r>
-              <a:rPr sz="2400" spc="-140" dirty="0"/>
-              <a:t>API </a:t>
-            </a:r>
-            <a:endParaRPr lang="en-US" sz="2400" spc="-140" dirty="0"/>
-          </a:p>
-          <a:p>
-            <a:pPr marL="53339" marR="273465" indent="0">
-              <a:lnSpc>
-                <a:spcPct val="114599"/>
-              </a:lnSpc>
-              <a:buNone/>
+              <a:rPr lang="en-US" altLang="zh-CN" sz="3200" spc="-7" dirty="0">
+                <a:solidFill>
+                  <a:srgbClr val="616161"/>
+                </a:solidFill>
+                <a:latin typeface="Arial"/>
+                <a:cs typeface="Arial"/>
+              </a:rPr>
+              <a:t>time</a:t>
+            </a:r>
+            <a:r>
+              <a:rPr lang="zh-CN" altLang="en-US" sz="3200" spc="-7" dirty="0">
+                <a:solidFill>
+                  <a:srgbClr val="616161"/>
+                </a:solidFill>
+                <a:latin typeface="Arial"/>
+                <a:cs typeface="Arial"/>
+              </a:rPr>
+              <a:t> </a:t>
+            </a:r>
+            <a:r>
+              <a:rPr lang="en-US" sz="3200" spc="20" dirty="0">
+                <a:solidFill>
+                  <a:srgbClr val="616161"/>
+                </a:solidFill>
+                <a:latin typeface="Arial"/>
+                <a:cs typeface="Arial"/>
+              </a:rPr>
+              <a:t>with </a:t>
+            </a:r>
+            <a:r>
+              <a:rPr lang="en-US" sz="3200" spc="13" dirty="0">
+                <a:solidFill>
+                  <a:srgbClr val="616161"/>
+                </a:solidFill>
+                <a:latin typeface="Arial"/>
+                <a:cs typeface="Arial"/>
+              </a:rPr>
+              <a:t>input </a:t>
+            </a:r>
+            <a:r>
+              <a:rPr lang="en-US" sz="3200" spc="20" dirty="0">
+                <a:solidFill>
+                  <a:srgbClr val="616161"/>
+                </a:solidFill>
+                <a:latin typeface="Arial"/>
+                <a:cs typeface="Arial"/>
+              </a:rPr>
+              <a:t>like </a:t>
+            </a:r>
+            <a:r>
+              <a:rPr lang="en-US" sz="3200" spc="40" dirty="0">
+                <a:solidFill>
+                  <a:srgbClr val="616161"/>
+                </a:solidFill>
+                <a:latin typeface="Arial"/>
+                <a:cs typeface="Arial"/>
+              </a:rPr>
+              <a:t>“</a:t>
+            </a:r>
+            <a:r>
+              <a:rPr lang="en-US" altLang="zh-CN" sz="3200" spc="40">
+                <a:solidFill>
+                  <a:srgbClr val="616161"/>
+                </a:solidFill>
+                <a:latin typeface="Arial"/>
+                <a:cs typeface="Arial"/>
+              </a:rPr>
+              <a:t>APPLE</a:t>
+            </a:r>
+            <a:r>
+              <a:rPr lang="en-US" sz="3200" spc="40">
+                <a:solidFill>
+                  <a:srgbClr val="616161"/>
+                </a:solidFill>
+                <a:latin typeface="Arial"/>
+                <a:cs typeface="Arial"/>
+              </a:rPr>
+              <a:t>”</a:t>
+            </a:r>
+            <a:endParaRPr lang="en-US" sz="3200" dirty="0">
+              <a:latin typeface="Arial"/>
+              <a:cs typeface="Arial"/>
+            </a:endParaRPr>
+          </a:p>
+          <a:p>
+            <a:pPr marL="1175991" lvl="1" indent="-488514">
+              <a:spcBef>
+                <a:spcPts val="347"/>
+              </a:spcBef>
+              <a:buChar char="○"/>
               <a:tabLst>
-                <a:tab pos="603658" algn="l"/>
-                <a:tab pos="604505" algn="l"/>
+                <a:tab pos="1175991" algn="l"/>
+                <a:tab pos="1176837" algn="l"/>
               </a:tabLst>
             </a:pPr>
             <a:r>
-              <a:rPr lang="zh-CN" altLang="en-US" sz="2400" spc="-140" dirty="0"/>
-              <a:t>          </a:t>
-            </a:r>
-            <a:r>
-              <a:rPr sz="2400" spc="47" dirty="0"/>
-              <a:t>to </a:t>
-            </a:r>
-            <a:r>
-              <a:rPr sz="2400" dirty="0"/>
-              <a:t>gather </a:t>
-            </a:r>
-            <a:r>
-              <a:rPr sz="2400" spc="-7" dirty="0"/>
-              <a:t>information </a:t>
-            </a:r>
-            <a:r>
-              <a:rPr sz="2400" spc="7" dirty="0"/>
-              <a:t>about </a:t>
-            </a:r>
-            <a:r>
-              <a:rPr sz="2400" spc="20" dirty="0"/>
-              <a:t>the </a:t>
-            </a:r>
-            <a:r>
-              <a:rPr sz="2400" spc="7" dirty="0"/>
-              <a:t>tweets </a:t>
-            </a:r>
-            <a:r>
-              <a:rPr sz="2400" spc="-20" dirty="0"/>
-              <a:t>and  </a:t>
-            </a:r>
-            <a:r>
-              <a:rPr sz="2400" spc="7" dirty="0"/>
-              <a:t>their</a:t>
-            </a:r>
-            <a:r>
-              <a:rPr sz="2400" spc="-73" dirty="0"/>
+              <a:rPr lang="en-US" sz="2400" spc="-33" dirty="0">
+                <a:solidFill>
+                  <a:srgbClr val="616161"/>
+                </a:solidFill>
+                <a:latin typeface="Arial"/>
+                <a:cs typeface="Arial"/>
+              </a:rPr>
+              <a:t>The </a:t>
+            </a:r>
+            <a:r>
+              <a:rPr lang="en-US" altLang="zh-CN" sz="2400" spc="-33" dirty="0">
+                <a:solidFill>
+                  <a:srgbClr val="616161"/>
+                </a:solidFill>
+                <a:latin typeface="Arial"/>
+                <a:cs typeface="Arial"/>
+              </a:rPr>
+              <a:t>response</a:t>
+            </a:r>
+            <a:r>
+              <a:rPr lang="zh-CN" altLang="en-US" sz="2400" spc="-33" dirty="0">
+                <a:solidFill>
+                  <a:srgbClr val="616161"/>
+                </a:solidFill>
+                <a:latin typeface="Arial"/>
+                <a:cs typeface="Arial"/>
+              </a:rPr>
               <a:t> </a:t>
             </a:r>
             <a:r>
-              <a:rPr sz="2400" spc="-47" dirty="0"/>
-              <a:t>users</a:t>
-            </a:r>
-            <a:r>
-              <a:rPr lang="en-US" altLang="zh-CN" sz="2400" spc="-47" dirty="0"/>
-              <a:t>.</a:t>
-            </a:r>
-            <a:endParaRPr sz="2400" spc="-47" dirty="0"/>
+              <a:rPr lang="en-US" altLang="zh-CN" sz="2400" spc="-33" dirty="0">
+                <a:solidFill>
+                  <a:srgbClr val="616161"/>
+                </a:solidFill>
+                <a:latin typeface="Arial"/>
+                <a:cs typeface="Arial"/>
+              </a:rPr>
+              <a:t>time</a:t>
+            </a:r>
+            <a:r>
+              <a:rPr lang="zh-CN" altLang="en-US" sz="2400" spc="-33" dirty="0">
+                <a:solidFill>
+                  <a:srgbClr val="616161"/>
+                </a:solidFill>
+                <a:latin typeface="Arial"/>
+                <a:cs typeface="Arial"/>
+              </a:rPr>
+              <a:t> </a:t>
+            </a:r>
+            <a:r>
+              <a:rPr lang="en-US" altLang="zh-CN" sz="2400" spc="-33" dirty="0">
+                <a:solidFill>
+                  <a:srgbClr val="616161"/>
+                </a:solidFill>
+                <a:latin typeface="Arial"/>
+                <a:cs typeface="Arial"/>
+              </a:rPr>
+              <a:t>should</a:t>
+            </a:r>
+            <a:r>
+              <a:rPr lang="zh-CN" altLang="en-US" sz="2400" spc="-33" dirty="0">
+                <a:solidFill>
+                  <a:srgbClr val="616161"/>
+                </a:solidFill>
+                <a:latin typeface="Arial"/>
+                <a:cs typeface="Arial"/>
+              </a:rPr>
+              <a:t> </a:t>
+            </a:r>
+            <a:r>
+              <a:rPr lang="en-US" altLang="zh-CN" sz="2400" spc="-33" dirty="0">
+                <a:solidFill>
+                  <a:srgbClr val="616161"/>
+                </a:solidFill>
+                <a:latin typeface="Arial"/>
+                <a:cs typeface="Arial"/>
+              </a:rPr>
+              <a:t>less</a:t>
+            </a:r>
+            <a:r>
+              <a:rPr lang="zh-CN" altLang="en-US" sz="2400" spc="-33" dirty="0">
+                <a:solidFill>
+                  <a:srgbClr val="616161"/>
+                </a:solidFill>
+                <a:latin typeface="Arial"/>
+                <a:cs typeface="Arial"/>
+              </a:rPr>
+              <a:t> </a:t>
+            </a:r>
+            <a:r>
+              <a:rPr lang="en-US" altLang="zh-CN" sz="2400" spc="-33" dirty="0">
+                <a:solidFill>
+                  <a:srgbClr val="616161"/>
+                </a:solidFill>
+                <a:latin typeface="Arial"/>
+                <a:cs typeface="Arial"/>
+              </a:rPr>
+              <a:t>than</a:t>
+            </a:r>
+            <a:r>
+              <a:rPr lang="zh-CN" altLang="en-US" sz="2400" spc="-33" dirty="0">
+                <a:solidFill>
+                  <a:srgbClr val="616161"/>
+                </a:solidFill>
+                <a:latin typeface="Arial"/>
+                <a:cs typeface="Arial"/>
+              </a:rPr>
+              <a:t> </a:t>
+            </a:r>
+            <a:r>
+              <a:rPr lang="en-US" altLang="zh-CN" sz="2400" spc="-33" dirty="0">
+                <a:solidFill>
+                  <a:srgbClr val="616161"/>
+                </a:solidFill>
+                <a:latin typeface="Arial"/>
+                <a:cs typeface="Arial"/>
+              </a:rPr>
+              <a:t>30</a:t>
+            </a:r>
+            <a:r>
+              <a:rPr lang="zh-CN" altLang="en-US" sz="2400" spc="-33" dirty="0">
+                <a:solidFill>
+                  <a:srgbClr val="616161"/>
+                </a:solidFill>
+                <a:latin typeface="Arial"/>
+                <a:cs typeface="Arial"/>
+              </a:rPr>
+              <a:t> </a:t>
+            </a:r>
+            <a:r>
+              <a:rPr lang="en-US" altLang="zh-CN" sz="2400" spc="-20" dirty="0">
+                <a:solidFill>
+                  <a:srgbClr val="616161"/>
+                </a:solidFill>
+                <a:latin typeface="Arial"/>
+                <a:cs typeface="Arial"/>
+              </a:rPr>
+              <a:t>seconds</a:t>
+            </a:r>
+            <a:endParaRPr lang="en-US" sz="2400" spc="-120" dirty="0">
+              <a:solidFill>
+                <a:srgbClr val="616161"/>
+              </a:solidFill>
+              <a:latin typeface="Arial"/>
+              <a:cs typeface="Arial"/>
+            </a:endParaRPr>
+          </a:p>
+          <a:p>
+            <a:pPr marL="687477" lvl="1">
+              <a:spcBef>
+                <a:spcPts val="347"/>
+              </a:spcBef>
+              <a:tabLst>
+                <a:tab pos="1175991" algn="l"/>
+                <a:tab pos="1176837" algn="l"/>
+              </a:tabLst>
+            </a:pPr>
+            <a:endParaRPr lang="en-US" sz="2400" spc="-120" dirty="0">
+              <a:solidFill>
+                <a:srgbClr val="616161"/>
+              </a:solidFill>
+              <a:latin typeface="Arial"/>
+              <a:cs typeface="Arial"/>
+            </a:endParaRPr>
+          </a:p>
+          <a:p>
+            <a:pPr marL="1175991" lvl="1" indent="-488514">
+              <a:spcBef>
+                <a:spcPts val="347"/>
+              </a:spcBef>
+              <a:buChar char="○"/>
+              <a:tabLst>
+                <a:tab pos="1175991" algn="l"/>
+                <a:tab pos="1176837" algn="l"/>
+              </a:tabLst>
+            </a:pPr>
+            <a:endParaRPr lang="en-US" sz="2400" b="1" spc="-120" dirty="0">
+              <a:solidFill>
+                <a:srgbClr val="616161"/>
+              </a:solidFill>
+              <a:latin typeface="Arial"/>
+              <a:cs typeface="Arial"/>
+            </a:endParaRPr>
           </a:p>
         </p:txBody>
       </p:sp>
     </p:spTree>
     <p:extLst>
       <p:ext uri="{BB962C8B-B14F-4D97-AF65-F5344CB8AC3E}">
-        <p14:creationId xmlns:p14="http://schemas.microsoft.com/office/powerpoint/2010/main" val="2110513187"/>
+        <p14:creationId xmlns:p14="http://schemas.microsoft.com/office/powerpoint/2010/main" val="2319065318"/>
       </p:ext>
     </p:extLst>
   </p:cSld>

--- a/Planning.pptx
+++ b/Planning.pptx
@@ -843,7 +843,7 @@
             <a:fld id="{B61BEF0D-F0BB-DE4B-95CE-6DB70DBA9567}" type="datetimeFigureOut">
               <a:rPr lang="en-US" dirty="0"/>
               <a:pPr/>
-              <a:t>3/21/19</a:t>
+              <a:t>3/20/19</a:t>
             </a:fld>
             <a:endParaRPr lang="en-US" dirty="0"/>
           </a:p>
@@ -1091,7 +1091,7 @@
             <a:fld id="{B61BEF0D-F0BB-DE4B-95CE-6DB70DBA9567}" type="datetimeFigureOut">
               <a:rPr lang="en-US" dirty="0"/>
               <a:pPr/>
-              <a:t>3/21/19</a:t>
+              <a:t>3/20/19</a:t>
             </a:fld>
             <a:endParaRPr lang="en-US" dirty="0"/>
           </a:p>
@@ -1402,7 +1402,7 @@
             <a:fld id="{B61BEF0D-F0BB-DE4B-95CE-6DB70DBA9567}" type="datetimeFigureOut">
               <a:rPr lang="en-US" dirty="0"/>
               <a:pPr/>
-              <a:t>3/21/19</a:t>
+              <a:t>3/20/19</a:t>
             </a:fld>
             <a:endParaRPr lang="en-US" dirty="0"/>
           </a:p>
@@ -1740,7 +1740,7 @@
             <a:fld id="{B61BEF0D-F0BB-DE4B-95CE-6DB70DBA9567}" type="datetimeFigureOut">
               <a:rPr lang="en-US" dirty="0"/>
               <a:pPr/>
-              <a:t>3/21/19</a:t>
+              <a:t>3/20/19</a:t>
             </a:fld>
             <a:endParaRPr lang="en-US" dirty="0"/>
           </a:p>
@@ -2051,7 +2051,7 @@
             <a:fld id="{B61BEF0D-F0BB-DE4B-95CE-6DB70DBA9567}" type="datetimeFigureOut">
               <a:rPr lang="en-US" dirty="0"/>
               <a:pPr/>
-              <a:t>3/21/19</a:t>
+              <a:t>3/20/19</a:t>
             </a:fld>
             <a:endParaRPr lang="en-US" dirty="0"/>
           </a:p>
@@ -2441,7 +2441,7 @@
             <a:fld id="{B61BEF0D-F0BB-DE4B-95CE-6DB70DBA9567}" type="datetimeFigureOut">
               <a:rPr lang="en-US" dirty="0"/>
               <a:pPr/>
-              <a:t>3/21/19</a:t>
+              <a:t>3/20/19</a:t>
             </a:fld>
             <a:endParaRPr lang="en-US" dirty="0"/>
           </a:p>
@@ -2607,7 +2607,7 @@
           <a:p>
             <a:fld id="{55C6B4A9-1611-4792-9094-5F34BCA07E0B}" type="datetimeFigureOut">
               <a:rPr lang="en-US" dirty="0"/>
-              <a:t>3/21/19</a:t>
+              <a:t>3/20/19</a:t>
             </a:fld>
             <a:endParaRPr lang="en-US" dirty="0"/>
           </a:p>
@@ -2783,7 +2783,7 @@
             <a:fld id="{B61BEF0D-F0BB-DE4B-95CE-6DB70DBA9567}" type="datetimeFigureOut">
               <a:rPr lang="en-US" dirty="0"/>
               <a:pPr/>
-              <a:t>3/21/19</a:t>
+              <a:t>3/20/19</a:t>
             </a:fld>
             <a:endParaRPr lang="en-US" dirty="0"/>
           </a:p>
@@ -2956,7 +2956,7 @@
             <a:fld id="{B61BEF0D-F0BB-DE4B-95CE-6DB70DBA9567}" type="datetimeFigureOut">
               <a:rPr lang="en-US" dirty="0"/>
               <a:pPr/>
-              <a:t>3/21/19</a:t>
+              <a:t>3/20/19</a:t>
             </a:fld>
             <a:endParaRPr lang="en-US" dirty="0"/>
           </a:p>
@@ -3200,7 +3200,7 @@
             <a:fld id="{B61BEF0D-F0BB-DE4B-95CE-6DB70DBA9567}" type="datetimeFigureOut">
               <a:rPr lang="en-US" dirty="0"/>
               <a:pPr/>
-              <a:t>3/21/19</a:t>
+              <a:t>3/20/19</a:t>
             </a:fld>
             <a:endParaRPr lang="en-US" dirty="0"/>
           </a:p>
@@ -3428,7 +3428,7 @@
           <a:p>
             <a:fld id="{EB712588-04B1-427B-82EE-E8DB90309F08}" type="datetimeFigureOut">
               <a:rPr lang="en-US" dirty="0"/>
-              <a:t>3/21/19</a:t>
+              <a:t>3/20/19</a:t>
             </a:fld>
             <a:endParaRPr lang="en-US" dirty="0"/>
           </a:p>
@@ -3798,7 +3798,7 @@
             <a:fld id="{B61BEF0D-F0BB-DE4B-95CE-6DB70DBA9567}" type="datetimeFigureOut">
               <a:rPr lang="en-US" dirty="0"/>
               <a:pPr/>
-              <a:t>3/21/19</a:t>
+              <a:t>3/20/19</a:t>
             </a:fld>
             <a:endParaRPr lang="en-US" dirty="0"/>
           </a:p>
@@ -3918,7 +3918,7 @@
             <a:fld id="{B61BEF0D-F0BB-DE4B-95CE-6DB70DBA9567}" type="datetimeFigureOut">
               <a:rPr lang="en-US" dirty="0"/>
               <a:pPr/>
-              <a:t>3/21/19</a:t>
+              <a:t>3/20/19</a:t>
             </a:fld>
             <a:endParaRPr lang="en-US" dirty="0"/>
           </a:p>
@@ -4010,7 +4010,7 @@
             <a:fld id="{B61BEF0D-F0BB-DE4B-95CE-6DB70DBA9567}" type="datetimeFigureOut">
               <a:rPr lang="en-US" dirty="0"/>
               <a:pPr/>
-              <a:t>3/21/19</a:t>
+              <a:t>3/20/19</a:t>
             </a:fld>
             <a:endParaRPr lang="en-US" dirty="0"/>
           </a:p>
@@ -4261,7 +4261,7 @@
           <a:p>
             <a:fld id="{42A54C80-263E-416B-A8E0-580EDEADCBDC}" type="datetimeFigureOut">
               <a:rPr lang="en-US" dirty="0"/>
-              <a:t>3/21/19</a:t>
+              <a:t>3/20/19</a:t>
             </a:fld>
             <a:endParaRPr lang="en-US" dirty="0"/>
           </a:p>
@@ -4520,7 +4520,7 @@
             <a:fld id="{B61BEF0D-F0BB-DE4B-95CE-6DB70DBA9567}" type="datetimeFigureOut">
               <a:rPr lang="en-US" dirty="0"/>
               <a:pPr/>
-              <a:t>3/21/19</a:t>
+              <a:t>3/20/19</a:t>
             </a:fld>
             <a:endParaRPr lang="en-US" dirty="0"/>
           </a:p>
@@ -5260,7 +5260,7 @@
             <a:fld id="{B61BEF0D-F0BB-DE4B-95CE-6DB70DBA9567}" type="datetimeFigureOut">
               <a:rPr lang="en-US" dirty="0"/>
               <a:pPr/>
-              <a:t>3/21/19</a:t>
+              <a:t>3/20/19</a:t>
             </a:fld>
             <a:endParaRPr lang="en-US" dirty="0"/>
           </a:p>
@@ -6380,6 +6380,26 @@
               </a:tabLst>
             </a:pPr>
             <a:r>
+              <a:rPr sz="2400" spc="-27" dirty="0">
+                <a:solidFill>
+                  <a:srgbClr val="616161"/>
+                </a:solidFill>
+                <a:latin typeface="Arial"/>
+                <a:cs typeface="Arial"/>
+              </a:rPr>
+              <a:t>A</a:t>
+            </a:r>
+            <a:r>
+              <a:rPr sz="2400" spc="-60" dirty="0">
+                <a:solidFill>
+                  <a:srgbClr val="616161"/>
+                </a:solidFill>
+                <a:latin typeface="Arial"/>
+                <a:cs typeface="Arial"/>
+              </a:rPr>
+              <a:t> </a:t>
+            </a:r>
+            <a:r>
               <a:rPr sz="2400" spc="-13" dirty="0">
                 <a:solidFill>
                   <a:srgbClr val="616161"/>
@@ -6388,16 +6408,6 @@
                 <a:cs typeface="Arial"/>
               </a:rPr>
               <a:t>Keyword</a:t>
-            </a:r>
-            <a:r>
-              <a:rPr lang="en-US" altLang="zh-CN" sz="2400" spc="-13" dirty="0">
-                <a:solidFill>
-                  <a:srgbClr val="616161"/>
-                </a:solidFill>
-                <a:latin typeface="Arial"/>
-                <a:cs typeface="Arial"/>
-              </a:rPr>
-              <a:t>s</a:t>
             </a:r>
             <a:r>
               <a:rPr lang="zh-CN" altLang="en-US" sz="2400" spc="-13" dirty="0">
@@ -6662,27 +6672,7 @@
                 <a:latin typeface="Arial"/>
                 <a:cs typeface="Arial"/>
               </a:rPr>
-              <a:t>th</a:t>
-            </a:r>
-            <a:r>
-              <a:rPr lang="en-US" altLang="zh-CN" sz="2400" spc="-7" dirty="0">
-                <a:solidFill>
-                  <a:srgbClr val="616161"/>
-                </a:solidFill>
-                <a:latin typeface="Arial"/>
-                <a:cs typeface="Arial"/>
-              </a:rPr>
-              <a:t>ose</a:t>
-            </a:r>
-            <a:r>
-              <a:rPr sz="2400" spc="-7" dirty="0">
-                <a:solidFill>
-                  <a:srgbClr val="616161"/>
-                </a:solidFill>
-                <a:latin typeface="Arial"/>
-                <a:cs typeface="Arial"/>
-              </a:rPr>
-              <a:t> </a:t>
+              <a:t>that </a:t>
             </a:r>
             <a:r>
               <a:rPr sz="2400" spc="13" dirty="0">
@@ -6692,27 +6682,7 @@
                 <a:latin typeface="Arial"/>
                 <a:cs typeface="Arial"/>
               </a:rPr>
-              <a:t>keyword</a:t>
-            </a:r>
-            <a:r>
-              <a:rPr lang="en-US" altLang="zh-CN" sz="2400" spc="13" dirty="0">
-                <a:solidFill>
-                  <a:srgbClr val="616161"/>
-                </a:solidFill>
-                <a:latin typeface="Arial"/>
-                <a:cs typeface="Arial"/>
-              </a:rPr>
-              <a:t>s</a:t>
-            </a:r>
-            <a:r>
-              <a:rPr sz="2400" spc="13" dirty="0">
-                <a:solidFill>
-                  <a:srgbClr val="616161"/>
-                </a:solidFill>
-                <a:latin typeface="Arial"/>
-                <a:cs typeface="Arial"/>
-              </a:rPr>
-              <a:t> </a:t>
+              <a:t>keyword </a:t>
             </a:r>
             <a:r>
               <a:rPr sz="2400" spc="-20" dirty="0">
@@ -7095,7 +7065,7 @@
         <p:spPr>
           <a:xfrm>
             <a:off x="572299" y="1517499"/>
-            <a:ext cx="9240520" cy="5062924"/>
+            <a:ext cx="9240520" cy="4570482"/>
           </a:xfrm>
           <a:prstGeom prst="rect">
             <a:avLst/>
@@ -7629,66 +7599,6 @@
               </a:rPr>
               <a:t>sentiment</a:t>
             </a:r>
-            <a:r>
-              <a:rPr lang="zh-CN" altLang="en-US" sz="3200" spc="-13" dirty="0">
-                <a:solidFill>
-                  <a:srgbClr val="616161"/>
-                </a:solidFill>
-                <a:latin typeface="Arial"/>
-                <a:cs typeface="Arial"/>
-              </a:rPr>
-              <a:t> </a:t>
-            </a:r>
-            <a:r>
-              <a:rPr lang="en-US" altLang="zh-CN" sz="3200" spc="-13" dirty="0">
-                <a:solidFill>
-                  <a:srgbClr val="616161"/>
-                </a:solidFill>
-                <a:latin typeface="Arial"/>
-                <a:cs typeface="Arial"/>
-              </a:rPr>
-              <a:t>using</a:t>
-            </a:r>
-            <a:r>
-              <a:rPr lang="zh-CN" altLang="en-US" sz="3200" spc="-13" dirty="0">
-                <a:solidFill>
-                  <a:srgbClr val="616161"/>
-                </a:solidFill>
-                <a:latin typeface="Arial"/>
-                <a:cs typeface="Arial"/>
-              </a:rPr>
-              <a:t> </a:t>
-            </a:r>
-            <a:r>
-              <a:rPr lang="en-US" altLang="zh-CN" sz="3200" spc="-13" dirty="0">
-                <a:solidFill>
-                  <a:srgbClr val="616161"/>
-                </a:solidFill>
-                <a:latin typeface="Arial"/>
-                <a:cs typeface="Arial"/>
-              </a:rPr>
-              <a:t>Stanford</a:t>
-            </a:r>
-            <a:r>
-              <a:rPr lang="zh-CN" altLang="en-US" sz="3200" spc="-13" dirty="0">
-                <a:solidFill>
-                  <a:srgbClr val="616161"/>
-                </a:solidFill>
-                <a:latin typeface="Arial"/>
-                <a:cs typeface="Arial"/>
-              </a:rPr>
-              <a:t> </a:t>
-            </a:r>
-            <a:r>
-              <a:rPr lang="en-US" altLang="zh-CN" sz="3200" spc="-13" dirty="0">
-                <a:solidFill>
-                  <a:srgbClr val="616161"/>
-                </a:solidFill>
-                <a:latin typeface="Arial"/>
-                <a:cs typeface="Arial"/>
-              </a:rPr>
-              <a:t>NLP</a:t>
-            </a:r>
             <a:endParaRPr sz="3200" dirty="0">
               <a:latin typeface="Arial"/>
               <a:cs typeface="Arial"/>
@@ -7706,7 +7616,7 @@
               </a:tabLst>
             </a:pPr>
             <a:r>
-              <a:rPr sz="3200" spc="-27" dirty="0">
+              <a:rPr sz="3200" spc="-27">
                 <a:solidFill>
                   <a:srgbClr val="616161"/>
                 </a:solidFill>
@@ -7878,8 +7788,8 @@
         </p:nvSpPr>
         <p:spPr>
           <a:xfrm>
-            <a:off x="589914" y="1323413"/>
-            <a:ext cx="11025293" cy="5065725"/>
+            <a:off x="609369" y="1731975"/>
+            <a:ext cx="11025293" cy="3933107"/>
           </a:xfrm>
           <a:prstGeom prst="rect">
             <a:avLst/>
@@ -8299,225 +8209,6 @@
                 <a:cs typeface="Arial"/>
               </a:rPr>
               <a:t>tweets</a:t>
-            </a:r>
-            <a:endParaRPr lang="en-US" sz="3200" spc="7" dirty="0">
-              <a:solidFill>
-                <a:srgbClr val="616161"/>
-              </a:solidFill>
-              <a:latin typeface="Arial"/>
-              <a:cs typeface="Arial"/>
-            </a:endParaRPr>
-          </a:p>
-          <a:p>
-            <a:pPr marL="566406" marR="434329" indent="-549473">
-              <a:lnSpc>
-                <a:spcPct val="114599"/>
-              </a:lnSpc>
-              <a:buChar char="●"/>
-              <a:tabLst>
-                <a:tab pos="566406" algn="l"/>
-                <a:tab pos="567252" algn="l"/>
-              </a:tabLst>
-            </a:pPr>
-            <a:r>
-              <a:rPr lang="en-US" sz="3200" spc="7" dirty="0">
-                <a:solidFill>
-                  <a:srgbClr val="616161"/>
-                </a:solidFill>
-                <a:latin typeface="Arial"/>
-                <a:cs typeface="Arial"/>
-              </a:rPr>
-              <a:t>S</a:t>
-            </a:r>
-            <a:r>
-              <a:rPr lang="en-US" altLang="zh-CN" sz="3200" spc="7" dirty="0">
-                <a:solidFill>
-                  <a:srgbClr val="616161"/>
-                </a:solidFill>
-                <a:latin typeface="Arial"/>
-                <a:cs typeface="Arial"/>
-              </a:rPr>
-              <a:t>tore</a:t>
-            </a:r>
-            <a:r>
-              <a:rPr lang="zh-CN" altLang="en-US" sz="3200" spc="7" dirty="0">
-                <a:solidFill>
-                  <a:srgbClr val="616161"/>
-                </a:solidFill>
-                <a:latin typeface="Arial"/>
-                <a:cs typeface="Arial"/>
-              </a:rPr>
-              <a:t> </a:t>
-            </a:r>
-            <a:r>
-              <a:rPr lang="en-US" altLang="zh-CN" sz="3200" spc="7" dirty="0">
-                <a:solidFill>
-                  <a:srgbClr val="616161"/>
-                </a:solidFill>
-                <a:latin typeface="Arial"/>
-                <a:cs typeface="Arial"/>
-              </a:rPr>
-              <a:t>and</a:t>
-            </a:r>
-            <a:r>
-              <a:rPr lang="zh-CN" altLang="en-US" sz="3200" spc="7" dirty="0">
-                <a:solidFill>
-                  <a:srgbClr val="616161"/>
-                </a:solidFill>
-                <a:latin typeface="Arial"/>
-                <a:cs typeface="Arial"/>
-              </a:rPr>
-              <a:t> </a:t>
-            </a:r>
-            <a:r>
-              <a:rPr lang="en-US" altLang="zh-CN" sz="3200" spc="7" dirty="0">
-                <a:solidFill>
-                  <a:srgbClr val="616161"/>
-                </a:solidFill>
-                <a:latin typeface="Arial"/>
-                <a:cs typeface="Arial"/>
-              </a:rPr>
-              <a:t>renew</a:t>
-            </a:r>
-            <a:r>
-              <a:rPr lang="zh-CN" altLang="en-US" sz="3200" spc="7" dirty="0">
-                <a:solidFill>
-                  <a:srgbClr val="616161"/>
-                </a:solidFill>
-                <a:latin typeface="Arial"/>
-                <a:cs typeface="Arial"/>
-              </a:rPr>
-              <a:t> </a:t>
-            </a:r>
-            <a:r>
-              <a:rPr lang="en-US" altLang="zh-CN" sz="3200" spc="7" dirty="0">
-                <a:solidFill>
-                  <a:srgbClr val="616161"/>
-                </a:solidFill>
-                <a:latin typeface="Arial"/>
-                <a:cs typeface="Arial"/>
-              </a:rPr>
-              <a:t>the</a:t>
-            </a:r>
-            <a:r>
-              <a:rPr lang="zh-CN" altLang="en-US" sz="3200" spc="7" dirty="0">
-                <a:solidFill>
-                  <a:srgbClr val="616161"/>
-                </a:solidFill>
-                <a:latin typeface="Arial"/>
-                <a:cs typeface="Arial"/>
-              </a:rPr>
-              <a:t> </a:t>
-            </a:r>
-            <a:r>
-              <a:rPr lang="en-US" altLang="zh-CN" sz="3200" spc="7" dirty="0">
-                <a:solidFill>
-                  <a:srgbClr val="616161"/>
-                </a:solidFill>
-                <a:latin typeface="Arial"/>
-                <a:cs typeface="Arial"/>
-              </a:rPr>
-              <a:t>tweets</a:t>
-            </a:r>
-            <a:r>
-              <a:rPr lang="zh-CN" altLang="en-US" sz="3200" spc="7" dirty="0">
-                <a:solidFill>
-                  <a:srgbClr val="616161"/>
-                </a:solidFill>
-                <a:latin typeface="Arial"/>
-                <a:cs typeface="Arial"/>
-              </a:rPr>
-              <a:t> </a:t>
-            </a:r>
-            <a:r>
-              <a:rPr lang="en-US" altLang="zh-CN" sz="3200" spc="7" dirty="0">
-                <a:solidFill>
-                  <a:srgbClr val="616161"/>
-                </a:solidFill>
-                <a:latin typeface="Arial"/>
-                <a:cs typeface="Arial"/>
-              </a:rPr>
-              <a:t>to</a:t>
-            </a:r>
-            <a:r>
-              <a:rPr lang="zh-CN" altLang="en-US" sz="3200" spc="7" dirty="0">
-                <a:solidFill>
-                  <a:srgbClr val="616161"/>
-                </a:solidFill>
-                <a:latin typeface="Arial"/>
-                <a:cs typeface="Arial"/>
-              </a:rPr>
-              <a:t> </a:t>
-            </a:r>
-            <a:r>
-              <a:rPr lang="en-US" altLang="zh-CN" sz="3200" spc="7" dirty="0">
-                <a:solidFill>
-                  <a:srgbClr val="616161"/>
-                </a:solidFill>
-                <a:latin typeface="Arial"/>
-                <a:cs typeface="Arial"/>
-              </a:rPr>
-              <a:t>reduce</a:t>
-            </a:r>
-            <a:r>
-              <a:rPr lang="zh-CN" altLang="en-US" sz="3200" spc="7" dirty="0">
-                <a:solidFill>
-                  <a:srgbClr val="616161"/>
-                </a:solidFill>
-                <a:latin typeface="Arial"/>
-                <a:cs typeface="Arial"/>
-              </a:rPr>
-              <a:t> </a:t>
-            </a:r>
-            <a:r>
-              <a:rPr lang="en-US" altLang="zh-CN" sz="3200" spc="7" dirty="0">
-                <a:solidFill>
-                  <a:srgbClr val="616161"/>
-                </a:solidFill>
-                <a:latin typeface="Arial"/>
-                <a:cs typeface="Arial"/>
-              </a:rPr>
-              <a:t>the</a:t>
-            </a:r>
-            <a:r>
-              <a:rPr lang="zh-CN" altLang="en-US" sz="3200" spc="7" dirty="0">
-                <a:solidFill>
-                  <a:srgbClr val="616161"/>
-                </a:solidFill>
-                <a:latin typeface="Arial"/>
-                <a:cs typeface="Arial"/>
-              </a:rPr>
-              <a:t> </a:t>
-            </a:r>
-            <a:r>
-              <a:rPr lang="en-US" altLang="zh-CN" sz="3200" spc="7" dirty="0">
-                <a:solidFill>
-                  <a:srgbClr val="616161"/>
-                </a:solidFill>
-                <a:latin typeface="Arial"/>
-                <a:cs typeface="Arial"/>
-              </a:rPr>
-              <a:t>response</a:t>
-            </a:r>
-            <a:r>
-              <a:rPr lang="zh-CN" altLang="en-US" sz="3200" spc="7" dirty="0">
-                <a:solidFill>
-                  <a:srgbClr val="616161"/>
-                </a:solidFill>
-                <a:latin typeface="Arial"/>
-                <a:cs typeface="Arial"/>
-              </a:rPr>
-              <a:t> </a:t>
-            </a:r>
-            <a:r>
-              <a:rPr lang="en-US" altLang="zh-CN" sz="3200" spc="7" dirty="0">
-                <a:solidFill>
-                  <a:srgbClr val="616161"/>
-                </a:solidFill>
-                <a:latin typeface="Arial"/>
-                <a:cs typeface="Arial"/>
-              </a:rPr>
-              <a:t>time</a:t>
             </a:r>
             <a:endParaRPr sz="3200" dirty="0">
               <a:latin typeface="Arial"/>
@@ -9972,7 +9663,7 @@
               <a:t>“</a:t>
             </a:r>
             <a:r>
-              <a:rPr lang="en-US" altLang="zh-CN" sz="3200" spc="40">
+              <a:rPr lang="en-US" altLang="zh-CN" sz="3200" spc="40" dirty="0">
                 <a:solidFill>
                   <a:srgbClr val="616161"/>
                 </a:solidFill>
@@ -9982,14 +9673,14 @@
               <a:t>APPLE</a:t>
             </a:r>
             <a:r>
-              <a:rPr lang="en-US" sz="3200" spc="40">
-                <a:solidFill>
-                  <a:srgbClr val="616161"/>
-                </a:solidFill>
-                <a:latin typeface="Arial"/>
-                <a:cs typeface="Arial"/>
-              </a:rPr>
-              <a:t>”</a:t>
+              <a:rPr lang="en-US" sz="3200" spc="40" dirty="0">
+                <a:solidFill>
+                  <a:srgbClr val="616161"/>
+                </a:solidFill>
+                <a:latin typeface="Arial"/>
+                <a:cs typeface="Arial"/>
+              </a:rPr>
+              <a:t>” </a:t>
             </a:r>
             <a:endParaRPr lang="en-US" sz="3200" dirty="0">
               <a:latin typeface="Arial"/>

--- a/Planning.pptx
+++ b/Planning.pptx
@@ -843,7 +843,7 @@
             <a:fld id="{B61BEF0D-F0BB-DE4B-95CE-6DB70DBA9567}" type="datetimeFigureOut">
               <a:rPr lang="en-US" dirty="0"/>
               <a:pPr/>
-              <a:t>3/21/19</a:t>
+              <a:t>3/24/19</a:t>
             </a:fld>
             <a:endParaRPr lang="en-US" dirty="0"/>
           </a:p>
@@ -1091,7 +1091,7 @@
             <a:fld id="{B61BEF0D-F0BB-DE4B-95CE-6DB70DBA9567}" type="datetimeFigureOut">
               <a:rPr lang="en-US" dirty="0"/>
               <a:pPr/>
-              <a:t>3/21/19</a:t>
+              <a:t>3/24/19</a:t>
             </a:fld>
             <a:endParaRPr lang="en-US" dirty="0"/>
           </a:p>
@@ -1402,7 +1402,7 @@
             <a:fld id="{B61BEF0D-F0BB-DE4B-95CE-6DB70DBA9567}" type="datetimeFigureOut">
               <a:rPr lang="en-US" dirty="0"/>
               <a:pPr/>
-              <a:t>3/21/19</a:t>
+              <a:t>3/24/19</a:t>
             </a:fld>
             <a:endParaRPr lang="en-US" dirty="0"/>
           </a:p>
@@ -1740,7 +1740,7 @@
             <a:fld id="{B61BEF0D-F0BB-DE4B-95CE-6DB70DBA9567}" type="datetimeFigureOut">
               <a:rPr lang="en-US" dirty="0"/>
               <a:pPr/>
-              <a:t>3/21/19</a:t>
+              <a:t>3/24/19</a:t>
             </a:fld>
             <a:endParaRPr lang="en-US" dirty="0"/>
           </a:p>
@@ -2051,7 +2051,7 @@
             <a:fld id="{B61BEF0D-F0BB-DE4B-95CE-6DB70DBA9567}" type="datetimeFigureOut">
               <a:rPr lang="en-US" dirty="0"/>
               <a:pPr/>
-              <a:t>3/21/19</a:t>
+              <a:t>3/24/19</a:t>
             </a:fld>
             <a:endParaRPr lang="en-US" dirty="0"/>
           </a:p>
@@ -2441,7 +2441,7 @@
             <a:fld id="{B61BEF0D-F0BB-DE4B-95CE-6DB70DBA9567}" type="datetimeFigureOut">
               <a:rPr lang="en-US" dirty="0"/>
               <a:pPr/>
-              <a:t>3/21/19</a:t>
+              <a:t>3/24/19</a:t>
             </a:fld>
             <a:endParaRPr lang="en-US" dirty="0"/>
           </a:p>
@@ -2607,7 +2607,7 @@
           <a:p>
             <a:fld id="{55C6B4A9-1611-4792-9094-5F34BCA07E0B}" type="datetimeFigureOut">
               <a:rPr lang="en-US" dirty="0"/>
-              <a:t>3/21/19</a:t>
+              <a:t>3/24/19</a:t>
             </a:fld>
             <a:endParaRPr lang="en-US" dirty="0"/>
           </a:p>
@@ -2783,7 +2783,7 @@
             <a:fld id="{B61BEF0D-F0BB-DE4B-95CE-6DB70DBA9567}" type="datetimeFigureOut">
               <a:rPr lang="en-US" dirty="0"/>
               <a:pPr/>
-              <a:t>3/21/19</a:t>
+              <a:t>3/24/19</a:t>
             </a:fld>
             <a:endParaRPr lang="en-US" dirty="0"/>
           </a:p>
@@ -2956,7 +2956,7 @@
             <a:fld id="{B61BEF0D-F0BB-DE4B-95CE-6DB70DBA9567}" type="datetimeFigureOut">
               <a:rPr lang="en-US" dirty="0"/>
               <a:pPr/>
-              <a:t>3/21/19</a:t>
+              <a:t>3/24/19</a:t>
             </a:fld>
             <a:endParaRPr lang="en-US" dirty="0"/>
           </a:p>
@@ -3200,7 +3200,7 @@
             <a:fld id="{B61BEF0D-F0BB-DE4B-95CE-6DB70DBA9567}" type="datetimeFigureOut">
               <a:rPr lang="en-US" dirty="0"/>
               <a:pPr/>
-              <a:t>3/21/19</a:t>
+              <a:t>3/24/19</a:t>
             </a:fld>
             <a:endParaRPr lang="en-US" dirty="0"/>
           </a:p>
@@ -3428,7 +3428,7 @@
           <a:p>
             <a:fld id="{EB712588-04B1-427B-82EE-E8DB90309F08}" type="datetimeFigureOut">
               <a:rPr lang="en-US" dirty="0"/>
-              <a:t>3/21/19</a:t>
+              <a:t>3/24/19</a:t>
             </a:fld>
             <a:endParaRPr lang="en-US" dirty="0"/>
           </a:p>
@@ -3798,7 +3798,7 @@
             <a:fld id="{B61BEF0D-F0BB-DE4B-95CE-6DB70DBA9567}" type="datetimeFigureOut">
               <a:rPr lang="en-US" dirty="0"/>
               <a:pPr/>
-              <a:t>3/21/19</a:t>
+              <a:t>3/24/19</a:t>
             </a:fld>
             <a:endParaRPr lang="en-US" dirty="0"/>
           </a:p>
@@ -3918,7 +3918,7 @@
             <a:fld id="{B61BEF0D-F0BB-DE4B-95CE-6DB70DBA9567}" type="datetimeFigureOut">
               <a:rPr lang="en-US" dirty="0"/>
               <a:pPr/>
-              <a:t>3/21/19</a:t>
+              <a:t>3/24/19</a:t>
             </a:fld>
             <a:endParaRPr lang="en-US" dirty="0"/>
           </a:p>
@@ -4010,7 +4010,7 @@
             <a:fld id="{B61BEF0D-F0BB-DE4B-95CE-6DB70DBA9567}" type="datetimeFigureOut">
               <a:rPr lang="en-US" dirty="0"/>
               <a:pPr/>
-              <a:t>3/21/19</a:t>
+              <a:t>3/24/19</a:t>
             </a:fld>
             <a:endParaRPr lang="en-US" dirty="0"/>
           </a:p>
@@ -4261,7 +4261,7 @@
           <a:p>
             <a:fld id="{42A54C80-263E-416B-A8E0-580EDEADCBDC}" type="datetimeFigureOut">
               <a:rPr lang="en-US" dirty="0"/>
-              <a:t>3/21/19</a:t>
+              <a:t>3/24/19</a:t>
             </a:fld>
             <a:endParaRPr lang="en-US" dirty="0"/>
           </a:p>
@@ -4520,7 +4520,7 @@
             <a:fld id="{B61BEF0D-F0BB-DE4B-95CE-6DB70DBA9567}" type="datetimeFigureOut">
               <a:rPr lang="en-US" dirty="0"/>
               <a:pPr/>
-              <a:t>3/21/19</a:t>
+              <a:t>3/24/19</a:t>
             </a:fld>
             <a:endParaRPr lang="en-US" dirty="0"/>
           </a:p>
@@ -5260,7 +5260,7 @@
             <a:fld id="{B61BEF0D-F0BB-DE4B-95CE-6DB70DBA9567}" type="datetimeFigureOut">
               <a:rPr lang="en-US" dirty="0"/>
               <a:pPr/>
-              <a:t>3/21/19</a:t>
+              <a:t>3/24/19</a:t>
             </a:fld>
             <a:endParaRPr lang="en-US" dirty="0"/>
           </a:p>
@@ -9972,7 +9972,7 @@
               <a:t>“</a:t>
             </a:r>
             <a:r>
-              <a:rPr lang="en-US" altLang="zh-CN" sz="3200" spc="40">
+              <a:rPr lang="en-US" altLang="zh-CN" sz="3200" spc="40" dirty="0">
                 <a:solidFill>
                   <a:srgbClr val="616161"/>
                 </a:solidFill>
@@ -9982,7 +9982,7 @@
               <a:t>APPLE</a:t>
             </a:r>
             <a:r>
-              <a:rPr lang="en-US" sz="3200" spc="40">
+              <a:rPr lang="en-US" sz="3200" spc="40" dirty="0">
                 <a:solidFill>
                   <a:srgbClr val="616161"/>
                 </a:solidFill>
@@ -10125,7 +10125,7 @@
                 <a:latin typeface="Arial"/>
                 <a:cs typeface="Arial"/>
               </a:rPr>
-              <a:t>30</a:t>
+              <a:t>5</a:t>
             </a:r>
             <a:r>
               <a:rPr lang="zh-CN" altLang="en-US" sz="2400" spc="-33" dirty="0">
